--- a/Presentation Template.pptx
+++ b/Presentation Template.pptx
@@ -1,58 +1,64 @@
 
 <file path=ppt/presentation.xml><?xml version="1.0" encoding="utf-8"?>
-<p:presentation xmlns:a="http://schemas.openxmlformats.org/drawingml/2006/main" xmlns:r="http://schemas.openxmlformats.org/officeDocument/2006/relationships" xmlns:mc="http://schemas.openxmlformats.org/markup-compatibility/2006" xmlns:mv="urn:schemas-microsoft-com:mac:vml" xmlns:p="http://schemas.openxmlformats.org/presentationml/2006/main" xmlns:c="http://schemas.openxmlformats.org/drawingml/2006/chart" xmlns:dgm="http://schemas.openxmlformats.org/drawingml/2006/diagram" xmlns:o="urn:schemas-microsoft-com:office:office" xmlns:v="urn:schemas-microsoft-com:vml" xmlns:pvml="urn:schemas-microsoft-com:office:powerpoint" xmlns:com="http://schemas.openxmlformats.org/drawingml/2006/compatibility" xmlns:p14="http://schemas.microsoft.com/office/powerpoint/2010/main" xmlns:p15="http://schemas.microsoft.com/office/powerpoint/2012/main" xmlns:ahyp="http://schemas.microsoft.com/office/drawing/2018/hyperlinkcolor" autoCompressPictures="0" embedTrueTypeFonts="1" strictFirstAndLastChars="0" saveSubsetFonts="1">
+<p:presentation xmlns:a="http://schemas.openxmlformats.org/drawingml/2006/main" xmlns:r="http://schemas.openxmlformats.org/officeDocument/2006/relationships" xmlns:p="http://schemas.openxmlformats.org/presentationml/2006/main" strictFirstAndLastChars="0" embedTrueTypeFonts="1" saveSubsetFonts="1" autoCompressPictures="0">
   <p:sldMasterIdLst>
-    <p:sldMasterId id="2147483673" r:id="rId4"/>
+    <p:sldMasterId id="2147483673" r:id="rId1"/>
   </p:sldMasterIdLst>
   <p:notesMasterIdLst>
-    <p:notesMasterId r:id="rId5"/>
+    <p:notesMasterId r:id="rId13"/>
   </p:notesMasterIdLst>
   <p:sldIdLst>
-    <p:sldId id="256" r:id="rId6"/>
-    <p:sldId id="257" r:id="rId7"/>
-    <p:sldId id="258" r:id="rId8"/>
-    <p:sldId id="259" r:id="rId9"/>
-    <p:sldId id="260" r:id="rId10"/>
-    <p:sldId id="261" r:id="rId11"/>
-    <p:sldId id="262" r:id="rId12"/>
-    <p:sldId id="263" r:id="rId13"/>
-    <p:sldId id="264" r:id="rId14"/>
-    <p:sldId id="265" r:id="rId15"/>
+    <p:sldId id="256" r:id="rId2"/>
+    <p:sldId id="258" r:id="rId3"/>
+    <p:sldId id="259" r:id="rId4"/>
+    <p:sldId id="260" r:id="rId5"/>
+    <p:sldId id="266" r:id="rId6"/>
+    <p:sldId id="261" r:id="rId7"/>
+    <p:sldId id="267" r:id="rId8"/>
+    <p:sldId id="262" r:id="rId9"/>
+    <p:sldId id="263" r:id="rId10"/>
+    <p:sldId id="264" r:id="rId11"/>
+    <p:sldId id="265" r:id="rId12"/>
   </p:sldIdLst>
-  <p:sldSz cy="6858000" cx="12192000"/>
+  <p:sldSz cx="12192000" cy="6858000"/>
   <p:notesSz cx="6858000" cy="9144000"/>
   <p:embeddedFontLst>
     <p:embeddedFont>
-      <p:font typeface="Poppins"/>
-      <p:regular r:id="rId16"/>
-      <p:bold r:id="rId17"/>
-      <p:italic r:id="rId18"/>
-      <p:boldItalic r:id="rId19"/>
+      <p:font typeface="Andale Mono" panose="020B0509000000000004" pitchFamily="49" charset="0"/>
+      <p:regular r:id="rId14"/>
     </p:embeddedFont>
     <p:embeddedFont>
-      <p:font typeface="Montserrat"/>
-      <p:regular r:id="rId20"/>
-      <p:bold r:id="rId21"/>
-      <p:italic r:id="rId22"/>
-      <p:boldItalic r:id="rId23"/>
+      <p:font typeface="Calibri" panose="020F0502020204030204" pitchFamily="34" charset="0"/>
+      <p:regular r:id="rId15"/>
+      <p:bold r:id="rId16"/>
+      <p:italic r:id="rId17"/>
+      <p:boldItalic r:id="rId18"/>
     </p:embeddedFont>
     <p:embeddedFont>
-      <p:font typeface="Montserrat Medium"/>
-      <p:regular r:id="rId24"/>
-      <p:bold r:id="rId25"/>
-      <p:italic r:id="rId26"/>
-      <p:boldItalic r:id="rId27"/>
+      <p:font typeface="Montserrat" panose="02000505000000020004" pitchFamily="2" charset="77"/>
+      <p:regular r:id="rId19"/>
+      <p:bold r:id="rId20"/>
+      <p:italic r:id="rId21"/>
+      <p:boldItalic r:id="rId22"/>
     </p:embeddedFont>
     <p:embeddedFont>
-      <p:font typeface="Poppins Medium"/>
-      <p:regular r:id="rId28"/>
-      <p:bold r:id="rId29"/>
-      <p:italic r:id="rId30"/>
-      <p:boldItalic r:id="rId31"/>
+      <p:font typeface="Montserrat ExtraBold" panose="02000505000000020004" pitchFamily="2" charset="77"/>
+      <p:bold r:id="rId23"/>
+      <p:italic r:id="rId24"/>
+      <p:boldItalic r:id="rId25"/>
     </p:embeddedFont>
     <p:embeddedFont>
-      <p:font typeface="Montserrat ExtraBold"/>
-      <p:bold r:id="rId32"/>
+      <p:font typeface="Montserrat Medium" panose="02000505000000020004" pitchFamily="2" charset="77"/>
+      <p:regular r:id="rId26"/>
+      <p:bold r:id="rId27"/>
+      <p:italic r:id="rId28"/>
+      <p:boldItalic r:id="rId29"/>
+    </p:embeddedFont>
+    <p:embeddedFont>
+      <p:font typeface="Poppins"/>
+      <p:regular r:id="rId30"/>
+      <p:bold r:id="rId31"/>
+      <p:italic r:id="rId32"/>
       <p:boldItalic r:id="rId33"/>
     </p:embeddedFont>
     <p:embeddedFont>
@@ -64,7 +70,7 @@
     </p:embeddedFont>
   </p:embeddedFontLst>
   <p:defaultTextStyle>
-    <a:defPPr lvl="0" marR="0" rtl="0" algn="l">
+    <a:defPPr marR="0" lvl="0" algn="l" rtl="0">
       <a:lnSpc>
         <a:spcPct val="100000"/>
       </a:lnSpc>
@@ -75,7 +81,7 @@
         <a:spcPts val="0"/>
       </a:spcAft>
     </a:defPPr>
-    <a:lvl1pPr lvl="0" marR="0" rtl="0" algn="l">
+    <a:lvl1pPr marR="0" lvl="0" algn="l" rtl="0">
       <a:lnSpc>
         <a:spcPct val="100000"/>
       </a:lnSpc>
@@ -89,7 +95,7 @@
         <a:srgbClr val="000000"/>
       </a:buClr>
       <a:buFont typeface="Arial"/>
-      <a:defRPr b="0" i="0" sz="1400" u="none" cap="none" strike="noStrike">
+      <a:defRPr sz="1400" b="0" i="0" u="none" strike="noStrike" cap="none">
         <a:solidFill>
           <a:srgbClr val="000000"/>
         </a:solidFill>
@@ -99,7 +105,7 @@
         <a:sym typeface="Arial"/>
       </a:defRPr>
     </a:lvl1pPr>
-    <a:lvl2pPr lvl="1" marR="0" rtl="0" algn="l">
+    <a:lvl2pPr marR="0" lvl="1" algn="l" rtl="0">
       <a:lnSpc>
         <a:spcPct val="100000"/>
       </a:lnSpc>
@@ -113,7 +119,7 @@
         <a:srgbClr val="000000"/>
       </a:buClr>
       <a:buFont typeface="Arial"/>
-      <a:defRPr b="0" i="0" sz="1400" u="none" cap="none" strike="noStrike">
+      <a:defRPr sz="1400" b="0" i="0" u="none" strike="noStrike" cap="none">
         <a:solidFill>
           <a:srgbClr val="000000"/>
         </a:solidFill>
@@ -123,7 +129,7 @@
         <a:sym typeface="Arial"/>
       </a:defRPr>
     </a:lvl2pPr>
-    <a:lvl3pPr lvl="2" marR="0" rtl="0" algn="l">
+    <a:lvl3pPr marR="0" lvl="2" algn="l" rtl="0">
       <a:lnSpc>
         <a:spcPct val="100000"/>
       </a:lnSpc>
@@ -137,7 +143,7 @@
         <a:srgbClr val="000000"/>
       </a:buClr>
       <a:buFont typeface="Arial"/>
-      <a:defRPr b="0" i="0" sz="1400" u="none" cap="none" strike="noStrike">
+      <a:defRPr sz="1400" b="0" i="0" u="none" strike="noStrike" cap="none">
         <a:solidFill>
           <a:srgbClr val="000000"/>
         </a:solidFill>
@@ -147,7 +153,7 @@
         <a:sym typeface="Arial"/>
       </a:defRPr>
     </a:lvl3pPr>
-    <a:lvl4pPr lvl="3" marR="0" rtl="0" algn="l">
+    <a:lvl4pPr marR="0" lvl="3" algn="l" rtl="0">
       <a:lnSpc>
         <a:spcPct val="100000"/>
       </a:lnSpc>
@@ -161,7 +167,7 @@
         <a:srgbClr val="000000"/>
       </a:buClr>
       <a:buFont typeface="Arial"/>
-      <a:defRPr b="0" i="0" sz="1400" u="none" cap="none" strike="noStrike">
+      <a:defRPr sz="1400" b="0" i="0" u="none" strike="noStrike" cap="none">
         <a:solidFill>
           <a:srgbClr val="000000"/>
         </a:solidFill>
@@ -171,7 +177,7 @@
         <a:sym typeface="Arial"/>
       </a:defRPr>
     </a:lvl4pPr>
-    <a:lvl5pPr lvl="4" marR="0" rtl="0" algn="l">
+    <a:lvl5pPr marR="0" lvl="4" algn="l" rtl="0">
       <a:lnSpc>
         <a:spcPct val="100000"/>
       </a:lnSpc>
@@ -185,7 +191,7 @@
         <a:srgbClr val="000000"/>
       </a:buClr>
       <a:buFont typeface="Arial"/>
-      <a:defRPr b="0" i="0" sz="1400" u="none" cap="none" strike="noStrike">
+      <a:defRPr sz="1400" b="0" i="0" u="none" strike="noStrike" cap="none">
         <a:solidFill>
           <a:srgbClr val="000000"/>
         </a:solidFill>
@@ -195,7 +201,7 @@
         <a:sym typeface="Arial"/>
       </a:defRPr>
     </a:lvl5pPr>
-    <a:lvl6pPr lvl="5" marR="0" rtl="0" algn="l">
+    <a:lvl6pPr marR="0" lvl="5" algn="l" rtl="0">
       <a:lnSpc>
         <a:spcPct val="100000"/>
       </a:lnSpc>
@@ -209,7 +215,7 @@
         <a:srgbClr val="000000"/>
       </a:buClr>
       <a:buFont typeface="Arial"/>
-      <a:defRPr b="0" i="0" sz="1400" u="none" cap="none" strike="noStrike">
+      <a:defRPr sz="1400" b="0" i="0" u="none" strike="noStrike" cap="none">
         <a:solidFill>
           <a:srgbClr val="000000"/>
         </a:solidFill>
@@ -219,7 +225,7 @@
         <a:sym typeface="Arial"/>
       </a:defRPr>
     </a:lvl6pPr>
-    <a:lvl7pPr lvl="6" marR="0" rtl="0" algn="l">
+    <a:lvl7pPr marR="0" lvl="6" algn="l" rtl="0">
       <a:lnSpc>
         <a:spcPct val="100000"/>
       </a:lnSpc>
@@ -233,7 +239,7 @@
         <a:srgbClr val="000000"/>
       </a:buClr>
       <a:buFont typeface="Arial"/>
-      <a:defRPr b="0" i="0" sz="1400" u="none" cap="none" strike="noStrike">
+      <a:defRPr sz="1400" b="0" i="0" u="none" strike="noStrike" cap="none">
         <a:solidFill>
           <a:srgbClr val="000000"/>
         </a:solidFill>
@@ -243,7 +249,7 @@
         <a:sym typeface="Arial"/>
       </a:defRPr>
     </a:lvl7pPr>
-    <a:lvl8pPr lvl="7" marR="0" rtl="0" algn="l">
+    <a:lvl8pPr marR="0" lvl="7" algn="l" rtl="0">
       <a:lnSpc>
         <a:spcPct val="100000"/>
       </a:lnSpc>
@@ -257,7 +263,7 @@
         <a:srgbClr val="000000"/>
       </a:buClr>
       <a:buFont typeface="Arial"/>
-      <a:defRPr b="0" i="0" sz="1400" u="none" cap="none" strike="noStrike">
+      <a:defRPr sz="1400" b="0" i="0" u="none" strike="noStrike" cap="none">
         <a:solidFill>
           <a:srgbClr val="000000"/>
         </a:solidFill>
@@ -267,7 +273,7 @@
         <a:sym typeface="Arial"/>
       </a:defRPr>
     </a:lvl8pPr>
-    <a:lvl9pPr lvl="8" marR="0" rtl="0" algn="l">
+    <a:lvl9pPr marR="0" lvl="8" algn="l" rtl="0">
       <a:lnSpc>
         <a:spcPct val="100000"/>
       </a:lnSpc>
@@ -281,7 +287,7 @@
         <a:srgbClr val="000000"/>
       </a:buClr>
       <a:buFont typeface="Arial"/>
-      <a:defRPr b="0" i="0" sz="1400" u="none" cap="none" strike="noStrike">
+      <a:defRPr sz="1400" b="0" i="0" u="none" strike="noStrike" cap="none">
         <a:solidFill>
           <a:srgbClr val="000000"/>
         </a:solidFill>
@@ -294,7 +300,7 @@
   </p:defaultTextStyle>
   <p:extLst>
     <p:ext uri="{EFAFB233-063F-42B5-8137-9DF3F51BA10A}">
-      <p15:sldGuideLst>
+      <p15:sldGuideLst xmlns:p15="http://schemas.microsoft.com/office/powerpoint/2012/main">
         <p15:guide id="1" orient="horz" pos="2160">
           <p15:clr>
             <a:srgbClr val="A4A3A4"/>
@@ -336,19 +342,29 @@
 </p:presentation>
 </file>
 
+<file path=ppt/revisionInfo.xml><?xml version="1.0" encoding="utf-8"?>
+<p1510:revInfo xmlns:a="http://schemas.openxmlformats.org/drawingml/2006/main" xmlns:r="http://schemas.openxmlformats.org/officeDocument/2006/relationships" xmlns:p1510="http://schemas.microsoft.com/office/powerpoint/2015/10/main">
+  <p1510:revLst>
+    <p1510:client id="{30CB36FD-1BFE-417C-B185-02E8FD5FA9E1}" v="118" dt="2024-01-24T17:10:46.996"/>
+    <p1510:client id="{54F49FCB-DC7F-466A-BFFF-02544659A05E}" v="132" dt="2024-01-24T16:52:08.057"/>
+  </p1510:revLst>
+</p1510:revInfo>
+</file>
+
 <file path=ppt/notesMasters/notesMaster1.xml><?xml version="1.0" encoding="utf-8"?>
-<p:notesMaster xmlns:a="http://schemas.openxmlformats.org/drawingml/2006/main" xmlns:r="http://schemas.openxmlformats.org/officeDocument/2006/relationships" xmlns:mc="http://schemas.openxmlformats.org/markup-compatibility/2006" xmlns:mv="urn:schemas-microsoft-com:mac:vml" xmlns:p="http://schemas.openxmlformats.org/presentationml/2006/main" xmlns:c="http://schemas.openxmlformats.org/drawingml/2006/chart" xmlns:dgm="http://schemas.openxmlformats.org/drawingml/2006/diagram" xmlns:o="urn:schemas-microsoft-com:office:office" xmlns:v="urn:schemas-microsoft-com:vml" xmlns:pvml="urn:schemas-microsoft-com:office:powerpoint" xmlns:com="http://schemas.openxmlformats.org/drawingml/2006/compatibility" xmlns:p14="http://schemas.microsoft.com/office/powerpoint/2010/main" xmlns:p15="http://schemas.microsoft.com/office/powerpoint/2012/main" xmlns:ahyp="http://schemas.microsoft.com/office/drawing/2018/hyperlinkcolor">
+<p:notesMaster xmlns:a="http://schemas.openxmlformats.org/drawingml/2006/main" xmlns:r="http://schemas.openxmlformats.org/officeDocument/2006/relationships" xmlns:p="http://schemas.openxmlformats.org/presentationml/2006/main">
   <p:cSld>
     <p:bg>
       <p:bgPr>
         <a:solidFill>
           <a:schemeClr val="lt1"/>
         </a:solidFill>
+        <a:effectLst/>
       </p:bgPr>
     </p:bg>
     <p:spTree>
       <p:nvGrpSpPr>
-        <p:cNvPr id="2" name="Shape 2"/>
+        <p:cNvPr id="1" name="Shape 2"/>
         <p:cNvGrpSpPr/>
         <p:nvPr/>
       </p:nvGrpSpPr>
@@ -363,9 +379,11 @@
       <p:sp>
         <p:nvSpPr>
           <p:cNvPr id="3" name="Google Shape;3;n"/>
-          <p:cNvSpPr txBox="1"/>
+          <p:cNvSpPr txBox="1">
+            <a:spLocks noGrp="1"/>
+          </p:cNvSpPr>
           <p:nvPr>
-            <p:ph idx="2" type="hdr"/>
+            <p:ph type="hdr" idx="2"/>
           </p:nvPr>
         </p:nvSpPr>
         <p:spPr>
@@ -382,11 +400,11 @@
           </a:ln>
         </p:spPr>
         <p:txBody>
-          <a:bodyPr anchorCtr="0" anchor="t" bIns="45700" lIns="91425" spcFirstLastPara="1" rIns="91425" wrap="square" tIns="45700">
+          <a:bodyPr spcFirstLastPara="1" wrap="square" lIns="91425" tIns="45700" rIns="91425" bIns="45700" anchor="t" anchorCtr="0">
             <a:noAutofit/>
           </a:bodyPr>
           <a:lstStyle>
-            <a:lvl1pPr lvl="0" marR="0" rtl="0" algn="l">
+            <a:lvl1pPr marR="0" lvl="0" algn="l" rtl="0">
               <a:spcBef>
                 <a:spcPts val="0"/>
               </a:spcBef>
@@ -395,7 +413,7 @@
               </a:spcAft>
               <a:buSzPts val="1400"/>
               <a:buNone/>
-              <a:defRPr b="0" i="0" sz="1200" u="none" cap="none" strike="noStrike">
+              <a:defRPr sz="1200" b="0" i="0" u="none" strike="noStrike" cap="none">
                 <a:solidFill>
                   <a:schemeClr val="dk1"/>
                 </a:solidFill>
@@ -405,7 +423,7 @@
                 <a:sym typeface="Calibri"/>
               </a:defRPr>
             </a:lvl1pPr>
-            <a:lvl2pPr lvl="1" marR="0" rtl="0" algn="l">
+            <a:lvl2pPr marR="0" lvl="1" algn="l" rtl="0">
               <a:spcBef>
                 <a:spcPts val="0"/>
               </a:spcBef>
@@ -414,7 +432,7 @@
               </a:spcAft>
               <a:buSzPts val="1400"/>
               <a:buNone/>
-              <a:defRPr b="0" i="0" sz="1800" u="none" cap="none" strike="noStrike">
+              <a:defRPr sz="1800" b="0" i="0" u="none" strike="noStrike" cap="none">
                 <a:solidFill>
                   <a:schemeClr val="dk1"/>
                 </a:solidFill>
@@ -424,7 +442,7 @@
                 <a:sym typeface="Calibri"/>
               </a:defRPr>
             </a:lvl2pPr>
-            <a:lvl3pPr lvl="2" marR="0" rtl="0" algn="l">
+            <a:lvl3pPr marR="0" lvl="2" algn="l" rtl="0">
               <a:spcBef>
                 <a:spcPts val="0"/>
               </a:spcBef>
@@ -433,7 +451,7 @@
               </a:spcAft>
               <a:buSzPts val="1400"/>
               <a:buNone/>
-              <a:defRPr b="0" i="0" sz="1800" u="none" cap="none" strike="noStrike">
+              <a:defRPr sz="1800" b="0" i="0" u="none" strike="noStrike" cap="none">
                 <a:solidFill>
                   <a:schemeClr val="dk1"/>
                 </a:solidFill>
@@ -443,7 +461,7 @@
                 <a:sym typeface="Calibri"/>
               </a:defRPr>
             </a:lvl3pPr>
-            <a:lvl4pPr lvl="3" marR="0" rtl="0" algn="l">
+            <a:lvl4pPr marR="0" lvl="3" algn="l" rtl="0">
               <a:spcBef>
                 <a:spcPts val="0"/>
               </a:spcBef>
@@ -452,7 +470,7 @@
               </a:spcAft>
               <a:buSzPts val="1400"/>
               <a:buNone/>
-              <a:defRPr b="0" i="0" sz="1800" u="none" cap="none" strike="noStrike">
+              <a:defRPr sz="1800" b="0" i="0" u="none" strike="noStrike" cap="none">
                 <a:solidFill>
                   <a:schemeClr val="dk1"/>
                 </a:solidFill>
@@ -462,7 +480,7 @@
                 <a:sym typeface="Calibri"/>
               </a:defRPr>
             </a:lvl4pPr>
-            <a:lvl5pPr lvl="4" marR="0" rtl="0" algn="l">
+            <a:lvl5pPr marR="0" lvl="4" algn="l" rtl="0">
               <a:spcBef>
                 <a:spcPts val="0"/>
               </a:spcBef>
@@ -471,7 +489,7 @@
               </a:spcAft>
               <a:buSzPts val="1400"/>
               <a:buNone/>
-              <a:defRPr b="0" i="0" sz="1800" u="none" cap="none" strike="noStrike">
+              <a:defRPr sz="1800" b="0" i="0" u="none" strike="noStrike" cap="none">
                 <a:solidFill>
                   <a:schemeClr val="dk1"/>
                 </a:solidFill>
@@ -481,7 +499,7 @@
                 <a:sym typeface="Calibri"/>
               </a:defRPr>
             </a:lvl5pPr>
-            <a:lvl6pPr lvl="5" marR="0" rtl="0" algn="l">
+            <a:lvl6pPr marR="0" lvl="5" algn="l" rtl="0">
               <a:spcBef>
                 <a:spcPts val="0"/>
               </a:spcBef>
@@ -490,7 +508,7 @@
               </a:spcAft>
               <a:buSzPts val="1400"/>
               <a:buNone/>
-              <a:defRPr b="0" i="0" sz="1800" u="none" cap="none" strike="noStrike">
+              <a:defRPr sz="1800" b="0" i="0" u="none" strike="noStrike" cap="none">
                 <a:solidFill>
                   <a:schemeClr val="dk1"/>
                 </a:solidFill>
@@ -500,7 +518,7 @@
                 <a:sym typeface="Calibri"/>
               </a:defRPr>
             </a:lvl6pPr>
-            <a:lvl7pPr lvl="6" marR="0" rtl="0" algn="l">
+            <a:lvl7pPr marR="0" lvl="6" algn="l" rtl="0">
               <a:spcBef>
                 <a:spcPts val="0"/>
               </a:spcBef>
@@ -509,7 +527,7 @@
               </a:spcAft>
               <a:buSzPts val="1400"/>
               <a:buNone/>
-              <a:defRPr b="0" i="0" sz="1800" u="none" cap="none" strike="noStrike">
+              <a:defRPr sz="1800" b="0" i="0" u="none" strike="noStrike" cap="none">
                 <a:solidFill>
                   <a:schemeClr val="dk1"/>
                 </a:solidFill>
@@ -519,7 +537,7 @@
                 <a:sym typeface="Calibri"/>
               </a:defRPr>
             </a:lvl7pPr>
-            <a:lvl8pPr lvl="7" marR="0" rtl="0" algn="l">
+            <a:lvl8pPr marR="0" lvl="7" algn="l" rtl="0">
               <a:spcBef>
                 <a:spcPts val="0"/>
               </a:spcBef>
@@ -528,7 +546,7 @@
               </a:spcAft>
               <a:buSzPts val="1400"/>
               <a:buNone/>
-              <a:defRPr b="0" i="0" sz="1800" u="none" cap="none" strike="noStrike">
+              <a:defRPr sz="1800" b="0" i="0" u="none" strike="noStrike" cap="none">
                 <a:solidFill>
                   <a:schemeClr val="dk1"/>
                 </a:solidFill>
@@ -538,7 +556,7 @@
                 <a:sym typeface="Calibri"/>
               </a:defRPr>
             </a:lvl8pPr>
-            <a:lvl9pPr lvl="8" marR="0" rtl="0" algn="l">
+            <a:lvl9pPr marR="0" lvl="8" algn="l" rtl="0">
               <a:spcBef>
                 <a:spcPts val="0"/>
               </a:spcBef>
@@ -547,7 +565,7 @@
               </a:spcAft>
               <a:buSzPts val="1400"/>
               <a:buNone/>
-              <a:defRPr b="0" i="0" sz="1800" u="none" cap="none" strike="noStrike">
+              <a:defRPr sz="1800" b="0" i="0" u="none" strike="noStrike" cap="none">
                 <a:solidFill>
                   <a:schemeClr val="dk1"/>
                 </a:solidFill>
@@ -558,15 +576,19 @@
               </a:defRPr>
             </a:lvl9pPr>
           </a:lstStyle>
-          <a:p/>
+          <a:p>
+            <a:endParaRPr/>
+          </a:p>
         </p:txBody>
       </p:sp>
       <p:sp>
         <p:nvSpPr>
           <p:cNvPr id="4" name="Google Shape;4;n"/>
-          <p:cNvSpPr txBox="1"/>
+          <p:cNvSpPr txBox="1">
+            <a:spLocks noGrp="1"/>
+          </p:cNvSpPr>
           <p:nvPr>
-            <p:ph idx="10" type="dt"/>
+            <p:ph type="dt" idx="10"/>
           </p:nvPr>
         </p:nvSpPr>
         <p:spPr>
@@ -583,11 +605,11 @@
           </a:ln>
         </p:spPr>
         <p:txBody>
-          <a:bodyPr anchorCtr="0" anchor="t" bIns="45700" lIns="91425" spcFirstLastPara="1" rIns="91425" wrap="square" tIns="45700">
+          <a:bodyPr spcFirstLastPara="1" wrap="square" lIns="91425" tIns="45700" rIns="91425" bIns="45700" anchor="t" anchorCtr="0">
             <a:noAutofit/>
           </a:bodyPr>
           <a:lstStyle>
-            <a:lvl1pPr lvl="0" marR="0" rtl="0" algn="r">
+            <a:lvl1pPr marR="0" lvl="0" algn="r" rtl="0">
               <a:spcBef>
                 <a:spcPts val="0"/>
               </a:spcBef>
@@ -596,7 +618,7 @@
               </a:spcAft>
               <a:buSzPts val="1400"/>
               <a:buNone/>
-              <a:defRPr b="0" i="0" sz="1200" u="none" cap="none" strike="noStrike">
+              <a:defRPr sz="1200" b="0" i="0" u="none" strike="noStrike" cap="none">
                 <a:solidFill>
                   <a:schemeClr val="dk1"/>
                 </a:solidFill>
@@ -606,7 +628,7 @@
                 <a:sym typeface="Calibri"/>
               </a:defRPr>
             </a:lvl1pPr>
-            <a:lvl2pPr lvl="1" marR="0" rtl="0" algn="l">
+            <a:lvl2pPr marR="0" lvl="1" algn="l" rtl="0">
               <a:spcBef>
                 <a:spcPts val="0"/>
               </a:spcBef>
@@ -615,7 +637,7 @@
               </a:spcAft>
               <a:buSzPts val="1400"/>
               <a:buNone/>
-              <a:defRPr b="0" i="0" sz="1800" u="none" cap="none" strike="noStrike">
+              <a:defRPr sz="1800" b="0" i="0" u="none" strike="noStrike" cap="none">
                 <a:solidFill>
                   <a:schemeClr val="dk1"/>
                 </a:solidFill>
@@ -625,7 +647,7 @@
                 <a:sym typeface="Calibri"/>
               </a:defRPr>
             </a:lvl2pPr>
-            <a:lvl3pPr lvl="2" marR="0" rtl="0" algn="l">
+            <a:lvl3pPr marR="0" lvl="2" algn="l" rtl="0">
               <a:spcBef>
                 <a:spcPts val="0"/>
               </a:spcBef>
@@ -634,7 +656,7 @@
               </a:spcAft>
               <a:buSzPts val="1400"/>
               <a:buNone/>
-              <a:defRPr b="0" i="0" sz="1800" u="none" cap="none" strike="noStrike">
+              <a:defRPr sz="1800" b="0" i="0" u="none" strike="noStrike" cap="none">
                 <a:solidFill>
                   <a:schemeClr val="dk1"/>
                 </a:solidFill>
@@ -644,7 +666,7 @@
                 <a:sym typeface="Calibri"/>
               </a:defRPr>
             </a:lvl3pPr>
-            <a:lvl4pPr lvl="3" marR="0" rtl="0" algn="l">
+            <a:lvl4pPr marR="0" lvl="3" algn="l" rtl="0">
               <a:spcBef>
                 <a:spcPts val="0"/>
               </a:spcBef>
@@ -653,7 +675,7 @@
               </a:spcAft>
               <a:buSzPts val="1400"/>
               <a:buNone/>
-              <a:defRPr b="0" i="0" sz="1800" u="none" cap="none" strike="noStrike">
+              <a:defRPr sz="1800" b="0" i="0" u="none" strike="noStrike" cap="none">
                 <a:solidFill>
                   <a:schemeClr val="dk1"/>
                 </a:solidFill>
@@ -663,7 +685,7 @@
                 <a:sym typeface="Calibri"/>
               </a:defRPr>
             </a:lvl4pPr>
-            <a:lvl5pPr lvl="4" marR="0" rtl="0" algn="l">
+            <a:lvl5pPr marR="0" lvl="4" algn="l" rtl="0">
               <a:spcBef>
                 <a:spcPts val="0"/>
               </a:spcBef>
@@ -672,7 +694,7 @@
               </a:spcAft>
               <a:buSzPts val="1400"/>
               <a:buNone/>
-              <a:defRPr b="0" i="0" sz="1800" u="none" cap="none" strike="noStrike">
+              <a:defRPr sz="1800" b="0" i="0" u="none" strike="noStrike" cap="none">
                 <a:solidFill>
                   <a:schemeClr val="dk1"/>
                 </a:solidFill>
@@ -682,7 +704,7 @@
                 <a:sym typeface="Calibri"/>
               </a:defRPr>
             </a:lvl5pPr>
-            <a:lvl6pPr lvl="5" marR="0" rtl="0" algn="l">
+            <a:lvl6pPr marR="0" lvl="5" algn="l" rtl="0">
               <a:spcBef>
                 <a:spcPts val="0"/>
               </a:spcBef>
@@ -691,7 +713,7 @@
               </a:spcAft>
               <a:buSzPts val="1400"/>
               <a:buNone/>
-              <a:defRPr b="0" i="0" sz="1800" u="none" cap="none" strike="noStrike">
+              <a:defRPr sz="1800" b="0" i="0" u="none" strike="noStrike" cap="none">
                 <a:solidFill>
                   <a:schemeClr val="dk1"/>
                 </a:solidFill>
@@ -701,7 +723,7 @@
                 <a:sym typeface="Calibri"/>
               </a:defRPr>
             </a:lvl6pPr>
-            <a:lvl7pPr lvl="6" marR="0" rtl="0" algn="l">
+            <a:lvl7pPr marR="0" lvl="6" algn="l" rtl="0">
               <a:spcBef>
                 <a:spcPts val="0"/>
               </a:spcBef>
@@ -710,7 +732,7 @@
               </a:spcAft>
               <a:buSzPts val="1400"/>
               <a:buNone/>
-              <a:defRPr b="0" i="0" sz="1800" u="none" cap="none" strike="noStrike">
+              <a:defRPr sz="1800" b="0" i="0" u="none" strike="noStrike" cap="none">
                 <a:solidFill>
                   <a:schemeClr val="dk1"/>
                 </a:solidFill>
@@ -720,7 +742,7 @@
                 <a:sym typeface="Calibri"/>
               </a:defRPr>
             </a:lvl7pPr>
-            <a:lvl8pPr lvl="7" marR="0" rtl="0" algn="l">
+            <a:lvl8pPr marR="0" lvl="7" algn="l" rtl="0">
               <a:spcBef>
                 <a:spcPts val="0"/>
               </a:spcBef>
@@ -729,7 +751,7 @@
               </a:spcAft>
               <a:buSzPts val="1400"/>
               <a:buNone/>
-              <a:defRPr b="0" i="0" sz="1800" u="none" cap="none" strike="noStrike">
+              <a:defRPr sz="1800" b="0" i="0" u="none" strike="noStrike" cap="none">
                 <a:solidFill>
                   <a:schemeClr val="dk1"/>
                 </a:solidFill>
@@ -739,7 +761,7 @@
                 <a:sym typeface="Calibri"/>
               </a:defRPr>
             </a:lvl8pPr>
-            <a:lvl9pPr lvl="8" marR="0" rtl="0" algn="l">
+            <a:lvl9pPr marR="0" lvl="8" algn="l" rtl="0">
               <a:spcBef>
                 <a:spcPts val="0"/>
               </a:spcBef>
@@ -748,7 +770,7 @@
               </a:spcAft>
               <a:buSzPts val="1400"/>
               <a:buNone/>
-              <a:defRPr b="0" i="0" sz="1800" u="none" cap="none" strike="noStrike">
+              <a:defRPr sz="1800" b="0" i="0" u="none" strike="noStrike" cap="none">
                 <a:solidFill>
                   <a:schemeClr val="dk1"/>
                 </a:solidFill>
@@ -759,15 +781,19 @@
               </a:defRPr>
             </a:lvl9pPr>
           </a:lstStyle>
-          <a:p/>
+          <a:p>
+            <a:endParaRPr/>
+          </a:p>
         </p:txBody>
       </p:sp>
       <p:sp>
         <p:nvSpPr>
           <p:cNvPr id="5" name="Google Shape;5;n"/>
-          <p:cNvSpPr/>
+          <p:cNvSpPr>
+            <a:spLocks noGrp="1" noRot="1" noChangeAspect="1"/>
+          </p:cNvSpPr>
           <p:nvPr>
-            <p:ph idx="3" type="sldImg"/>
+            <p:ph type="sldImg" idx="3"/>
           </p:nvPr>
         </p:nvSpPr>
         <p:spPr>
@@ -776,9 +802,13 @@
             <a:ext cx="5486400" cy="3086100"/>
           </a:xfrm>
           <a:custGeom>
-            <a:rect b="b" l="l" r="r" t="t"/>
+            <a:avLst/>
+            <a:gdLst/>
+            <a:ahLst/>
+            <a:cxnLst/>
+            <a:rect l="l" t="t" r="r" b="b"/>
             <a:pathLst>
-              <a:path extrusionOk="0" h="120000" w="120000">
+              <a:path w="120000" h="120000" extrusionOk="0">
                 <a:moveTo>
                   <a:pt x="0" y="0"/>
                 </a:moveTo>
@@ -796,23 +826,25 @@
             </a:pathLst>
           </a:custGeom>
           <a:noFill/>
-          <a:ln cap="flat" cmpd="sng" w="12700">
+          <a:ln w="12700" cap="flat" cmpd="sng">
             <a:solidFill>
               <a:srgbClr val="000000"/>
             </a:solidFill>
             <a:prstDash val="solid"/>
             <a:round/>
-            <a:headEnd len="sm" w="sm" type="none"/>
-            <a:tailEnd len="sm" w="sm" type="none"/>
+            <a:headEnd type="none" w="sm" len="sm"/>
+            <a:tailEnd type="none" w="sm" len="sm"/>
           </a:ln>
         </p:spPr>
       </p:sp>
       <p:sp>
         <p:nvSpPr>
           <p:cNvPr id="6" name="Google Shape;6;n"/>
-          <p:cNvSpPr txBox="1"/>
+          <p:cNvSpPr txBox="1">
+            <a:spLocks noGrp="1"/>
+          </p:cNvSpPr>
           <p:nvPr>
-            <p:ph idx="1" type="body"/>
+            <p:ph type="body" idx="1"/>
           </p:nvPr>
         </p:nvSpPr>
         <p:spPr>
@@ -829,11 +861,11 @@
           </a:ln>
         </p:spPr>
         <p:txBody>
-          <a:bodyPr anchorCtr="0" anchor="t" bIns="45700" lIns="91425" spcFirstLastPara="1" rIns="91425" wrap="square" tIns="45700">
+          <a:bodyPr spcFirstLastPara="1" wrap="square" lIns="91425" tIns="45700" rIns="91425" bIns="45700" anchor="t" anchorCtr="0">
             <a:noAutofit/>
           </a:bodyPr>
           <a:lstStyle>
-            <a:lvl1pPr indent="-228600" lvl="0" marL="457200" marR="0" rtl="0" algn="l">
+            <a:lvl1pPr marL="457200" marR="0" lvl="0" indent="-228600" algn="l" rtl="0">
               <a:spcBef>
                 <a:spcPts val="0"/>
               </a:spcBef>
@@ -842,7 +874,7 @@
               </a:spcAft>
               <a:buSzPts val="1400"/>
               <a:buNone/>
-              <a:defRPr b="0" i="0" sz="1200" u="none" cap="none" strike="noStrike">
+              <a:defRPr sz="1200" b="0" i="0" u="none" strike="noStrike" cap="none">
                 <a:solidFill>
                   <a:schemeClr val="dk1"/>
                 </a:solidFill>
@@ -852,7 +884,7 @@
                 <a:sym typeface="Calibri"/>
               </a:defRPr>
             </a:lvl1pPr>
-            <a:lvl2pPr indent="-228600" lvl="1" marL="914400" marR="0" rtl="0" algn="l">
+            <a:lvl2pPr marL="914400" marR="0" lvl="1" indent="-228600" algn="l" rtl="0">
               <a:spcBef>
                 <a:spcPts val="0"/>
               </a:spcBef>
@@ -861,7 +893,7 @@
               </a:spcAft>
               <a:buSzPts val="1400"/>
               <a:buNone/>
-              <a:defRPr b="0" i="0" sz="1200" u="none" cap="none" strike="noStrike">
+              <a:defRPr sz="1200" b="0" i="0" u="none" strike="noStrike" cap="none">
                 <a:solidFill>
                   <a:schemeClr val="dk1"/>
                 </a:solidFill>
@@ -871,7 +903,7 @@
                 <a:sym typeface="Calibri"/>
               </a:defRPr>
             </a:lvl2pPr>
-            <a:lvl3pPr indent="-228600" lvl="2" marL="1371600" marR="0" rtl="0" algn="l">
+            <a:lvl3pPr marL="1371600" marR="0" lvl="2" indent="-228600" algn="l" rtl="0">
               <a:spcBef>
                 <a:spcPts val="0"/>
               </a:spcBef>
@@ -880,7 +912,7 @@
               </a:spcAft>
               <a:buSzPts val="1400"/>
               <a:buNone/>
-              <a:defRPr b="0" i="0" sz="1200" u="none" cap="none" strike="noStrike">
+              <a:defRPr sz="1200" b="0" i="0" u="none" strike="noStrike" cap="none">
                 <a:solidFill>
                   <a:schemeClr val="dk1"/>
                 </a:solidFill>
@@ -890,7 +922,7 @@
                 <a:sym typeface="Calibri"/>
               </a:defRPr>
             </a:lvl3pPr>
-            <a:lvl4pPr indent="-228600" lvl="3" marL="1828800" marR="0" rtl="0" algn="l">
+            <a:lvl4pPr marL="1828800" marR="0" lvl="3" indent="-228600" algn="l" rtl="0">
               <a:spcBef>
                 <a:spcPts val="0"/>
               </a:spcBef>
@@ -899,7 +931,7 @@
               </a:spcAft>
               <a:buSzPts val="1400"/>
               <a:buNone/>
-              <a:defRPr b="0" i="0" sz="1200" u="none" cap="none" strike="noStrike">
+              <a:defRPr sz="1200" b="0" i="0" u="none" strike="noStrike" cap="none">
                 <a:solidFill>
                   <a:schemeClr val="dk1"/>
                 </a:solidFill>
@@ -909,7 +941,7 @@
                 <a:sym typeface="Calibri"/>
               </a:defRPr>
             </a:lvl4pPr>
-            <a:lvl5pPr indent="-228600" lvl="4" marL="2286000" marR="0" rtl="0" algn="l">
+            <a:lvl5pPr marL="2286000" marR="0" lvl="4" indent="-228600" algn="l" rtl="0">
               <a:spcBef>
                 <a:spcPts val="0"/>
               </a:spcBef>
@@ -918,7 +950,7 @@
               </a:spcAft>
               <a:buSzPts val="1400"/>
               <a:buNone/>
-              <a:defRPr b="0" i="0" sz="1200" u="none" cap="none" strike="noStrike">
+              <a:defRPr sz="1200" b="0" i="0" u="none" strike="noStrike" cap="none">
                 <a:solidFill>
                   <a:schemeClr val="dk1"/>
                 </a:solidFill>
@@ -928,7 +960,7 @@
                 <a:sym typeface="Calibri"/>
               </a:defRPr>
             </a:lvl5pPr>
-            <a:lvl6pPr indent="-228600" lvl="5" marL="2743200" marR="0" rtl="0" algn="l">
+            <a:lvl6pPr marL="2743200" marR="0" lvl="5" indent="-228600" algn="l" rtl="0">
               <a:spcBef>
                 <a:spcPts val="0"/>
               </a:spcBef>
@@ -937,7 +969,7 @@
               </a:spcAft>
               <a:buSzPts val="1400"/>
               <a:buNone/>
-              <a:defRPr b="0" i="0" sz="1200" u="none" cap="none" strike="noStrike">
+              <a:defRPr sz="1200" b="0" i="0" u="none" strike="noStrike" cap="none">
                 <a:solidFill>
                   <a:schemeClr val="dk1"/>
                 </a:solidFill>
@@ -947,7 +979,7 @@
                 <a:sym typeface="Calibri"/>
               </a:defRPr>
             </a:lvl6pPr>
-            <a:lvl7pPr indent="-228600" lvl="6" marL="3200400" marR="0" rtl="0" algn="l">
+            <a:lvl7pPr marL="3200400" marR="0" lvl="6" indent="-228600" algn="l" rtl="0">
               <a:spcBef>
                 <a:spcPts val="0"/>
               </a:spcBef>
@@ -956,7 +988,7 @@
               </a:spcAft>
               <a:buSzPts val="1400"/>
               <a:buNone/>
-              <a:defRPr b="0" i="0" sz="1200" u="none" cap="none" strike="noStrike">
+              <a:defRPr sz="1200" b="0" i="0" u="none" strike="noStrike" cap="none">
                 <a:solidFill>
                   <a:schemeClr val="dk1"/>
                 </a:solidFill>
@@ -966,7 +998,7 @@
                 <a:sym typeface="Calibri"/>
               </a:defRPr>
             </a:lvl7pPr>
-            <a:lvl8pPr indent="-228600" lvl="7" marL="3657600" marR="0" rtl="0" algn="l">
+            <a:lvl8pPr marL="3657600" marR="0" lvl="7" indent="-228600" algn="l" rtl="0">
               <a:spcBef>
                 <a:spcPts val="0"/>
               </a:spcBef>
@@ -975,7 +1007,7 @@
               </a:spcAft>
               <a:buSzPts val="1400"/>
               <a:buNone/>
-              <a:defRPr b="0" i="0" sz="1200" u="none" cap="none" strike="noStrike">
+              <a:defRPr sz="1200" b="0" i="0" u="none" strike="noStrike" cap="none">
                 <a:solidFill>
                   <a:schemeClr val="dk1"/>
                 </a:solidFill>
@@ -985,7 +1017,7 @@
                 <a:sym typeface="Calibri"/>
               </a:defRPr>
             </a:lvl8pPr>
-            <a:lvl9pPr indent="-228600" lvl="8" marL="4114800" marR="0" rtl="0" algn="l">
+            <a:lvl9pPr marL="4114800" marR="0" lvl="8" indent="-228600" algn="l" rtl="0">
               <a:spcBef>
                 <a:spcPts val="0"/>
               </a:spcBef>
@@ -994,7 +1026,7 @@
               </a:spcAft>
               <a:buSzPts val="1400"/>
               <a:buNone/>
-              <a:defRPr b="0" i="0" sz="1200" u="none" cap="none" strike="noStrike">
+              <a:defRPr sz="1200" b="0" i="0" u="none" strike="noStrike" cap="none">
                 <a:solidFill>
                   <a:schemeClr val="dk1"/>
                 </a:solidFill>
@@ -1005,15 +1037,19 @@
               </a:defRPr>
             </a:lvl9pPr>
           </a:lstStyle>
-          <a:p/>
+          <a:p>
+            <a:endParaRPr/>
+          </a:p>
         </p:txBody>
       </p:sp>
       <p:sp>
         <p:nvSpPr>
           <p:cNvPr id="7" name="Google Shape;7;n"/>
-          <p:cNvSpPr txBox="1"/>
+          <p:cNvSpPr txBox="1">
+            <a:spLocks noGrp="1"/>
+          </p:cNvSpPr>
           <p:nvPr>
-            <p:ph idx="11" type="ftr"/>
+            <p:ph type="ftr" idx="11"/>
           </p:nvPr>
         </p:nvSpPr>
         <p:spPr>
@@ -1030,11 +1066,11 @@
           </a:ln>
         </p:spPr>
         <p:txBody>
-          <a:bodyPr anchorCtr="0" anchor="b" bIns="45700" lIns="91425" spcFirstLastPara="1" rIns="91425" wrap="square" tIns="45700">
+          <a:bodyPr spcFirstLastPara="1" wrap="square" lIns="91425" tIns="45700" rIns="91425" bIns="45700" anchor="b" anchorCtr="0">
             <a:noAutofit/>
           </a:bodyPr>
           <a:lstStyle>
-            <a:lvl1pPr lvl="0" marR="0" rtl="0" algn="l">
+            <a:lvl1pPr marR="0" lvl="0" algn="l" rtl="0">
               <a:spcBef>
                 <a:spcPts val="0"/>
               </a:spcBef>
@@ -1043,7 +1079,7 @@
               </a:spcAft>
               <a:buSzPts val="1400"/>
               <a:buNone/>
-              <a:defRPr b="0" i="0" sz="1200" u="none" cap="none" strike="noStrike">
+              <a:defRPr sz="1200" b="0" i="0" u="none" strike="noStrike" cap="none">
                 <a:solidFill>
                   <a:schemeClr val="dk1"/>
                 </a:solidFill>
@@ -1053,7 +1089,7 @@
                 <a:sym typeface="Calibri"/>
               </a:defRPr>
             </a:lvl1pPr>
-            <a:lvl2pPr lvl="1" marR="0" rtl="0" algn="l">
+            <a:lvl2pPr marR="0" lvl="1" algn="l" rtl="0">
               <a:spcBef>
                 <a:spcPts val="0"/>
               </a:spcBef>
@@ -1062,7 +1098,7 @@
               </a:spcAft>
               <a:buSzPts val="1400"/>
               <a:buNone/>
-              <a:defRPr b="0" i="0" sz="1800" u="none" cap="none" strike="noStrike">
+              <a:defRPr sz="1800" b="0" i="0" u="none" strike="noStrike" cap="none">
                 <a:solidFill>
                   <a:schemeClr val="dk1"/>
                 </a:solidFill>
@@ -1072,7 +1108,7 @@
                 <a:sym typeface="Calibri"/>
               </a:defRPr>
             </a:lvl2pPr>
-            <a:lvl3pPr lvl="2" marR="0" rtl="0" algn="l">
+            <a:lvl3pPr marR="0" lvl="2" algn="l" rtl="0">
               <a:spcBef>
                 <a:spcPts val="0"/>
               </a:spcBef>
@@ -1081,7 +1117,7 @@
               </a:spcAft>
               <a:buSzPts val="1400"/>
               <a:buNone/>
-              <a:defRPr b="0" i="0" sz="1800" u="none" cap="none" strike="noStrike">
+              <a:defRPr sz="1800" b="0" i="0" u="none" strike="noStrike" cap="none">
                 <a:solidFill>
                   <a:schemeClr val="dk1"/>
                 </a:solidFill>
@@ -1091,7 +1127,7 @@
                 <a:sym typeface="Calibri"/>
               </a:defRPr>
             </a:lvl3pPr>
-            <a:lvl4pPr lvl="3" marR="0" rtl="0" algn="l">
+            <a:lvl4pPr marR="0" lvl="3" algn="l" rtl="0">
               <a:spcBef>
                 <a:spcPts val="0"/>
               </a:spcBef>
@@ -1100,7 +1136,7 @@
               </a:spcAft>
               <a:buSzPts val="1400"/>
               <a:buNone/>
-              <a:defRPr b="0" i="0" sz="1800" u="none" cap="none" strike="noStrike">
+              <a:defRPr sz="1800" b="0" i="0" u="none" strike="noStrike" cap="none">
                 <a:solidFill>
                   <a:schemeClr val="dk1"/>
                 </a:solidFill>
@@ -1110,7 +1146,7 @@
                 <a:sym typeface="Calibri"/>
               </a:defRPr>
             </a:lvl4pPr>
-            <a:lvl5pPr lvl="4" marR="0" rtl="0" algn="l">
+            <a:lvl5pPr marR="0" lvl="4" algn="l" rtl="0">
               <a:spcBef>
                 <a:spcPts val="0"/>
               </a:spcBef>
@@ -1119,7 +1155,7 @@
               </a:spcAft>
               <a:buSzPts val="1400"/>
               <a:buNone/>
-              <a:defRPr b="0" i="0" sz="1800" u="none" cap="none" strike="noStrike">
+              <a:defRPr sz="1800" b="0" i="0" u="none" strike="noStrike" cap="none">
                 <a:solidFill>
                   <a:schemeClr val="dk1"/>
                 </a:solidFill>
@@ -1129,7 +1165,7 @@
                 <a:sym typeface="Calibri"/>
               </a:defRPr>
             </a:lvl5pPr>
-            <a:lvl6pPr lvl="5" marR="0" rtl="0" algn="l">
+            <a:lvl6pPr marR="0" lvl="5" algn="l" rtl="0">
               <a:spcBef>
                 <a:spcPts val="0"/>
               </a:spcBef>
@@ -1138,7 +1174,7 @@
               </a:spcAft>
               <a:buSzPts val="1400"/>
               <a:buNone/>
-              <a:defRPr b="0" i="0" sz="1800" u="none" cap="none" strike="noStrike">
+              <a:defRPr sz="1800" b="0" i="0" u="none" strike="noStrike" cap="none">
                 <a:solidFill>
                   <a:schemeClr val="dk1"/>
                 </a:solidFill>
@@ -1148,7 +1184,7 @@
                 <a:sym typeface="Calibri"/>
               </a:defRPr>
             </a:lvl6pPr>
-            <a:lvl7pPr lvl="6" marR="0" rtl="0" algn="l">
+            <a:lvl7pPr marR="0" lvl="6" algn="l" rtl="0">
               <a:spcBef>
                 <a:spcPts val="0"/>
               </a:spcBef>
@@ -1157,7 +1193,7 @@
               </a:spcAft>
               <a:buSzPts val="1400"/>
               <a:buNone/>
-              <a:defRPr b="0" i="0" sz="1800" u="none" cap="none" strike="noStrike">
+              <a:defRPr sz="1800" b="0" i="0" u="none" strike="noStrike" cap="none">
                 <a:solidFill>
                   <a:schemeClr val="dk1"/>
                 </a:solidFill>
@@ -1167,7 +1203,7 @@
                 <a:sym typeface="Calibri"/>
               </a:defRPr>
             </a:lvl7pPr>
-            <a:lvl8pPr lvl="7" marR="0" rtl="0" algn="l">
+            <a:lvl8pPr marR="0" lvl="7" algn="l" rtl="0">
               <a:spcBef>
                 <a:spcPts val="0"/>
               </a:spcBef>
@@ -1176,7 +1212,7 @@
               </a:spcAft>
               <a:buSzPts val="1400"/>
               <a:buNone/>
-              <a:defRPr b="0" i="0" sz="1800" u="none" cap="none" strike="noStrike">
+              <a:defRPr sz="1800" b="0" i="0" u="none" strike="noStrike" cap="none">
                 <a:solidFill>
                   <a:schemeClr val="dk1"/>
                 </a:solidFill>
@@ -1186,7 +1222,7 @@
                 <a:sym typeface="Calibri"/>
               </a:defRPr>
             </a:lvl8pPr>
-            <a:lvl9pPr lvl="8" marR="0" rtl="0" algn="l">
+            <a:lvl9pPr marR="0" lvl="8" algn="l" rtl="0">
               <a:spcBef>
                 <a:spcPts val="0"/>
               </a:spcBef>
@@ -1195,7 +1231,7 @@
               </a:spcAft>
               <a:buSzPts val="1400"/>
               <a:buNone/>
-              <a:defRPr b="0" i="0" sz="1800" u="none" cap="none" strike="noStrike">
+              <a:defRPr sz="1800" b="0" i="0" u="none" strike="noStrike" cap="none">
                 <a:solidFill>
                   <a:schemeClr val="dk1"/>
                 </a:solidFill>
@@ -1206,15 +1242,19 @@
               </a:defRPr>
             </a:lvl9pPr>
           </a:lstStyle>
-          <a:p/>
+          <a:p>
+            <a:endParaRPr/>
+          </a:p>
         </p:txBody>
       </p:sp>
       <p:sp>
         <p:nvSpPr>
           <p:cNvPr id="8" name="Google Shape;8;n"/>
-          <p:cNvSpPr txBox="1"/>
+          <p:cNvSpPr txBox="1">
+            <a:spLocks noGrp="1"/>
+          </p:cNvSpPr>
           <p:nvPr>
-            <p:ph idx="12" type="sldNum"/>
+            <p:ph type="sldNum" idx="12"/>
           </p:nvPr>
         </p:nvSpPr>
         <p:spPr>
@@ -1231,12 +1271,12 @@
           </a:ln>
         </p:spPr>
         <p:txBody>
-          <a:bodyPr anchorCtr="0" anchor="b" bIns="45700" lIns="91425" spcFirstLastPara="1" rIns="91425" wrap="square" tIns="45700">
+          <a:bodyPr spcFirstLastPara="1" wrap="square" lIns="91425" tIns="45700" rIns="91425" bIns="45700" anchor="b" anchorCtr="0">
             <a:noAutofit/>
           </a:bodyPr>
           <a:lstStyle/>
           <a:p>
-            <a:pPr indent="0" lvl="0" marL="0" marR="0" rtl="0" algn="r">
+            <a:pPr marL="0" marR="0" lvl="0" indent="0" algn="r" rtl="0">
               <a:spcBef>
                 <a:spcPts val="0"/>
               </a:spcBef>
@@ -1246,7 +1286,7 @@
               <a:buNone/>
             </a:pPr>
             <a:fld id="{00000000-1234-1234-1234-123412341234}" type="slidenum">
-              <a:rPr b="0" i="0" lang="en-US" sz="1200" u="none" cap="none" strike="noStrike">
+              <a:rPr lang="en-US" sz="1200" b="0" i="0" u="none" strike="noStrike" cap="none">
                 <a:solidFill>
                   <a:schemeClr val="dk1"/>
                 </a:solidFill>
@@ -1257,7 +1297,7 @@
               </a:rPr>
               <a:t>‹#›</a:t>
             </a:fld>
-            <a:endParaRPr b="0" i="0" sz="1200" u="none" cap="none" strike="noStrike">
+            <a:endParaRPr sz="1200" b="0" i="0" u="none" strike="noStrike" cap="none">
               <a:solidFill>
                 <a:schemeClr val="dk1"/>
               </a:solidFill>
@@ -1271,9 +1311,9 @@
       </p:sp>
     </p:spTree>
   </p:cSld>
-  <p:clrMap accent1="accent1" accent2="accent2" accent3="accent3" accent4="accent4" accent5="accent5" accent6="accent6" bg1="lt1" bg2="dk2" tx1="dk1" tx2="lt2" folHlink="folHlink" hlink="hlink"/>
+  <p:clrMap bg1="lt1" tx1="dk1" bg2="dk2" tx2="lt2" accent1="accent1" accent2="accent2" accent3="accent3" accent4="accent4" accent5="accent5" accent6="accent6" hlink="hlink" folHlink="folHlink"/>
   <p:notesStyle>
-    <a:defPPr lvl="0" marR="0" rtl="0" algn="l">
+    <a:defPPr marR="0" lvl="0" algn="l" rtl="0">
       <a:lnSpc>
         <a:spcPct val="100000"/>
       </a:lnSpc>
@@ -1284,7 +1324,7 @@
         <a:spcPts val="0"/>
       </a:spcAft>
     </a:defPPr>
-    <a:lvl1pPr lvl="0" marR="0" rtl="0" algn="l">
+    <a:lvl1pPr marR="0" lvl="0" algn="l" rtl="0">
       <a:lnSpc>
         <a:spcPct val="100000"/>
       </a:lnSpc>
@@ -1298,7 +1338,7 @@
         <a:srgbClr val="000000"/>
       </a:buClr>
       <a:buFont typeface="Arial"/>
-      <a:defRPr b="0" i="0" sz="1400" u="none" cap="none" strike="noStrike">
+      <a:defRPr sz="1400" b="0" i="0" u="none" strike="noStrike" cap="none">
         <a:solidFill>
           <a:srgbClr val="000000"/>
         </a:solidFill>
@@ -1308,7 +1348,7 @@
         <a:sym typeface="Arial"/>
       </a:defRPr>
     </a:lvl1pPr>
-    <a:lvl2pPr lvl="1" marR="0" rtl="0" algn="l">
+    <a:lvl2pPr marR="0" lvl="1" algn="l" rtl="0">
       <a:lnSpc>
         <a:spcPct val="100000"/>
       </a:lnSpc>
@@ -1322,7 +1362,7 @@
         <a:srgbClr val="000000"/>
       </a:buClr>
       <a:buFont typeface="Arial"/>
-      <a:defRPr b="0" i="0" sz="1400" u="none" cap="none" strike="noStrike">
+      <a:defRPr sz="1400" b="0" i="0" u="none" strike="noStrike" cap="none">
         <a:solidFill>
           <a:srgbClr val="000000"/>
         </a:solidFill>
@@ -1332,7 +1372,7 @@
         <a:sym typeface="Arial"/>
       </a:defRPr>
     </a:lvl2pPr>
-    <a:lvl3pPr lvl="2" marR="0" rtl="0" algn="l">
+    <a:lvl3pPr marR="0" lvl="2" algn="l" rtl="0">
       <a:lnSpc>
         <a:spcPct val="100000"/>
       </a:lnSpc>
@@ -1346,7 +1386,7 @@
         <a:srgbClr val="000000"/>
       </a:buClr>
       <a:buFont typeface="Arial"/>
-      <a:defRPr b="0" i="0" sz="1400" u="none" cap="none" strike="noStrike">
+      <a:defRPr sz="1400" b="0" i="0" u="none" strike="noStrike" cap="none">
         <a:solidFill>
           <a:srgbClr val="000000"/>
         </a:solidFill>
@@ -1356,7 +1396,7 @@
         <a:sym typeface="Arial"/>
       </a:defRPr>
     </a:lvl3pPr>
-    <a:lvl4pPr lvl="3" marR="0" rtl="0" algn="l">
+    <a:lvl4pPr marR="0" lvl="3" algn="l" rtl="0">
       <a:lnSpc>
         <a:spcPct val="100000"/>
       </a:lnSpc>
@@ -1370,7 +1410,7 @@
         <a:srgbClr val="000000"/>
       </a:buClr>
       <a:buFont typeface="Arial"/>
-      <a:defRPr b="0" i="0" sz="1400" u="none" cap="none" strike="noStrike">
+      <a:defRPr sz="1400" b="0" i="0" u="none" strike="noStrike" cap="none">
         <a:solidFill>
           <a:srgbClr val="000000"/>
         </a:solidFill>
@@ -1380,7 +1420,7 @@
         <a:sym typeface="Arial"/>
       </a:defRPr>
     </a:lvl4pPr>
-    <a:lvl5pPr lvl="4" marR="0" rtl="0" algn="l">
+    <a:lvl5pPr marR="0" lvl="4" algn="l" rtl="0">
       <a:lnSpc>
         <a:spcPct val="100000"/>
       </a:lnSpc>
@@ -1394,7 +1434,7 @@
         <a:srgbClr val="000000"/>
       </a:buClr>
       <a:buFont typeface="Arial"/>
-      <a:defRPr b="0" i="0" sz="1400" u="none" cap="none" strike="noStrike">
+      <a:defRPr sz="1400" b="0" i="0" u="none" strike="noStrike" cap="none">
         <a:solidFill>
           <a:srgbClr val="000000"/>
         </a:solidFill>
@@ -1404,7 +1444,7 @@
         <a:sym typeface="Arial"/>
       </a:defRPr>
     </a:lvl5pPr>
-    <a:lvl6pPr lvl="5" marR="0" rtl="0" algn="l">
+    <a:lvl6pPr marR="0" lvl="5" algn="l" rtl="0">
       <a:lnSpc>
         <a:spcPct val="100000"/>
       </a:lnSpc>
@@ -1418,7 +1458,7 @@
         <a:srgbClr val="000000"/>
       </a:buClr>
       <a:buFont typeface="Arial"/>
-      <a:defRPr b="0" i="0" sz="1400" u="none" cap="none" strike="noStrike">
+      <a:defRPr sz="1400" b="0" i="0" u="none" strike="noStrike" cap="none">
         <a:solidFill>
           <a:srgbClr val="000000"/>
         </a:solidFill>
@@ -1428,7 +1468,7 @@
         <a:sym typeface="Arial"/>
       </a:defRPr>
     </a:lvl6pPr>
-    <a:lvl7pPr lvl="6" marR="0" rtl="0" algn="l">
+    <a:lvl7pPr marR="0" lvl="6" algn="l" rtl="0">
       <a:lnSpc>
         <a:spcPct val="100000"/>
       </a:lnSpc>
@@ -1442,7 +1482,7 @@
         <a:srgbClr val="000000"/>
       </a:buClr>
       <a:buFont typeface="Arial"/>
-      <a:defRPr b="0" i="0" sz="1400" u="none" cap="none" strike="noStrike">
+      <a:defRPr sz="1400" b="0" i="0" u="none" strike="noStrike" cap="none">
         <a:solidFill>
           <a:srgbClr val="000000"/>
         </a:solidFill>
@@ -1452,7 +1492,7 @@
         <a:sym typeface="Arial"/>
       </a:defRPr>
     </a:lvl7pPr>
-    <a:lvl8pPr lvl="7" marR="0" rtl="0" algn="l">
+    <a:lvl8pPr marR="0" lvl="7" algn="l" rtl="0">
       <a:lnSpc>
         <a:spcPct val="100000"/>
       </a:lnSpc>
@@ -1466,7 +1506,7 @@
         <a:srgbClr val="000000"/>
       </a:buClr>
       <a:buFont typeface="Arial"/>
-      <a:defRPr b="0" i="0" sz="1400" u="none" cap="none" strike="noStrike">
+      <a:defRPr sz="1400" b="0" i="0" u="none" strike="noStrike" cap="none">
         <a:solidFill>
           <a:srgbClr val="000000"/>
         </a:solidFill>
@@ -1476,7 +1516,7 @@
         <a:sym typeface="Arial"/>
       </a:defRPr>
     </a:lvl8pPr>
-    <a:lvl9pPr lvl="8" marR="0" rtl="0" algn="l">
+    <a:lvl9pPr marR="0" lvl="8" algn="l" rtl="0">
       <a:lnSpc>
         <a:spcPct val="100000"/>
       </a:lnSpc>
@@ -1490,7 +1530,7 @@
         <a:srgbClr val="000000"/>
       </a:buClr>
       <a:buFont typeface="Arial"/>
-      <a:defRPr b="0" i="0" sz="1400" u="none" cap="none" strike="noStrike">
+      <a:defRPr sz="1400" b="0" i="0" u="none" strike="noStrike" cap="none">
         <a:solidFill>
           <a:srgbClr val="000000"/>
         </a:solidFill>
@@ -1505,11 +1545,11 @@
 </file>
 
 <file path=ppt/notesSlides/notesSlide1.xml><?xml version="1.0" encoding="utf-8"?>
-<p:notes xmlns:a="http://schemas.openxmlformats.org/drawingml/2006/main" xmlns:r="http://schemas.openxmlformats.org/officeDocument/2006/relationships" xmlns:mc="http://schemas.openxmlformats.org/markup-compatibility/2006" xmlns:mv="urn:schemas-microsoft-com:mac:vml" xmlns:p="http://schemas.openxmlformats.org/presentationml/2006/main" xmlns:c="http://schemas.openxmlformats.org/drawingml/2006/chart" xmlns:dgm="http://schemas.openxmlformats.org/drawingml/2006/diagram" xmlns:o="urn:schemas-microsoft-com:office:office" xmlns:v="urn:schemas-microsoft-com:vml" xmlns:pvml="urn:schemas-microsoft-com:office:powerpoint" xmlns:com="http://schemas.openxmlformats.org/drawingml/2006/compatibility" xmlns:p14="http://schemas.microsoft.com/office/powerpoint/2010/main" xmlns:p15="http://schemas.microsoft.com/office/powerpoint/2012/main" xmlns:ahyp="http://schemas.microsoft.com/office/drawing/2018/hyperlinkcolor" showMasterPhAnim="0" showMasterSp="0">
+<p:notes xmlns:a="http://schemas.openxmlformats.org/drawingml/2006/main" xmlns:r="http://schemas.openxmlformats.org/officeDocument/2006/relationships" xmlns:p="http://schemas.openxmlformats.org/presentationml/2006/main" showMasterSp="0" showMasterPhAnim="0">
   <p:cSld>
     <p:spTree>
       <p:nvGrpSpPr>
-        <p:cNvPr id="74" name="Shape 74"/>
+        <p:cNvPr id="1" name="Shape 74"/>
         <p:cNvGrpSpPr/>
         <p:nvPr/>
       </p:nvGrpSpPr>
@@ -1524,9 +1564,11 @@
       <p:sp>
         <p:nvSpPr>
           <p:cNvPr id="75" name="Google Shape;75;p1:notes"/>
-          <p:cNvSpPr txBox="1"/>
+          <p:cNvSpPr txBox="1">
+            <a:spLocks noGrp="1"/>
+          </p:cNvSpPr>
           <p:nvPr>
-            <p:ph idx="1" type="body"/>
+            <p:ph type="body" idx="1"/>
           </p:nvPr>
         </p:nvSpPr>
         <p:spPr>
@@ -1539,12 +1581,12 @@
           </a:prstGeom>
         </p:spPr>
         <p:txBody>
-          <a:bodyPr anchorCtr="0" anchor="t" bIns="45700" lIns="91425" spcFirstLastPara="1" rIns="91425" wrap="square" tIns="45700">
+          <a:bodyPr spcFirstLastPara="1" wrap="square" lIns="91425" tIns="45700" rIns="91425" bIns="45700" anchor="t" anchorCtr="0">
             <a:noAutofit/>
           </a:bodyPr>
           <a:lstStyle/>
           <a:p>
-            <a:pPr indent="0" lvl="0" marL="0" rtl="0" algn="l">
+            <a:pPr marL="0" lvl="0" indent="0" algn="l" rtl="0">
               <a:spcBef>
                 <a:spcPts val="0"/>
               </a:spcBef>
@@ -1553,9 +1595,6 @@
               </a:spcAft>
               <a:buNone/>
             </a:pPr>
-            <a:r>
-              <a:t/>
-            </a:r>
             <a:endParaRPr/>
           </a:p>
         </p:txBody>
@@ -1563,9 +1602,11 @@
       <p:sp>
         <p:nvSpPr>
           <p:cNvPr id="76" name="Google Shape;76;p1:notes"/>
-          <p:cNvSpPr/>
+          <p:cNvSpPr>
+            <a:spLocks noGrp="1" noRot="1" noChangeAspect="1"/>
+          </p:cNvSpPr>
           <p:nvPr>
-            <p:ph idx="2" type="sldImg"/>
+            <p:ph type="sldImg" idx="2"/>
           </p:nvPr>
         </p:nvSpPr>
         <p:spPr>
@@ -1574,9 +1615,13 @@
             <a:ext cx="5486400" cy="3086100"/>
           </a:xfrm>
           <a:custGeom>
-            <a:rect b="b" l="l" r="r" t="t"/>
+            <a:avLst/>
+            <a:gdLst/>
+            <a:ahLst/>
+            <a:cxnLst/>
+            <a:rect l="l" t="t" r="r" b="b"/>
             <a:pathLst>
-              <a:path extrusionOk="0" h="120000" w="120000">
+              <a:path w="120000" h="120000" extrusionOk="0">
                 <a:moveTo>
                   <a:pt x="0" y="0"/>
                 </a:moveTo>
@@ -1604,11 +1649,11 @@
 </file>
 
 <file path=ppt/notesSlides/notesSlide10.xml><?xml version="1.0" encoding="utf-8"?>
-<p:notes xmlns:a="http://schemas.openxmlformats.org/drawingml/2006/main" xmlns:r="http://schemas.openxmlformats.org/officeDocument/2006/relationships" xmlns:mc="http://schemas.openxmlformats.org/markup-compatibility/2006" xmlns:mv="urn:schemas-microsoft-com:mac:vml" xmlns:p="http://schemas.openxmlformats.org/presentationml/2006/main" xmlns:c="http://schemas.openxmlformats.org/drawingml/2006/chart" xmlns:dgm="http://schemas.openxmlformats.org/drawingml/2006/diagram" xmlns:o="urn:schemas-microsoft-com:office:office" xmlns:v="urn:schemas-microsoft-com:vml" xmlns:pvml="urn:schemas-microsoft-com:office:powerpoint" xmlns:com="http://schemas.openxmlformats.org/drawingml/2006/compatibility" xmlns:p14="http://schemas.microsoft.com/office/powerpoint/2010/main" xmlns:p15="http://schemas.microsoft.com/office/powerpoint/2012/main" xmlns:ahyp="http://schemas.microsoft.com/office/drawing/2018/hyperlinkcolor" showMasterPhAnim="0" showMasterSp="0">
+<p:notes xmlns:a="http://schemas.openxmlformats.org/drawingml/2006/main" xmlns:r="http://schemas.openxmlformats.org/officeDocument/2006/relationships" xmlns:p="http://schemas.openxmlformats.org/presentationml/2006/main" showMasterSp="0" showMasterPhAnim="0">
   <p:cSld>
     <p:spTree>
       <p:nvGrpSpPr>
-        <p:cNvPr id="156" name="Shape 156"/>
+        <p:cNvPr id="1" name="Shape 147"/>
         <p:cNvGrpSpPr/>
         <p:nvPr/>
       </p:nvGrpSpPr>
@@ -1622,10 +1667,12 @@
       </p:grpSpPr>
       <p:sp>
         <p:nvSpPr>
-          <p:cNvPr id="157" name="Google Shape;157;p32:notes"/>
-          <p:cNvSpPr txBox="1"/>
+          <p:cNvPr id="148" name="Google Shape;148;p31:notes"/>
+          <p:cNvSpPr txBox="1">
+            <a:spLocks noGrp="1"/>
+          </p:cNvSpPr>
           <p:nvPr>
-            <p:ph idx="1" type="body"/>
+            <p:ph type="body" idx="1"/>
           </p:nvPr>
         </p:nvSpPr>
         <p:spPr>
@@ -1638,12 +1685,12 @@
           </a:prstGeom>
         </p:spPr>
         <p:txBody>
-          <a:bodyPr anchorCtr="0" anchor="t" bIns="45700" lIns="91425" spcFirstLastPara="1" rIns="91425" wrap="square" tIns="45700">
+          <a:bodyPr spcFirstLastPara="1" wrap="square" lIns="91425" tIns="45700" rIns="91425" bIns="45700" anchor="t" anchorCtr="0">
             <a:noAutofit/>
           </a:bodyPr>
           <a:lstStyle/>
           <a:p>
-            <a:pPr indent="0" lvl="0" marL="0" rtl="0" algn="l">
+            <a:pPr marL="0" lvl="0" indent="0" algn="l" rtl="0">
               <a:spcBef>
                 <a:spcPts val="0"/>
               </a:spcBef>
@@ -1652,19 +1699,18 @@
               </a:spcAft>
               <a:buNone/>
             </a:pPr>
-            <a:r>
-              <a:t/>
-            </a:r>
             <a:endParaRPr/>
           </a:p>
         </p:txBody>
       </p:sp>
       <p:sp>
         <p:nvSpPr>
-          <p:cNvPr id="158" name="Google Shape;158;p32:notes"/>
-          <p:cNvSpPr/>
+          <p:cNvPr id="149" name="Google Shape;149;p31:notes"/>
+          <p:cNvSpPr>
+            <a:spLocks noGrp="1" noRot="1" noChangeAspect="1"/>
+          </p:cNvSpPr>
           <p:nvPr>
-            <p:ph idx="2" type="sldImg"/>
+            <p:ph type="sldImg" idx="2"/>
           </p:nvPr>
         </p:nvSpPr>
         <p:spPr>
@@ -1673,9 +1719,13 @@
             <a:ext cx="5486400" cy="3086100"/>
           </a:xfrm>
           <a:custGeom>
-            <a:rect b="b" l="l" r="r" t="t"/>
+            <a:avLst/>
+            <a:gdLst/>
+            <a:ahLst/>
+            <a:cxnLst/>
+            <a:rect l="l" t="t" r="r" b="b"/>
             <a:pathLst>
-              <a:path extrusionOk="0" h="120000" w="120000">
+              <a:path w="120000" h="120000" extrusionOk="0">
                 <a:moveTo>
                   <a:pt x="0" y="0"/>
                 </a:moveTo>
@@ -1702,12 +1752,12 @@
 </p:notes>
 </file>
 
-<file path=ppt/notesSlides/notesSlide2.xml><?xml version="1.0" encoding="utf-8"?>
-<p:notes xmlns:a="http://schemas.openxmlformats.org/drawingml/2006/main" xmlns:r="http://schemas.openxmlformats.org/officeDocument/2006/relationships" xmlns:mc="http://schemas.openxmlformats.org/markup-compatibility/2006" xmlns:mv="urn:schemas-microsoft-com:mac:vml" xmlns:p="http://schemas.openxmlformats.org/presentationml/2006/main" xmlns:c="http://schemas.openxmlformats.org/drawingml/2006/chart" xmlns:dgm="http://schemas.openxmlformats.org/drawingml/2006/diagram" xmlns:o="urn:schemas-microsoft-com:office:office" xmlns:v="urn:schemas-microsoft-com:vml" xmlns:pvml="urn:schemas-microsoft-com:office:powerpoint" xmlns:com="http://schemas.openxmlformats.org/drawingml/2006/compatibility" xmlns:p14="http://schemas.microsoft.com/office/powerpoint/2010/main" xmlns:p15="http://schemas.microsoft.com/office/powerpoint/2012/main" xmlns:ahyp="http://schemas.microsoft.com/office/drawing/2018/hyperlinkcolor" showMasterPhAnim="0" showMasterSp="0">
+<file path=ppt/notesSlides/notesSlide11.xml><?xml version="1.0" encoding="utf-8"?>
+<p:notes xmlns:a="http://schemas.openxmlformats.org/drawingml/2006/main" xmlns:r="http://schemas.openxmlformats.org/officeDocument/2006/relationships" xmlns:p="http://schemas.openxmlformats.org/presentationml/2006/main" showMasterSp="0" showMasterPhAnim="0">
   <p:cSld>
     <p:spTree>
       <p:nvGrpSpPr>
-        <p:cNvPr id="86" name="Shape 86"/>
+        <p:cNvPr id="1" name="Shape 156"/>
         <p:cNvGrpSpPr/>
         <p:nvPr/>
       </p:nvGrpSpPr>
@@ -1721,10 +1771,12 @@
       </p:grpSpPr>
       <p:sp>
         <p:nvSpPr>
-          <p:cNvPr id="87" name="Google Shape;87;p2:notes"/>
-          <p:cNvSpPr txBox="1"/>
+          <p:cNvPr id="157" name="Google Shape;157;p32:notes"/>
+          <p:cNvSpPr txBox="1">
+            <a:spLocks noGrp="1"/>
+          </p:cNvSpPr>
           <p:nvPr>
-            <p:ph idx="1" type="body"/>
+            <p:ph type="body" idx="1"/>
           </p:nvPr>
         </p:nvSpPr>
         <p:spPr>
@@ -1737,12 +1789,12 @@
           </a:prstGeom>
         </p:spPr>
         <p:txBody>
-          <a:bodyPr anchorCtr="0" anchor="t" bIns="45700" lIns="91425" spcFirstLastPara="1" rIns="91425" wrap="square" tIns="45700">
+          <a:bodyPr spcFirstLastPara="1" wrap="square" lIns="91425" tIns="45700" rIns="91425" bIns="45700" anchor="t" anchorCtr="0">
             <a:noAutofit/>
           </a:bodyPr>
           <a:lstStyle/>
           <a:p>
-            <a:pPr indent="0" lvl="0" marL="0" rtl="0" algn="l">
+            <a:pPr marL="0" lvl="0" indent="0" algn="l" rtl="0">
               <a:spcBef>
                 <a:spcPts val="0"/>
               </a:spcBef>
@@ -1751,19 +1803,18 @@
               </a:spcAft>
               <a:buNone/>
             </a:pPr>
-            <a:r>
-              <a:t/>
-            </a:r>
             <a:endParaRPr/>
           </a:p>
         </p:txBody>
       </p:sp>
       <p:sp>
         <p:nvSpPr>
-          <p:cNvPr id="88" name="Google Shape;88;p2:notes"/>
-          <p:cNvSpPr/>
+          <p:cNvPr id="158" name="Google Shape;158;p32:notes"/>
+          <p:cNvSpPr>
+            <a:spLocks noGrp="1" noRot="1" noChangeAspect="1"/>
+          </p:cNvSpPr>
           <p:nvPr>
-            <p:ph idx="2" type="sldImg"/>
+            <p:ph type="sldImg" idx="2"/>
           </p:nvPr>
         </p:nvSpPr>
         <p:spPr>
@@ -1772,9 +1823,13 @@
             <a:ext cx="5486400" cy="3086100"/>
           </a:xfrm>
           <a:custGeom>
-            <a:rect b="b" l="l" r="r" t="t"/>
+            <a:avLst/>
+            <a:gdLst/>
+            <a:ahLst/>
+            <a:cxnLst/>
+            <a:rect l="l" t="t" r="r" b="b"/>
             <a:pathLst>
-              <a:path extrusionOk="0" h="120000" w="120000">
+              <a:path w="120000" h="120000" extrusionOk="0">
                 <a:moveTo>
                   <a:pt x="0" y="0"/>
                 </a:moveTo>
@@ -1801,12 +1856,12 @@
 </p:notes>
 </file>
 
-<file path=ppt/notesSlides/notesSlide3.xml><?xml version="1.0" encoding="utf-8"?>
-<p:notes xmlns:a="http://schemas.openxmlformats.org/drawingml/2006/main" xmlns:r="http://schemas.openxmlformats.org/officeDocument/2006/relationships" xmlns:mc="http://schemas.openxmlformats.org/markup-compatibility/2006" xmlns:mv="urn:schemas-microsoft-com:mac:vml" xmlns:p="http://schemas.openxmlformats.org/presentationml/2006/main" xmlns:c="http://schemas.openxmlformats.org/drawingml/2006/chart" xmlns:dgm="http://schemas.openxmlformats.org/drawingml/2006/diagram" xmlns:o="urn:schemas-microsoft-com:office:office" xmlns:v="urn:schemas-microsoft-com:vml" xmlns:pvml="urn:schemas-microsoft-com:office:powerpoint" xmlns:com="http://schemas.openxmlformats.org/drawingml/2006/compatibility" xmlns:p14="http://schemas.microsoft.com/office/powerpoint/2010/main" xmlns:p15="http://schemas.microsoft.com/office/powerpoint/2012/main" xmlns:ahyp="http://schemas.microsoft.com/office/drawing/2018/hyperlinkcolor" showMasterPhAnim="0" showMasterSp="0">
+<file path=ppt/notesSlides/notesSlide2.xml><?xml version="1.0" encoding="utf-8"?>
+<p:notes xmlns:a="http://schemas.openxmlformats.org/drawingml/2006/main" xmlns:r="http://schemas.openxmlformats.org/officeDocument/2006/relationships" xmlns:p="http://schemas.openxmlformats.org/presentationml/2006/main" showMasterSp="0" showMasterPhAnim="0">
   <p:cSld>
     <p:spTree>
       <p:nvGrpSpPr>
-        <p:cNvPr id="101" name="Shape 101"/>
+        <p:cNvPr id="1" name="Shape 101"/>
         <p:cNvGrpSpPr/>
         <p:nvPr/>
       </p:nvGrpSpPr>
@@ -1821,9 +1876,11 @@
       <p:sp>
         <p:nvSpPr>
           <p:cNvPr id="102" name="Google Shape;102;p3:notes"/>
-          <p:cNvSpPr txBox="1"/>
+          <p:cNvSpPr txBox="1">
+            <a:spLocks noGrp="1"/>
+          </p:cNvSpPr>
           <p:nvPr>
-            <p:ph idx="1" type="body"/>
+            <p:ph type="body" idx="1"/>
           </p:nvPr>
         </p:nvSpPr>
         <p:spPr>
@@ -1836,12 +1893,12 @@
           </a:prstGeom>
         </p:spPr>
         <p:txBody>
-          <a:bodyPr anchorCtr="0" anchor="t" bIns="45700" lIns="91425" spcFirstLastPara="1" rIns="91425" wrap="square" tIns="45700">
+          <a:bodyPr spcFirstLastPara="1" wrap="square" lIns="91425" tIns="45700" rIns="91425" bIns="45700" anchor="t" anchorCtr="0">
             <a:noAutofit/>
           </a:bodyPr>
           <a:lstStyle/>
           <a:p>
-            <a:pPr indent="0" lvl="0" marL="0" rtl="0" algn="l">
+            <a:pPr marL="0" lvl="0" indent="0" algn="l" rtl="0">
               <a:spcBef>
                 <a:spcPts val="0"/>
               </a:spcBef>
@@ -1850,19 +1907,18 @@
               </a:spcAft>
               <a:buNone/>
             </a:pPr>
-            <a:r>
-              <a:t/>
-            </a:r>
-            <a:endParaRPr/>
+            <a:endParaRPr dirty="0"/>
           </a:p>
         </p:txBody>
       </p:sp>
       <p:sp>
         <p:nvSpPr>
           <p:cNvPr id="103" name="Google Shape;103;p3:notes"/>
-          <p:cNvSpPr/>
+          <p:cNvSpPr>
+            <a:spLocks noGrp="1" noRot="1" noChangeAspect="1"/>
+          </p:cNvSpPr>
           <p:nvPr>
-            <p:ph idx="2" type="sldImg"/>
+            <p:ph type="sldImg" idx="2"/>
           </p:nvPr>
         </p:nvSpPr>
         <p:spPr>
@@ -1871,9 +1927,13 @@
             <a:ext cx="5486400" cy="3086100"/>
           </a:xfrm>
           <a:custGeom>
-            <a:rect b="b" l="l" r="r" t="t"/>
+            <a:avLst/>
+            <a:gdLst/>
+            <a:ahLst/>
+            <a:cxnLst/>
+            <a:rect l="l" t="t" r="r" b="b"/>
             <a:pathLst>
-              <a:path extrusionOk="0" h="120000" w="120000">
+              <a:path w="120000" h="120000" extrusionOk="0">
                 <a:moveTo>
                   <a:pt x="0" y="0"/>
                 </a:moveTo>
@@ -1900,12 +1960,12 @@
 </p:notes>
 </file>
 
-<file path=ppt/notesSlides/notesSlide4.xml><?xml version="1.0" encoding="utf-8"?>
-<p:notes xmlns:a="http://schemas.openxmlformats.org/drawingml/2006/main" xmlns:r="http://schemas.openxmlformats.org/officeDocument/2006/relationships" xmlns:mc="http://schemas.openxmlformats.org/markup-compatibility/2006" xmlns:mv="urn:schemas-microsoft-com:mac:vml" xmlns:p="http://schemas.openxmlformats.org/presentationml/2006/main" xmlns:c="http://schemas.openxmlformats.org/drawingml/2006/chart" xmlns:dgm="http://schemas.openxmlformats.org/drawingml/2006/diagram" xmlns:o="urn:schemas-microsoft-com:office:office" xmlns:v="urn:schemas-microsoft-com:vml" xmlns:pvml="urn:schemas-microsoft-com:office:powerpoint" xmlns:com="http://schemas.openxmlformats.org/drawingml/2006/compatibility" xmlns:p14="http://schemas.microsoft.com/office/powerpoint/2010/main" xmlns:p15="http://schemas.microsoft.com/office/powerpoint/2012/main" xmlns:ahyp="http://schemas.microsoft.com/office/drawing/2018/hyperlinkcolor" showMasterPhAnim="0" showMasterSp="0">
+<file path=ppt/notesSlides/notesSlide3.xml><?xml version="1.0" encoding="utf-8"?>
+<p:notes xmlns:a="http://schemas.openxmlformats.org/drawingml/2006/main" xmlns:r="http://schemas.openxmlformats.org/officeDocument/2006/relationships" xmlns:p="http://schemas.openxmlformats.org/presentationml/2006/main" showMasterSp="0" showMasterPhAnim="0">
   <p:cSld>
     <p:spTree>
       <p:nvGrpSpPr>
-        <p:cNvPr id="110" name="Shape 110"/>
+        <p:cNvPr id="1" name="Shape 110"/>
         <p:cNvGrpSpPr/>
         <p:nvPr/>
       </p:nvGrpSpPr>
@@ -1920,9 +1980,11 @@
       <p:sp>
         <p:nvSpPr>
           <p:cNvPr id="111" name="Google Shape;111;p15:notes"/>
-          <p:cNvSpPr txBox="1"/>
+          <p:cNvSpPr txBox="1">
+            <a:spLocks noGrp="1"/>
+          </p:cNvSpPr>
           <p:nvPr>
-            <p:ph idx="1" type="body"/>
+            <p:ph type="body" idx="1"/>
           </p:nvPr>
         </p:nvSpPr>
         <p:spPr>
@@ -1935,12 +1997,12 @@
           </a:prstGeom>
         </p:spPr>
         <p:txBody>
-          <a:bodyPr anchorCtr="0" anchor="t" bIns="45700" lIns="91425" spcFirstLastPara="1" rIns="91425" wrap="square" tIns="45700">
+          <a:bodyPr spcFirstLastPara="1" wrap="square" lIns="91425" tIns="45700" rIns="91425" bIns="45700" anchor="t" anchorCtr="0">
             <a:noAutofit/>
           </a:bodyPr>
           <a:lstStyle/>
           <a:p>
-            <a:pPr indent="0" lvl="0" marL="0" rtl="0" algn="l">
+            <a:pPr marL="0" lvl="0" indent="0" algn="l" rtl="0">
               <a:spcBef>
                 <a:spcPts val="0"/>
               </a:spcBef>
@@ -1949,9 +2011,6 @@
               </a:spcAft>
               <a:buNone/>
             </a:pPr>
-            <a:r>
-              <a:t/>
-            </a:r>
             <a:endParaRPr/>
           </a:p>
         </p:txBody>
@@ -1959,9 +2018,11 @@
       <p:sp>
         <p:nvSpPr>
           <p:cNvPr id="112" name="Google Shape;112;p15:notes"/>
-          <p:cNvSpPr/>
+          <p:cNvSpPr>
+            <a:spLocks noGrp="1" noRot="1" noChangeAspect="1"/>
+          </p:cNvSpPr>
           <p:nvPr>
-            <p:ph idx="2" type="sldImg"/>
+            <p:ph type="sldImg" idx="2"/>
           </p:nvPr>
         </p:nvSpPr>
         <p:spPr>
@@ -1970,9 +2031,13 @@
             <a:ext cx="5486400" cy="3086100"/>
           </a:xfrm>
           <a:custGeom>
-            <a:rect b="b" l="l" r="r" t="t"/>
+            <a:avLst/>
+            <a:gdLst/>
+            <a:ahLst/>
+            <a:cxnLst/>
+            <a:rect l="l" t="t" r="r" b="b"/>
             <a:pathLst>
-              <a:path extrusionOk="0" h="120000" w="120000">
+              <a:path w="120000" h="120000" extrusionOk="0">
                 <a:moveTo>
                   <a:pt x="0" y="0"/>
                 </a:moveTo>
@@ -1999,12 +2064,12 @@
 </p:notes>
 </file>
 
-<file path=ppt/notesSlides/notesSlide5.xml><?xml version="1.0" encoding="utf-8"?>
-<p:notes xmlns:a="http://schemas.openxmlformats.org/drawingml/2006/main" xmlns:r="http://schemas.openxmlformats.org/officeDocument/2006/relationships" xmlns:mc="http://schemas.openxmlformats.org/markup-compatibility/2006" xmlns:mv="urn:schemas-microsoft-com:mac:vml" xmlns:p="http://schemas.openxmlformats.org/presentationml/2006/main" xmlns:c="http://schemas.openxmlformats.org/drawingml/2006/chart" xmlns:dgm="http://schemas.openxmlformats.org/drawingml/2006/diagram" xmlns:o="urn:schemas-microsoft-com:office:office" xmlns:v="urn:schemas-microsoft-com:vml" xmlns:pvml="urn:schemas-microsoft-com:office:powerpoint" xmlns:com="http://schemas.openxmlformats.org/drawingml/2006/compatibility" xmlns:p14="http://schemas.microsoft.com/office/powerpoint/2010/main" xmlns:p15="http://schemas.microsoft.com/office/powerpoint/2012/main" xmlns:ahyp="http://schemas.microsoft.com/office/drawing/2018/hyperlinkcolor" showMasterPhAnim="0" showMasterSp="0">
+<file path=ppt/notesSlides/notesSlide4.xml><?xml version="1.0" encoding="utf-8"?>
+<p:notes xmlns:a="http://schemas.openxmlformats.org/drawingml/2006/main" xmlns:r="http://schemas.openxmlformats.org/officeDocument/2006/relationships" xmlns:p="http://schemas.openxmlformats.org/presentationml/2006/main" showMasterSp="0" showMasterPhAnim="0">
   <p:cSld>
     <p:spTree>
       <p:nvGrpSpPr>
-        <p:cNvPr id="118" name="Shape 118"/>
+        <p:cNvPr id="1" name="Shape 118"/>
         <p:cNvGrpSpPr/>
         <p:nvPr/>
       </p:nvGrpSpPr>
@@ -2019,9 +2084,11 @@
       <p:sp>
         <p:nvSpPr>
           <p:cNvPr id="119" name="Google Shape;119;p18:notes"/>
-          <p:cNvSpPr txBox="1"/>
+          <p:cNvSpPr txBox="1">
+            <a:spLocks noGrp="1"/>
+          </p:cNvSpPr>
           <p:nvPr>
-            <p:ph idx="1" type="body"/>
+            <p:ph type="body" idx="1"/>
           </p:nvPr>
         </p:nvSpPr>
         <p:spPr>
@@ -2034,12 +2101,12 @@
           </a:prstGeom>
         </p:spPr>
         <p:txBody>
-          <a:bodyPr anchorCtr="0" anchor="t" bIns="45700" lIns="91425" spcFirstLastPara="1" rIns="91425" wrap="square" tIns="45700">
+          <a:bodyPr spcFirstLastPara="1" wrap="square" lIns="91425" tIns="45700" rIns="91425" bIns="45700" anchor="t" anchorCtr="0">
             <a:noAutofit/>
           </a:bodyPr>
           <a:lstStyle/>
           <a:p>
-            <a:pPr indent="0" lvl="0" marL="0" rtl="0" algn="l">
+            <a:pPr marL="0" lvl="0" indent="0" algn="l" rtl="0">
               <a:spcBef>
                 <a:spcPts val="0"/>
               </a:spcBef>
@@ -2048,9 +2115,6 @@
               </a:spcAft>
               <a:buNone/>
             </a:pPr>
-            <a:r>
-              <a:t/>
-            </a:r>
             <a:endParaRPr/>
           </a:p>
         </p:txBody>
@@ -2058,9 +2122,11 @@
       <p:sp>
         <p:nvSpPr>
           <p:cNvPr id="120" name="Google Shape;120;p18:notes"/>
-          <p:cNvSpPr/>
+          <p:cNvSpPr>
+            <a:spLocks noGrp="1" noRot="1" noChangeAspect="1"/>
+          </p:cNvSpPr>
           <p:nvPr>
-            <p:ph idx="2" type="sldImg"/>
+            <p:ph type="sldImg" idx="2"/>
           </p:nvPr>
         </p:nvSpPr>
         <p:spPr>
@@ -2069,9 +2135,13 @@
             <a:ext cx="5486400" cy="3086100"/>
           </a:xfrm>
           <a:custGeom>
-            <a:rect b="b" l="l" r="r" t="t"/>
+            <a:avLst/>
+            <a:gdLst/>
+            <a:ahLst/>
+            <a:cxnLst/>
+            <a:rect l="l" t="t" r="r" b="b"/>
             <a:pathLst>
-              <a:path extrusionOk="0" h="120000" w="120000">
+              <a:path w="120000" h="120000" extrusionOk="0">
                 <a:moveTo>
                   <a:pt x="0" y="0"/>
                 </a:moveTo>
@@ -2098,12 +2168,18 @@
 </p:notes>
 </file>
 
-<file path=ppt/notesSlides/notesSlide6.xml><?xml version="1.0" encoding="utf-8"?>
-<p:notes xmlns:a="http://schemas.openxmlformats.org/drawingml/2006/main" xmlns:r="http://schemas.openxmlformats.org/officeDocument/2006/relationships" xmlns:mc="http://schemas.openxmlformats.org/markup-compatibility/2006" xmlns:mv="urn:schemas-microsoft-com:mac:vml" xmlns:p="http://schemas.openxmlformats.org/presentationml/2006/main" xmlns:c="http://schemas.openxmlformats.org/drawingml/2006/chart" xmlns:dgm="http://schemas.openxmlformats.org/drawingml/2006/diagram" xmlns:o="urn:schemas-microsoft-com:office:office" xmlns:v="urn:schemas-microsoft-com:vml" xmlns:pvml="urn:schemas-microsoft-com:office:powerpoint" xmlns:com="http://schemas.openxmlformats.org/drawingml/2006/compatibility" xmlns:p14="http://schemas.microsoft.com/office/powerpoint/2010/main" xmlns:p15="http://schemas.microsoft.com/office/powerpoint/2012/main" xmlns:ahyp="http://schemas.microsoft.com/office/drawing/2018/hyperlinkcolor" showMasterPhAnim="0" showMasterSp="0">
+<file path=ppt/notesSlides/notesSlide5.xml><?xml version="1.0" encoding="utf-8"?>
+<p:notes xmlns:a="http://schemas.openxmlformats.org/drawingml/2006/main" xmlns:r="http://schemas.openxmlformats.org/officeDocument/2006/relationships" xmlns:p="http://schemas.openxmlformats.org/presentationml/2006/main" showMasterSp="0" showMasterPhAnim="0">
   <p:cSld>
     <p:spTree>
       <p:nvGrpSpPr>
-        <p:cNvPr id="127" name="Shape 127"/>
+        <p:cNvPr id="1" name="Shape 110">
+          <a:extLst>
+            <a:ext uri="{FF2B5EF4-FFF2-40B4-BE49-F238E27FC236}">
+              <a16:creationId xmlns:a16="http://schemas.microsoft.com/office/drawing/2014/main" id="{6BD2FF8A-7CEF-6A38-F9DE-6BCD64538BA5}"/>
+            </a:ext>
+          </a:extLst>
+        </p:cNvPr>
         <p:cNvGrpSpPr/>
         <p:nvPr/>
       </p:nvGrpSpPr>
@@ -2117,10 +2193,18 @@
       </p:grpSpPr>
       <p:sp>
         <p:nvSpPr>
-          <p:cNvPr id="128" name="Google Shape;128;p23:notes"/>
-          <p:cNvSpPr txBox="1"/>
+          <p:cNvPr id="111" name="Google Shape;111;p15:notes">
+            <a:extLst>
+              <a:ext uri="{FF2B5EF4-FFF2-40B4-BE49-F238E27FC236}">
+                <a16:creationId xmlns:a16="http://schemas.microsoft.com/office/drawing/2014/main" id="{524761D6-06AB-0FB5-4B6E-F99DEE7D9793}"/>
+              </a:ext>
+            </a:extLst>
+          </p:cNvPr>
+          <p:cNvSpPr txBox="1">
+            <a:spLocks noGrp="1"/>
+          </p:cNvSpPr>
           <p:nvPr>
-            <p:ph idx="1" type="body"/>
+            <p:ph type="body" idx="1"/>
           </p:nvPr>
         </p:nvSpPr>
         <p:spPr>
@@ -2133,12 +2217,12 @@
           </a:prstGeom>
         </p:spPr>
         <p:txBody>
-          <a:bodyPr anchorCtr="0" anchor="t" bIns="45700" lIns="91425" spcFirstLastPara="1" rIns="91425" wrap="square" tIns="45700">
+          <a:bodyPr spcFirstLastPara="1" wrap="square" lIns="91425" tIns="45700" rIns="91425" bIns="45700" anchor="t" anchorCtr="0">
             <a:noAutofit/>
           </a:bodyPr>
           <a:lstStyle/>
           <a:p>
-            <a:pPr indent="0" lvl="0" marL="0" rtl="0" algn="l">
+            <a:pPr marL="0" lvl="0" indent="0" algn="l" rtl="0">
               <a:spcBef>
                 <a:spcPts val="0"/>
               </a:spcBef>
@@ -2147,19 +2231,24 @@
               </a:spcAft>
               <a:buNone/>
             </a:pPr>
-            <a:r>
-              <a:t/>
-            </a:r>
             <a:endParaRPr/>
           </a:p>
         </p:txBody>
       </p:sp>
       <p:sp>
         <p:nvSpPr>
-          <p:cNvPr id="129" name="Google Shape;129;p23:notes"/>
-          <p:cNvSpPr/>
+          <p:cNvPr id="112" name="Google Shape;112;p15:notes">
+            <a:extLst>
+              <a:ext uri="{FF2B5EF4-FFF2-40B4-BE49-F238E27FC236}">
+                <a16:creationId xmlns:a16="http://schemas.microsoft.com/office/drawing/2014/main" id="{C13B1E98-812D-FDCC-C664-27C64DAFAADE}"/>
+              </a:ext>
+            </a:extLst>
+          </p:cNvPr>
+          <p:cNvSpPr>
+            <a:spLocks noGrp="1" noRot="1" noChangeAspect="1"/>
+          </p:cNvSpPr>
           <p:nvPr>
-            <p:ph idx="2" type="sldImg"/>
+            <p:ph type="sldImg" idx="2"/>
           </p:nvPr>
         </p:nvSpPr>
         <p:spPr>
@@ -2168,9 +2257,13 @@
             <a:ext cx="5486400" cy="3086100"/>
           </a:xfrm>
           <a:custGeom>
-            <a:rect b="b" l="l" r="r" t="t"/>
+            <a:avLst/>
+            <a:gdLst/>
+            <a:ahLst/>
+            <a:cxnLst/>
+            <a:rect l="l" t="t" r="r" b="b"/>
             <a:pathLst>
-              <a:path extrusionOk="0" h="120000" w="120000">
+              <a:path w="120000" h="120000" extrusionOk="0">
                 <a:moveTo>
                   <a:pt x="0" y="0"/>
                 </a:moveTo>
@@ -2190,6 +2283,11 @@
         </p:spPr>
       </p:sp>
     </p:spTree>
+    <p:extLst>
+      <p:ext uri="{BB962C8B-B14F-4D97-AF65-F5344CB8AC3E}">
+        <p14:creationId xmlns:p14="http://schemas.microsoft.com/office/powerpoint/2010/main" val="1690411799"/>
+      </p:ext>
+    </p:extLst>
   </p:cSld>
   <p:clrMapOvr>
     <a:masterClrMapping/>
@@ -2197,12 +2295,12 @@
 </p:notes>
 </file>
 
-<file path=ppt/notesSlides/notesSlide7.xml><?xml version="1.0" encoding="utf-8"?>
-<p:notes xmlns:a="http://schemas.openxmlformats.org/drawingml/2006/main" xmlns:r="http://schemas.openxmlformats.org/officeDocument/2006/relationships" xmlns:mc="http://schemas.openxmlformats.org/markup-compatibility/2006" xmlns:mv="urn:schemas-microsoft-com:mac:vml" xmlns:p="http://schemas.openxmlformats.org/presentationml/2006/main" xmlns:c="http://schemas.openxmlformats.org/drawingml/2006/chart" xmlns:dgm="http://schemas.openxmlformats.org/drawingml/2006/diagram" xmlns:o="urn:schemas-microsoft-com:office:office" xmlns:v="urn:schemas-microsoft-com:vml" xmlns:pvml="urn:schemas-microsoft-com:office:powerpoint" xmlns:com="http://schemas.openxmlformats.org/drawingml/2006/compatibility" xmlns:p14="http://schemas.microsoft.com/office/powerpoint/2010/main" xmlns:p15="http://schemas.microsoft.com/office/powerpoint/2012/main" xmlns:ahyp="http://schemas.microsoft.com/office/drawing/2018/hyperlinkcolor" showMasterPhAnim="0" showMasterSp="0">
+<file path=ppt/notesSlides/notesSlide6.xml><?xml version="1.0" encoding="utf-8"?>
+<p:notes xmlns:a="http://schemas.openxmlformats.org/drawingml/2006/main" xmlns:r="http://schemas.openxmlformats.org/officeDocument/2006/relationships" xmlns:p="http://schemas.openxmlformats.org/presentationml/2006/main" showMasterSp="0" showMasterPhAnim="0">
   <p:cSld>
     <p:spTree>
       <p:nvGrpSpPr>
-        <p:cNvPr id="135" name="Shape 135"/>
+        <p:cNvPr id="1" name="Shape 127"/>
         <p:cNvGrpSpPr/>
         <p:nvPr/>
       </p:nvGrpSpPr>
@@ -2216,10 +2314,12 @@
       </p:grpSpPr>
       <p:sp>
         <p:nvSpPr>
-          <p:cNvPr id="136" name="Google Shape;136;p24:notes"/>
-          <p:cNvSpPr txBox="1"/>
+          <p:cNvPr id="128" name="Google Shape;128;p23:notes"/>
+          <p:cNvSpPr txBox="1">
+            <a:spLocks noGrp="1"/>
+          </p:cNvSpPr>
           <p:nvPr>
-            <p:ph idx="1" type="body"/>
+            <p:ph type="body" idx="1"/>
           </p:nvPr>
         </p:nvSpPr>
         <p:spPr>
@@ -2232,12 +2332,12 @@
           </a:prstGeom>
         </p:spPr>
         <p:txBody>
-          <a:bodyPr anchorCtr="0" anchor="t" bIns="45700" lIns="91425" spcFirstLastPara="1" rIns="91425" wrap="square" tIns="45700">
+          <a:bodyPr spcFirstLastPara="1" wrap="square" lIns="91425" tIns="45700" rIns="91425" bIns="45700" anchor="t" anchorCtr="0">
             <a:noAutofit/>
           </a:bodyPr>
           <a:lstStyle/>
           <a:p>
-            <a:pPr indent="0" lvl="0" marL="0" rtl="0" algn="l">
+            <a:pPr marL="0" lvl="0" indent="0" algn="l" rtl="0">
               <a:spcBef>
                 <a:spcPts val="0"/>
               </a:spcBef>
@@ -2246,19 +2346,18 @@
               </a:spcAft>
               <a:buNone/>
             </a:pPr>
-            <a:r>
-              <a:t/>
-            </a:r>
             <a:endParaRPr/>
           </a:p>
         </p:txBody>
       </p:sp>
       <p:sp>
         <p:nvSpPr>
-          <p:cNvPr id="137" name="Google Shape;137;p24:notes"/>
-          <p:cNvSpPr/>
+          <p:cNvPr id="129" name="Google Shape;129;p23:notes"/>
+          <p:cNvSpPr>
+            <a:spLocks noGrp="1" noRot="1" noChangeAspect="1"/>
+          </p:cNvSpPr>
           <p:nvPr>
-            <p:ph idx="2" type="sldImg"/>
+            <p:ph type="sldImg" idx="2"/>
           </p:nvPr>
         </p:nvSpPr>
         <p:spPr>
@@ -2267,9 +2366,13 @@
             <a:ext cx="5486400" cy="3086100"/>
           </a:xfrm>
           <a:custGeom>
-            <a:rect b="b" l="l" r="r" t="t"/>
+            <a:avLst/>
+            <a:gdLst/>
+            <a:ahLst/>
+            <a:cxnLst/>
+            <a:rect l="l" t="t" r="r" b="b"/>
             <a:pathLst>
-              <a:path extrusionOk="0" h="120000" w="120000">
+              <a:path w="120000" h="120000" extrusionOk="0">
                 <a:moveTo>
                   <a:pt x="0" y="0"/>
                 </a:moveTo>
@@ -2296,12 +2399,18 @@
 </p:notes>
 </file>
 
-<file path=ppt/notesSlides/notesSlide8.xml><?xml version="1.0" encoding="utf-8"?>
-<p:notes xmlns:a="http://schemas.openxmlformats.org/drawingml/2006/main" xmlns:r="http://schemas.openxmlformats.org/officeDocument/2006/relationships" xmlns:mc="http://schemas.openxmlformats.org/markup-compatibility/2006" xmlns:mv="urn:schemas-microsoft-com:mac:vml" xmlns:p="http://schemas.openxmlformats.org/presentationml/2006/main" xmlns:c="http://schemas.openxmlformats.org/drawingml/2006/chart" xmlns:dgm="http://schemas.openxmlformats.org/drawingml/2006/diagram" xmlns:o="urn:schemas-microsoft-com:office:office" xmlns:v="urn:schemas-microsoft-com:vml" xmlns:pvml="urn:schemas-microsoft-com:office:powerpoint" xmlns:com="http://schemas.openxmlformats.org/drawingml/2006/compatibility" xmlns:p14="http://schemas.microsoft.com/office/powerpoint/2010/main" xmlns:p15="http://schemas.microsoft.com/office/powerpoint/2012/main" xmlns:ahyp="http://schemas.microsoft.com/office/drawing/2018/hyperlinkcolor" showMasterPhAnim="0" showMasterSp="0">
+<file path=ppt/notesSlides/notesSlide7.xml><?xml version="1.0" encoding="utf-8"?>
+<p:notes xmlns:a="http://schemas.openxmlformats.org/drawingml/2006/main" xmlns:r="http://schemas.openxmlformats.org/officeDocument/2006/relationships" xmlns:p="http://schemas.openxmlformats.org/presentationml/2006/main" showMasterSp="0" showMasterPhAnim="0">
   <p:cSld>
     <p:spTree>
       <p:nvGrpSpPr>
-        <p:cNvPr id="139" name="Shape 139"/>
+        <p:cNvPr id="1" name="Shape 86">
+          <a:extLst>
+            <a:ext uri="{FF2B5EF4-FFF2-40B4-BE49-F238E27FC236}">
+              <a16:creationId xmlns:a16="http://schemas.microsoft.com/office/drawing/2014/main" id="{F1F288E5-3D40-C60C-053F-5995AF0FF607}"/>
+            </a:ext>
+          </a:extLst>
+        </p:cNvPr>
         <p:cNvGrpSpPr/>
         <p:nvPr/>
       </p:nvGrpSpPr>
@@ -2315,10 +2424,18 @@
       </p:grpSpPr>
       <p:sp>
         <p:nvSpPr>
-          <p:cNvPr id="140" name="Google Shape;140;p29:notes"/>
-          <p:cNvSpPr txBox="1"/>
+          <p:cNvPr id="87" name="Google Shape;87;p2:notes">
+            <a:extLst>
+              <a:ext uri="{FF2B5EF4-FFF2-40B4-BE49-F238E27FC236}">
+                <a16:creationId xmlns:a16="http://schemas.microsoft.com/office/drawing/2014/main" id="{51612B68-394D-1871-5637-1FFAC87CBE62}"/>
+              </a:ext>
+            </a:extLst>
+          </p:cNvPr>
+          <p:cNvSpPr txBox="1">
+            <a:spLocks noGrp="1"/>
+          </p:cNvSpPr>
           <p:nvPr>
-            <p:ph idx="1" type="body"/>
+            <p:ph type="body" idx="1"/>
           </p:nvPr>
         </p:nvSpPr>
         <p:spPr>
@@ -2331,12 +2448,12 @@
           </a:prstGeom>
         </p:spPr>
         <p:txBody>
-          <a:bodyPr anchorCtr="0" anchor="t" bIns="45700" lIns="91425" spcFirstLastPara="1" rIns="91425" wrap="square" tIns="45700">
+          <a:bodyPr spcFirstLastPara="1" wrap="square" lIns="91425" tIns="45700" rIns="91425" bIns="45700" anchor="t" anchorCtr="0">
             <a:noAutofit/>
           </a:bodyPr>
           <a:lstStyle/>
           <a:p>
-            <a:pPr indent="0" lvl="0" marL="0" rtl="0" algn="l">
+            <a:pPr marL="0" lvl="0" indent="0" algn="l" rtl="0">
               <a:spcBef>
                 <a:spcPts val="0"/>
               </a:spcBef>
@@ -2345,19 +2462,24 @@
               </a:spcAft>
               <a:buNone/>
             </a:pPr>
-            <a:r>
-              <a:t/>
-            </a:r>
             <a:endParaRPr/>
           </a:p>
         </p:txBody>
       </p:sp>
       <p:sp>
         <p:nvSpPr>
-          <p:cNvPr id="141" name="Google Shape;141;p29:notes"/>
-          <p:cNvSpPr/>
+          <p:cNvPr id="88" name="Google Shape;88;p2:notes">
+            <a:extLst>
+              <a:ext uri="{FF2B5EF4-FFF2-40B4-BE49-F238E27FC236}">
+                <a16:creationId xmlns:a16="http://schemas.microsoft.com/office/drawing/2014/main" id="{644BFA0B-9AE0-AA37-8F00-AC79AFF55538}"/>
+              </a:ext>
+            </a:extLst>
+          </p:cNvPr>
+          <p:cNvSpPr>
+            <a:spLocks noGrp="1" noRot="1" noChangeAspect="1"/>
+          </p:cNvSpPr>
           <p:nvPr>
-            <p:ph idx="2" type="sldImg"/>
+            <p:ph type="sldImg" idx="2"/>
           </p:nvPr>
         </p:nvSpPr>
         <p:spPr>
@@ -2366,9 +2488,13 @@
             <a:ext cx="5486400" cy="3086100"/>
           </a:xfrm>
           <a:custGeom>
-            <a:rect b="b" l="l" r="r" t="t"/>
+            <a:avLst/>
+            <a:gdLst/>
+            <a:ahLst/>
+            <a:cxnLst/>
+            <a:rect l="l" t="t" r="r" b="b"/>
             <a:pathLst>
-              <a:path extrusionOk="0" h="120000" w="120000">
+              <a:path w="120000" h="120000" extrusionOk="0">
                 <a:moveTo>
                   <a:pt x="0" y="0"/>
                 </a:moveTo>
@@ -2388,6 +2514,11 @@
         </p:spPr>
       </p:sp>
     </p:spTree>
+    <p:extLst>
+      <p:ext uri="{BB962C8B-B14F-4D97-AF65-F5344CB8AC3E}">
+        <p14:creationId xmlns:p14="http://schemas.microsoft.com/office/powerpoint/2010/main" val="3608851813"/>
+      </p:ext>
+    </p:extLst>
   </p:cSld>
   <p:clrMapOvr>
     <a:masterClrMapping/>
@@ -2395,12 +2526,12 @@
 </p:notes>
 </file>
 
-<file path=ppt/notesSlides/notesSlide9.xml><?xml version="1.0" encoding="utf-8"?>
-<p:notes xmlns:a="http://schemas.openxmlformats.org/drawingml/2006/main" xmlns:r="http://schemas.openxmlformats.org/officeDocument/2006/relationships" xmlns:mc="http://schemas.openxmlformats.org/markup-compatibility/2006" xmlns:mv="urn:schemas-microsoft-com:mac:vml" xmlns:p="http://schemas.openxmlformats.org/presentationml/2006/main" xmlns:c="http://schemas.openxmlformats.org/drawingml/2006/chart" xmlns:dgm="http://schemas.openxmlformats.org/drawingml/2006/diagram" xmlns:o="urn:schemas-microsoft-com:office:office" xmlns:v="urn:schemas-microsoft-com:vml" xmlns:pvml="urn:schemas-microsoft-com:office:powerpoint" xmlns:com="http://schemas.openxmlformats.org/drawingml/2006/compatibility" xmlns:p14="http://schemas.microsoft.com/office/powerpoint/2010/main" xmlns:p15="http://schemas.microsoft.com/office/powerpoint/2012/main" xmlns:ahyp="http://schemas.microsoft.com/office/drawing/2018/hyperlinkcolor" showMasterPhAnim="0" showMasterSp="0">
+<file path=ppt/notesSlides/notesSlide8.xml><?xml version="1.0" encoding="utf-8"?>
+<p:notes xmlns:a="http://schemas.openxmlformats.org/drawingml/2006/main" xmlns:r="http://schemas.openxmlformats.org/officeDocument/2006/relationships" xmlns:p="http://schemas.openxmlformats.org/presentationml/2006/main" showMasterSp="0" showMasterPhAnim="0">
   <p:cSld>
     <p:spTree>
       <p:nvGrpSpPr>
-        <p:cNvPr id="147" name="Shape 147"/>
+        <p:cNvPr id="1" name="Shape 135"/>
         <p:cNvGrpSpPr/>
         <p:nvPr/>
       </p:nvGrpSpPr>
@@ -2414,10 +2545,12 @@
       </p:grpSpPr>
       <p:sp>
         <p:nvSpPr>
-          <p:cNvPr id="148" name="Google Shape;148;p31:notes"/>
-          <p:cNvSpPr txBox="1"/>
+          <p:cNvPr id="136" name="Google Shape;136;p24:notes"/>
+          <p:cNvSpPr txBox="1">
+            <a:spLocks noGrp="1"/>
+          </p:cNvSpPr>
           <p:nvPr>
-            <p:ph idx="1" type="body"/>
+            <p:ph type="body" idx="1"/>
           </p:nvPr>
         </p:nvSpPr>
         <p:spPr>
@@ -2430,12 +2563,12 @@
           </a:prstGeom>
         </p:spPr>
         <p:txBody>
-          <a:bodyPr anchorCtr="0" anchor="t" bIns="45700" lIns="91425" spcFirstLastPara="1" rIns="91425" wrap="square" tIns="45700">
+          <a:bodyPr spcFirstLastPara="1" wrap="square" lIns="91425" tIns="45700" rIns="91425" bIns="45700" anchor="t" anchorCtr="0">
             <a:noAutofit/>
           </a:bodyPr>
           <a:lstStyle/>
           <a:p>
-            <a:pPr indent="0" lvl="0" marL="0" rtl="0" algn="l">
+            <a:pPr marL="0" lvl="0" indent="0" algn="l" rtl="0">
               <a:spcBef>
                 <a:spcPts val="0"/>
               </a:spcBef>
@@ -2444,19 +2577,18 @@
               </a:spcAft>
               <a:buNone/>
             </a:pPr>
-            <a:r>
-              <a:t/>
-            </a:r>
             <a:endParaRPr/>
           </a:p>
         </p:txBody>
       </p:sp>
       <p:sp>
         <p:nvSpPr>
-          <p:cNvPr id="149" name="Google Shape;149;p31:notes"/>
-          <p:cNvSpPr/>
+          <p:cNvPr id="137" name="Google Shape;137;p24:notes"/>
+          <p:cNvSpPr>
+            <a:spLocks noGrp="1" noRot="1" noChangeAspect="1"/>
+          </p:cNvSpPr>
           <p:nvPr>
-            <p:ph idx="2" type="sldImg"/>
+            <p:ph type="sldImg" idx="2"/>
           </p:nvPr>
         </p:nvSpPr>
         <p:spPr>
@@ -2465,9 +2597,13 @@
             <a:ext cx="5486400" cy="3086100"/>
           </a:xfrm>
           <a:custGeom>
-            <a:rect b="b" l="l" r="r" t="t"/>
+            <a:avLst/>
+            <a:gdLst/>
+            <a:ahLst/>
+            <a:cxnLst/>
+            <a:rect l="l" t="t" r="r" b="b"/>
             <a:pathLst>
-              <a:path extrusionOk="0" h="120000" w="120000">
+              <a:path w="120000" h="120000" extrusionOk="0">
                 <a:moveTo>
                   <a:pt x="0" y="0"/>
                 </a:moveTo>
@@ -2494,12 +2630,12 @@
 </p:notes>
 </file>
 
-<file path=ppt/slideLayouts/slideLayout1.xml><?xml version="1.0" encoding="utf-8"?>
-<p:sldLayout xmlns:a="http://schemas.openxmlformats.org/drawingml/2006/main" xmlns:r="http://schemas.openxmlformats.org/officeDocument/2006/relationships" xmlns:mc="http://schemas.openxmlformats.org/markup-compatibility/2006" xmlns:mv="urn:schemas-microsoft-com:mac:vml" xmlns:p="http://schemas.openxmlformats.org/presentationml/2006/main" xmlns:c="http://schemas.openxmlformats.org/drawingml/2006/chart" xmlns:dgm="http://schemas.openxmlformats.org/drawingml/2006/diagram" xmlns:o="urn:schemas-microsoft-com:office:office" xmlns:v="urn:schemas-microsoft-com:vml" xmlns:pvml="urn:schemas-microsoft-com:office:powerpoint" xmlns:com="http://schemas.openxmlformats.org/drawingml/2006/compatibility" xmlns:p14="http://schemas.microsoft.com/office/powerpoint/2010/main" xmlns:p15="http://schemas.microsoft.com/office/powerpoint/2012/main" xmlns:ahyp="http://schemas.microsoft.com/office/drawing/2018/hyperlinkcolor" matchingName="9_Title Slide">
-  <p:cSld name="9_Title Slide">
+<file path=ppt/notesSlides/notesSlide9.xml><?xml version="1.0" encoding="utf-8"?>
+<p:notes xmlns:a="http://schemas.openxmlformats.org/drawingml/2006/main" xmlns:r="http://schemas.openxmlformats.org/officeDocument/2006/relationships" xmlns:p="http://schemas.openxmlformats.org/presentationml/2006/main" showMasterSp="0" showMasterPhAnim="0">
+  <p:cSld>
     <p:spTree>
       <p:nvGrpSpPr>
-        <p:cNvPr id="10" name="Shape 10"/>
+        <p:cNvPr id="1" name="Shape 139"/>
         <p:cNvGrpSpPr/>
         <p:nvPr/>
       </p:nvGrpSpPr>
@@ -2513,26 +2649,81 @@
       </p:grpSpPr>
       <p:sp>
         <p:nvSpPr>
-          <p:cNvPr id="11" name="Google Shape;11;p2"/>
-          <p:cNvSpPr/>
+          <p:cNvPr id="140" name="Google Shape;140;p29:notes"/>
+          <p:cNvSpPr txBox="1">
+            <a:spLocks noGrp="1"/>
+          </p:cNvSpPr>
           <p:nvPr>
-            <p:ph idx="2" type="pic"/>
+            <p:ph type="body" idx="1"/>
           </p:nvPr>
         </p:nvSpPr>
         <p:spPr>
           <a:xfrm>
-            <a:off x="4189413" y="0"/>
-            <a:ext cx="8002587" cy="6858000"/>
-          </a:xfrm>
-          <a:prstGeom prst="rect">
-            <a:avLst/>
-          </a:prstGeom>
-          <a:solidFill>
-            <a:srgbClr val="D8D8D8"/>
-          </a:solidFill>
-          <a:ln>
-            <a:noFill/>
-          </a:ln>
+            <a:off x="685800" y="4400550"/>
+            <a:ext cx="5486400" cy="3600450"/>
+          </a:xfrm>
+          <a:prstGeom prst="rect">
+            <a:avLst/>
+          </a:prstGeom>
+        </p:spPr>
+        <p:txBody>
+          <a:bodyPr spcFirstLastPara="1" wrap="square" lIns="91425" tIns="45700" rIns="91425" bIns="45700" anchor="t" anchorCtr="0">
+            <a:noAutofit/>
+          </a:bodyPr>
+          <a:lstStyle/>
+          <a:p>
+            <a:pPr marL="0" lvl="0" indent="0" algn="l" rtl="0">
+              <a:spcBef>
+                <a:spcPts val="0"/>
+              </a:spcBef>
+              <a:spcAft>
+                <a:spcPts val="0"/>
+              </a:spcAft>
+              <a:buNone/>
+            </a:pPr>
+            <a:endParaRPr/>
+          </a:p>
+        </p:txBody>
+      </p:sp>
+      <p:sp>
+        <p:nvSpPr>
+          <p:cNvPr id="141" name="Google Shape;141;p29:notes"/>
+          <p:cNvSpPr>
+            <a:spLocks noGrp="1" noRot="1" noChangeAspect="1"/>
+          </p:cNvSpPr>
+          <p:nvPr>
+            <p:ph type="sldImg" idx="2"/>
+          </p:nvPr>
+        </p:nvSpPr>
+        <p:spPr>
+          <a:xfrm>
+            <a:off x="685800" y="1143000"/>
+            <a:ext cx="5486400" cy="3086100"/>
+          </a:xfrm>
+          <a:custGeom>
+            <a:avLst/>
+            <a:gdLst/>
+            <a:ahLst/>
+            <a:cxnLst/>
+            <a:rect l="l" t="t" r="r" b="b"/>
+            <a:pathLst>
+              <a:path w="120000" h="120000" extrusionOk="0">
+                <a:moveTo>
+                  <a:pt x="0" y="0"/>
+                </a:moveTo>
+                <a:lnTo>
+                  <a:pt x="120000" y="0"/>
+                </a:lnTo>
+                <a:lnTo>
+                  <a:pt x="120000" y="120000"/>
+                </a:lnTo>
+                <a:lnTo>
+                  <a:pt x="0" y="120000"/>
+                </a:lnTo>
+                <a:close/>
+              </a:path>
+            </a:pathLst>
+          </a:custGeom>
         </p:spPr>
       </p:sp>
     </p:spTree>
@@ -2540,15 +2731,15 @@
   <p:clrMapOvr>
     <a:masterClrMapping/>
   </p:clrMapOvr>
-</p:sldLayout>
+</p:notes>
 </file>
 
-<file path=ppt/slideLayouts/slideLayout10.xml><?xml version="1.0" encoding="utf-8"?>
-<p:sldLayout xmlns:a="http://schemas.openxmlformats.org/drawingml/2006/main" xmlns:r="http://schemas.openxmlformats.org/officeDocument/2006/relationships" xmlns:mc="http://schemas.openxmlformats.org/markup-compatibility/2006" xmlns:mv="urn:schemas-microsoft-com:mac:vml" xmlns:p="http://schemas.openxmlformats.org/presentationml/2006/main" xmlns:c="http://schemas.openxmlformats.org/drawingml/2006/chart" xmlns:dgm="http://schemas.openxmlformats.org/drawingml/2006/diagram" xmlns:o="urn:schemas-microsoft-com:office:office" xmlns:v="urn:schemas-microsoft-com:vml" xmlns:pvml="urn:schemas-microsoft-com:office:powerpoint" xmlns:com="http://schemas.openxmlformats.org/drawingml/2006/compatibility" xmlns:p14="http://schemas.microsoft.com/office/powerpoint/2010/main" xmlns:p15="http://schemas.microsoft.com/office/powerpoint/2012/main" xmlns:ahyp="http://schemas.microsoft.com/office/drawing/2018/hyperlinkcolor" matchingName="20_Title Slide">
-  <p:cSld name="20_Title Slide">
+<file path=ppt/slideLayouts/slideLayout1.xml><?xml version="1.0" encoding="utf-8"?>
+<p:sldLayout xmlns:a="http://schemas.openxmlformats.org/drawingml/2006/main" xmlns:r="http://schemas.openxmlformats.org/officeDocument/2006/relationships" xmlns:p="http://schemas.openxmlformats.org/presentationml/2006/main" matchingName="9_Title Slide">
+  <p:cSld name="9_Title Slide">
     <p:spTree>
       <p:nvGrpSpPr>
-        <p:cNvPr id="29" name="Shape 29"/>
+        <p:cNvPr id="1" name="Shape 10"/>
         <p:cNvGrpSpPr/>
         <p:nvPr/>
       </p:nvGrpSpPr>
@@ -2562,64 +2753,18 @@
       </p:grpSpPr>
       <p:sp>
         <p:nvSpPr>
-          <p:cNvPr id="30" name="Google Shape;30;p11"/>
-          <p:cNvSpPr/>
+          <p:cNvPr id="11" name="Google Shape;11;p2"/>
+          <p:cNvSpPr>
+            <a:spLocks noGrp="1"/>
+          </p:cNvSpPr>
           <p:nvPr>
-            <p:ph idx="2" type="pic"/>
+            <p:ph type="pic" idx="2"/>
           </p:nvPr>
         </p:nvSpPr>
         <p:spPr>
           <a:xfrm>
-            <a:off x="8204451" y="2273300"/>
-            <a:ext cx="3508124" cy="3192463"/>
-          </a:xfrm>
-          <a:prstGeom prst="rect">
-            <a:avLst/>
-          </a:prstGeom>
-          <a:solidFill>
-            <a:srgbClr val="D8D8D8"/>
-          </a:solidFill>
-          <a:ln>
-            <a:noFill/>
-          </a:ln>
-        </p:spPr>
-      </p:sp>
-      <p:sp>
-        <p:nvSpPr>
-          <p:cNvPr id="31" name="Google Shape;31;p11"/>
-          <p:cNvSpPr/>
-          <p:nvPr>
-            <p:ph idx="3" type="pic"/>
-          </p:nvPr>
-        </p:nvSpPr>
-        <p:spPr>
-          <a:xfrm>
-            <a:off x="477837" y="2273300"/>
-            <a:ext cx="3484563" cy="3192463"/>
-          </a:xfrm>
-          <a:prstGeom prst="rect">
-            <a:avLst/>
-          </a:prstGeom>
-          <a:solidFill>
-            <a:srgbClr val="D8D8D8"/>
-          </a:solidFill>
-          <a:ln>
-            <a:noFill/>
-          </a:ln>
-        </p:spPr>
-      </p:sp>
-      <p:sp>
-        <p:nvSpPr>
-          <p:cNvPr id="32" name="Google Shape;32;p11"/>
-          <p:cNvSpPr/>
-          <p:nvPr>
-            <p:ph idx="4" type="pic"/>
-          </p:nvPr>
-        </p:nvSpPr>
-        <p:spPr>
-          <a:xfrm>
-            <a:off x="4341813" y="2281238"/>
-            <a:ext cx="3506787" cy="3192463"/>
+            <a:off x="4189413" y="0"/>
+            <a:ext cx="8002587" cy="6858000"/>
           </a:xfrm>
           <a:prstGeom prst="rect">
             <a:avLst/>
@@ -2640,12 +2785,12 @@
 </p:sldLayout>
 </file>
 
-<file path=ppt/slideLayouts/slideLayout11.xml><?xml version="1.0" encoding="utf-8"?>
-<p:sldLayout xmlns:a="http://schemas.openxmlformats.org/drawingml/2006/main" xmlns:r="http://schemas.openxmlformats.org/officeDocument/2006/relationships" xmlns:mc="http://schemas.openxmlformats.org/markup-compatibility/2006" xmlns:mv="urn:schemas-microsoft-com:mac:vml" xmlns:p="http://schemas.openxmlformats.org/presentationml/2006/main" xmlns:c="http://schemas.openxmlformats.org/drawingml/2006/chart" xmlns:dgm="http://schemas.openxmlformats.org/drawingml/2006/diagram" xmlns:o="urn:schemas-microsoft-com:office:office" xmlns:v="urn:schemas-microsoft-com:vml" xmlns:pvml="urn:schemas-microsoft-com:office:powerpoint" xmlns:com="http://schemas.openxmlformats.org/drawingml/2006/compatibility" xmlns:p14="http://schemas.microsoft.com/office/powerpoint/2010/main" xmlns:p15="http://schemas.microsoft.com/office/powerpoint/2012/main" xmlns:ahyp="http://schemas.microsoft.com/office/drawing/2018/hyperlinkcolor" matchingName="21_Title Slide">
-  <p:cSld name="21_Title Slide">
+<file path=ppt/slideLayouts/slideLayout10.xml><?xml version="1.0" encoding="utf-8"?>
+<p:sldLayout xmlns:a="http://schemas.openxmlformats.org/drawingml/2006/main" xmlns:r="http://schemas.openxmlformats.org/officeDocument/2006/relationships" xmlns:p="http://schemas.openxmlformats.org/presentationml/2006/main" matchingName="20_Title Slide">
+  <p:cSld name="20_Title Slide">
     <p:spTree>
       <p:nvGrpSpPr>
-        <p:cNvPr id="33" name="Shape 33"/>
+        <p:cNvPr id="1" name="Shape 29"/>
         <p:cNvGrpSpPr/>
         <p:nvPr/>
       </p:nvGrpSpPr>
@@ -2659,16 +2804,18 @@
       </p:grpSpPr>
       <p:sp>
         <p:nvSpPr>
-          <p:cNvPr id="34" name="Google Shape;34;p12"/>
-          <p:cNvSpPr/>
+          <p:cNvPr id="30" name="Google Shape;30;p11"/>
+          <p:cNvSpPr>
+            <a:spLocks noGrp="1"/>
+          </p:cNvSpPr>
           <p:nvPr>
-            <p:ph idx="2" type="pic"/>
+            <p:ph type="pic" idx="2"/>
           </p:nvPr>
         </p:nvSpPr>
         <p:spPr>
           <a:xfrm>
-            <a:off x="166688" y="174625"/>
-            <a:ext cx="3839730" cy="3119438"/>
+            <a:off x="8204451" y="2273300"/>
+            <a:ext cx="3508124" cy="3192463"/>
           </a:xfrm>
           <a:prstGeom prst="rect">
             <a:avLst/>
@@ -2683,16 +2830,18 @@
       </p:sp>
       <p:sp>
         <p:nvSpPr>
-          <p:cNvPr id="35" name="Google Shape;35;p12"/>
-          <p:cNvSpPr/>
+          <p:cNvPr id="31" name="Google Shape;31;p11"/>
+          <p:cNvSpPr>
+            <a:spLocks noGrp="1"/>
+          </p:cNvSpPr>
           <p:nvPr>
-            <p:ph idx="3" type="pic"/>
+            <p:ph type="pic" idx="3"/>
           </p:nvPr>
         </p:nvSpPr>
         <p:spPr>
           <a:xfrm>
-            <a:off x="4171950" y="174625"/>
-            <a:ext cx="3848100" cy="3119438"/>
+            <a:off x="477837" y="2273300"/>
+            <a:ext cx="3484563" cy="3192463"/>
           </a:xfrm>
           <a:prstGeom prst="rect">
             <a:avLst/>
@@ -2707,16 +2856,18 @@
       </p:sp>
       <p:sp>
         <p:nvSpPr>
-          <p:cNvPr id="36" name="Google Shape;36;p12"/>
-          <p:cNvSpPr/>
+          <p:cNvPr id="32" name="Google Shape;32;p11"/>
+          <p:cNvSpPr>
+            <a:spLocks noGrp="1"/>
+          </p:cNvSpPr>
           <p:nvPr>
-            <p:ph idx="4" type="pic"/>
+            <p:ph type="pic" idx="4"/>
           </p:nvPr>
         </p:nvSpPr>
         <p:spPr>
           <a:xfrm>
-            <a:off x="6096000" y="3429000"/>
-            <a:ext cx="6096000" cy="3429000"/>
+            <a:off x="4341813" y="2281238"/>
+            <a:ext cx="3506787" cy="3192463"/>
           </a:xfrm>
           <a:prstGeom prst="rect">
             <a:avLst/>
@@ -2737,12 +2888,12 @@
 </p:sldLayout>
 </file>
 
-<file path=ppt/slideLayouts/slideLayout12.xml><?xml version="1.0" encoding="utf-8"?>
-<p:sldLayout xmlns:a="http://schemas.openxmlformats.org/drawingml/2006/main" xmlns:r="http://schemas.openxmlformats.org/officeDocument/2006/relationships" xmlns:mc="http://schemas.openxmlformats.org/markup-compatibility/2006" xmlns:mv="urn:schemas-microsoft-com:mac:vml" xmlns:p="http://schemas.openxmlformats.org/presentationml/2006/main" xmlns:c="http://schemas.openxmlformats.org/drawingml/2006/chart" xmlns:dgm="http://schemas.openxmlformats.org/drawingml/2006/diagram" xmlns:o="urn:schemas-microsoft-com:office:office" xmlns:v="urn:schemas-microsoft-com:vml" xmlns:pvml="urn:schemas-microsoft-com:office:powerpoint" xmlns:com="http://schemas.openxmlformats.org/drawingml/2006/compatibility" xmlns:p14="http://schemas.microsoft.com/office/powerpoint/2010/main" xmlns:p15="http://schemas.microsoft.com/office/powerpoint/2012/main" xmlns:ahyp="http://schemas.microsoft.com/office/drawing/2018/hyperlinkcolor" matchingName="22_Title Slide">
-  <p:cSld name="22_Title Slide">
+<file path=ppt/slideLayouts/slideLayout11.xml><?xml version="1.0" encoding="utf-8"?>
+<p:sldLayout xmlns:a="http://schemas.openxmlformats.org/drawingml/2006/main" xmlns:r="http://schemas.openxmlformats.org/officeDocument/2006/relationships" xmlns:p="http://schemas.openxmlformats.org/presentationml/2006/main" matchingName="21_Title Slide">
+  <p:cSld name="21_Title Slide">
     <p:spTree>
       <p:nvGrpSpPr>
-        <p:cNvPr id="37" name="Shape 37"/>
+        <p:cNvPr id="1" name="Shape 33"/>
         <p:cNvGrpSpPr/>
         <p:nvPr/>
       </p:nvGrpSpPr>
@@ -2756,16 +2907,18 @@
       </p:grpSpPr>
       <p:sp>
         <p:nvSpPr>
-          <p:cNvPr id="38" name="Google Shape;38;p13"/>
-          <p:cNvSpPr/>
+          <p:cNvPr id="34" name="Google Shape;34;p12"/>
+          <p:cNvSpPr>
+            <a:spLocks noGrp="1"/>
+          </p:cNvSpPr>
           <p:nvPr>
-            <p:ph idx="2" type="pic"/>
+            <p:ph type="pic" idx="2"/>
           </p:nvPr>
         </p:nvSpPr>
         <p:spPr>
           <a:xfrm>
-            <a:off x="14287" y="0"/>
-            <a:ext cx="4608513" cy="6858000"/>
+            <a:off x="166688" y="174625"/>
+            <a:ext cx="3839730" cy="3119438"/>
           </a:xfrm>
           <a:prstGeom prst="rect">
             <a:avLst/>
@@ -2780,16 +2933,18 @@
       </p:sp>
       <p:sp>
         <p:nvSpPr>
-          <p:cNvPr id="39" name="Google Shape;39;p13"/>
-          <p:cNvSpPr/>
+          <p:cNvPr id="35" name="Google Shape;35;p12"/>
+          <p:cNvSpPr>
+            <a:spLocks noGrp="1"/>
+          </p:cNvSpPr>
           <p:nvPr>
-            <p:ph idx="3" type="pic"/>
+            <p:ph type="pic" idx="3"/>
           </p:nvPr>
         </p:nvSpPr>
         <p:spPr>
           <a:xfrm>
-            <a:off x="5259388" y="3524250"/>
-            <a:ext cx="3100388" cy="2295525"/>
+            <a:off x="4171950" y="174625"/>
+            <a:ext cx="3848100" cy="3119438"/>
           </a:xfrm>
           <a:prstGeom prst="rect">
             <a:avLst/>
@@ -2804,16 +2959,18 @@
       </p:sp>
       <p:sp>
         <p:nvSpPr>
-          <p:cNvPr id="40" name="Google Shape;40;p13"/>
-          <p:cNvSpPr/>
+          <p:cNvPr id="36" name="Google Shape;36;p12"/>
+          <p:cNvSpPr>
+            <a:spLocks noGrp="1"/>
+          </p:cNvSpPr>
           <p:nvPr>
-            <p:ph idx="4" type="pic"/>
+            <p:ph type="pic" idx="4"/>
           </p:nvPr>
         </p:nvSpPr>
         <p:spPr>
           <a:xfrm>
-            <a:off x="8570913" y="3524250"/>
-            <a:ext cx="3100388" cy="2295525"/>
+            <a:off x="6096000" y="3429000"/>
+            <a:ext cx="6096000" cy="3429000"/>
           </a:xfrm>
           <a:prstGeom prst="rect">
             <a:avLst/>
@@ -2834,12 +2991,12 @@
 </p:sldLayout>
 </file>
 
-<file path=ppt/slideLayouts/slideLayout13.xml><?xml version="1.0" encoding="utf-8"?>
-<p:sldLayout xmlns:a="http://schemas.openxmlformats.org/drawingml/2006/main" xmlns:r="http://schemas.openxmlformats.org/officeDocument/2006/relationships" xmlns:mc="http://schemas.openxmlformats.org/markup-compatibility/2006" xmlns:mv="urn:schemas-microsoft-com:mac:vml" xmlns:p="http://schemas.openxmlformats.org/presentationml/2006/main" xmlns:c="http://schemas.openxmlformats.org/drawingml/2006/chart" xmlns:dgm="http://schemas.openxmlformats.org/drawingml/2006/diagram" xmlns:o="urn:schemas-microsoft-com:office:office" xmlns:v="urn:schemas-microsoft-com:vml" xmlns:pvml="urn:schemas-microsoft-com:office:powerpoint" xmlns:com="http://schemas.openxmlformats.org/drawingml/2006/compatibility" xmlns:p14="http://schemas.microsoft.com/office/powerpoint/2010/main" xmlns:p15="http://schemas.microsoft.com/office/powerpoint/2012/main" xmlns:ahyp="http://schemas.microsoft.com/office/drawing/2018/hyperlinkcolor" matchingName="23_Title Slide">
-  <p:cSld name="23_Title Slide">
+<file path=ppt/slideLayouts/slideLayout12.xml><?xml version="1.0" encoding="utf-8"?>
+<p:sldLayout xmlns:a="http://schemas.openxmlformats.org/drawingml/2006/main" xmlns:r="http://schemas.openxmlformats.org/officeDocument/2006/relationships" xmlns:p="http://schemas.openxmlformats.org/presentationml/2006/main" matchingName="22_Title Slide">
+  <p:cSld name="22_Title Slide">
     <p:spTree>
       <p:nvGrpSpPr>
-        <p:cNvPr id="41" name="Shape 41"/>
+        <p:cNvPr id="1" name="Shape 37"/>
         <p:cNvGrpSpPr/>
         <p:nvPr/>
       </p:nvGrpSpPr>
@@ -2853,21 +3010,21 @@
       </p:grpSpPr>
       <p:sp>
         <p:nvSpPr>
-          <p:cNvPr id="42" name="Google Shape;42;p14"/>
-          <p:cNvSpPr/>
+          <p:cNvPr id="38" name="Google Shape;38;p13"/>
+          <p:cNvSpPr>
+            <a:spLocks noGrp="1"/>
+          </p:cNvSpPr>
           <p:nvPr>
-            <p:ph idx="2" type="pic"/>
+            <p:ph type="pic" idx="2"/>
           </p:nvPr>
         </p:nvSpPr>
         <p:spPr>
           <a:xfrm>
-            <a:off x="496888" y="590550"/>
-            <a:ext cx="2506662" cy="5676900"/>
-          </a:xfrm>
-          <a:prstGeom prst="roundRect">
-            <a:avLst>
-              <a:gd fmla="val 1744" name="adj"/>
-            </a:avLst>
+            <a:off x="14287" y="0"/>
+            <a:ext cx="4608513" cy="6858000"/>
+          </a:xfrm>
+          <a:prstGeom prst="rect">
+            <a:avLst/>
           </a:prstGeom>
           <a:solidFill>
             <a:srgbClr val="D8D8D8"/>
@@ -2879,21 +3036,21 @@
       </p:sp>
       <p:sp>
         <p:nvSpPr>
-          <p:cNvPr id="43" name="Google Shape;43;p14"/>
-          <p:cNvSpPr/>
+          <p:cNvPr id="39" name="Google Shape;39;p13"/>
+          <p:cNvSpPr>
+            <a:spLocks noGrp="1"/>
+          </p:cNvSpPr>
           <p:nvPr>
-            <p:ph idx="3" type="pic"/>
+            <p:ph type="pic" idx="3"/>
           </p:nvPr>
         </p:nvSpPr>
         <p:spPr>
           <a:xfrm>
-            <a:off x="3117850" y="590550"/>
-            <a:ext cx="2506662" cy="5676900"/>
-          </a:xfrm>
-          <a:prstGeom prst="roundRect">
-            <a:avLst>
-              <a:gd fmla="val 1744" name="adj"/>
-            </a:avLst>
+            <a:off x="5259388" y="3524250"/>
+            <a:ext cx="3100388" cy="2295525"/>
+          </a:xfrm>
+          <a:prstGeom prst="rect">
+            <a:avLst/>
           </a:prstGeom>
           <a:solidFill>
             <a:srgbClr val="D8D8D8"/>
@@ -2905,21 +3062,21 @@
       </p:sp>
       <p:sp>
         <p:nvSpPr>
-          <p:cNvPr id="44" name="Google Shape;44;p14"/>
-          <p:cNvSpPr/>
+          <p:cNvPr id="40" name="Google Shape;40;p13"/>
+          <p:cNvSpPr>
+            <a:spLocks noGrp="1"/>
+          </p:cNvSpPr>
           <p:nvPr>
-            <p:ph idx="4" type="pic"/>
+            <p:ph type="pic" idx="4"/>
           </p:nvPr>
         </p:nvSpPr>
         <p:spPr>
           <a:xfrm>
-            <a:off x="5734050" y="590550"/>
-            <a:ext cx="2486025" cy="5676900"/>
-          </a:xfrm>
-          <a:prstGeom prst="roundRect">
-            <a:avLst>
-              <a:gd fmla="val 1620" name="adj"/>
-            </a:avLst>
+            <a:off x="8570913" y="3524250"/>
+            <a:ext cx="3100388" cy="2295525"/>
+          </a:xfrm>
+          <a:prstGeom prst="rect">
+            <a:avLst/>
           </a:prstGeom>
           <a:solidFill>
             <a:srgbClr val="D8D8D8"/>
@@ -2937,12 +3094,12 @@
 </p:sldLayout>
 </file>
 
-<file path=ppt/slideLayouts/slideLayout14.xml><?xml version="1.0" encoding="utf-8"?>
-<p:sldLayout xmlns:a="http://schemas.openxmlformats.org/drawingml/2006/main" xmlns:r="http://schemas.openxmlformats.org/officeDocument/2006/relationships" xmlns:mc="http://schemas.openxmlformats.org/markup-compatibility/2006" xmlns:mv="urn:schemas-microsoft-com:mac:vml" xmlns:p="http://schemas.openxmlformats.org/presentationml/2006/main" xmlns:c="http://schemas.openxmlformats.org/drawingml/2006/chart" xmlns:dgm="http://schemas.openxmlformats.org/drawingml/2006/diagram" xmlns:o="urn:schemas-microsoft-com:office:office" xmlns:v="urn:schemas-microsoft-com:vml" xmlns:pvml="urn:schemas-microsoft-com:office:powerpoint" xmlns:com="http://schemas.openxmlformats.org/drawingml/2006/compatibility" xmlns:p14="http://schemas.microsoft.com/office/powerpoint/2010/main" xmlns:p15="http://schemas.microsoft.com/office/powerpoint/2012/main" xmlns:ahyp="http://schemas.microsoft.com/office/drawing/2018/hyperlinkcolor" matchingName="24_Title Slide">
-  <p:cSld name="24_Title Slide">
+<file path=ppt/slideLayouts/slideLayout13.xml><?xml version="1.0" encoding="utf-8"?>
+<p:sldLayout xmlns:a="http://schemas.openxmlformats.org/drawingml/2006/main" xmlns:r="http://schemas.openxmlformats.org/officeDocument/2006/relationships" xmlns:p="http://schemas.openxmlformats.org/presentationml/2006/main" matchingName="23_Title Slide">
+  <p:cSld name="23_Title Slide">
     <p:spTree>
       <p:nvGrpSpPr>
-        <p:cNvPr id="45" name="Shape 45"/>
+        <p:cNvPr id="1" name="Shape 41"/>
         <p:cNvGrpSpPr/>
         <p:nvPr/>
       </p:nvGrpSpPr>
@@ -2956,19 +3113,23 @@
       </p:grpSpPr>
       <p:sp>
         <p:nvSpPr>
-          <p:cNvPr id="46" name="Google Shape;46;p15"/>
-          <p:cNvSpPr/>
+          <p:cNvPr id="42" name="Google Shape;42;p14"/>
+          <p:cNvSpPr>
+            <a:spLocks noGrp="1"/>
+          </p:cNvSpPr>
           <p:nvPr>
-            <p:ph idx="2" type="pic"/>
+            <p:ph type="pic" idx="2"/>
           </p:nvPr>
         </p:nvSpPr>
         <p:spPr>
           <a:xfrm>
-            <a:off x="479425" y="3429000"/>
-            <a:ext cx="5616575" cy="2952750"/>
-          </a:xfrm>
-          <a:prstGeom prst="rect">
-            <a:avLst/>
+            <a:off x="496888" y="590550"/>
+            <a:ext cx="2506662" cy="5676900"/>
+          </a:xfrm>
+          <a:prstGeom prst="roundRect">
+            <a:avLst>
+              <a:gd name="adj" fmla="val 1744"/>
+            </a:avLst>
           </a:prstGeom>
           <a:solidFill>
             <a:srgbClr val="D8D8D8"/>
@@ -2980,19 +3141,51 @@
       </p:sp>
       <p:sp>
         <p:nvSpPr>
-          <p:cNvPr id="47" name="Google Shape;47;p15"/>
-          <p:cNvSpPr/>
+          <p:cNvPr id="43" name="Google Shape;43;p14"/>
+          <p:cNvSpPr>
+            <a:spLocks noGrp="1"/>
+          </p:cNvSpPr>
           <p:nvPr>
-            <p:ph idx="3" type="pic"/>
+            <p:ph type="pic" idx="3"/>
           </p:nvPr>
         </p:nvSpPr>
         <p:spPr>
           <a:xfrm>
-            <a:off x="6096000" y="512763"/>
-            <a:ext cx="5616575" cy="2916237"/>
-          </a:xfrm>
-          <a:prstGeom prst="rect">
-            <a:avLst/>
+            <a:off x="3117850" y="590550"/>
+            <a:ext cx="2506662" cy="5676900"/>
+          </a:xfrm>
+          <a:prstGeom prst="roundRect">
+            <a:avLst>
+              <a:gd name="adj" fmla="val 1744"/>
+            </a:avLst>
+          </a:prstGeom>
+          <a:solidFill>
+            <a:srgbClr val="D8D8D8"/>
+          </a:solidFill>
+          <a:ln>
+            <a:noFill/>
+          </a:ln>
+        </p:spPr>
+      </p:sp>
+      <p:sp>
+        <p:nvSpPr>
+          <p:cNvPr id="44" name="Google Shape;44;p14"/>
+          <p:cNvSpPr>
+            <a:spLocks noGrp="1"/>
+          </p:cNvSpPr>
+          <p:nvPr>
+            <p:ph type="pic" idx="4"/>
+          </p:nvPr>
+        </p:nvSpPr>
+        <p:spPr>
+          <a:xfrm>
+            <a:off x="5734050" y="590550"/>
+            <a:ext cx="2486025" cy="5676900"/>
+          </a:xfrm>
+          <a:prstGeom prst="roundRect">
+            <a:avLst>
+              <a:gd name="adj" fmla="val 1620"/>
+            </a:avLst>
           </a:prstGeom>
           <a:solidFill>
             <a:srgbClr val="D8D8D8"/>
@@ -3010,12 +3203,12 @@
 </p:sldLayout>
 </file>
 
-<file path=ppt/slideLayouts/slideLayout15.xml><?xml version="1.0" encoding="utf-8"?>
-<p:sldLayout xmlns:a="http://schemas.openxmlformats.org/drawingml/2006/main" xmlns:r="http://schemas.openxmlformats.org/officeDocument/2006/relationships" xmlns:mc="http://schemas.openxmlformats.org/markup-compatibility/2006" xmlns:mv="urn:schemas-microsoft-com:mac:vml" xmlns:p="http://schemas.openxmlformats.org/presentationml/2006/main" xmlns:c="http://schemas.openxmlformats.org/drawingml/2006/chart" xmlns:dgm="http://schemas.openxmlformats.org/drawingml/2006/diagram" xmlns:o="urn:schemas-microsoft-com:office:office" xmlns:v="urn:schemas-microsoft-com:vml" xmlns:pvml="urn:schemas-microsoft-com:office:powerpoint" xmlns:com="http://schemas.openxmlformats.org/drawingml/2006/compatibility" xmlns:p14="http://schemas.microsoft.com/office/powerpoint/2010/main" xmlns:p15="http://schemas.microsoft.com/office/powerpoint/2012/main" xmlns:ahyp="http://schemas.microsoft.com/office/drawing/2018/hyperlinkcolor" matchingName="16_Title Slide">
-  <p:cSld name="16_Title Slide">
+<file path=ppt/slideLayouts/slideLayout14.xml><?xml version="1.0" encoding="utf-8"?>
+<p:sldLayout xmlns:a="http://schemas.openxmlformats.org/drawingml/2006/main" xmlns:r="http://schemas.openxmlformats.org/officeDocument/2006/relationships" xmlns:p="http://schemas.openxmlformats.org/presentationml/2006/main" matchingName="24_Title Slide">
+  <p:cSld name="24_Title Slide">
     <p:spTree>
       <p:nvGrpSpPr>
-        <p:cNvPr id="48" name="Shape 48"/>
+        <p:cNvPr id="1" name="Shape 45"/>
         <p:cNvGrpSpPr/>
         <p:nvPr/>
       </p:nvGrpSpPr>
@@ -3029,16 +3222,44 @@
       </p:grpSpPr>
       <p:sp>
         <p:nvSpPr>
-          <p:cNvPr id="49" name="Google Shape;49;p16"/>
-          <p:cNvSpPr/>
+          <p:cNvPr id="46" name="Google Shape;46;p15"/>
+          <p:cNvSpPr>
+            <a:spLocks noGrp="1"/>
+          </p:cNvSpPr>
           <p:nvPr>
-            <p:ph idx="2" type="pic"/>
+            <p:ph type="pic" idx="2"/>
           </p:nvPr>
         </p:nvSpPr>
         <p:spPr>
           <a:xfrm>
-            <a:off x="301625" y="334963"/>
-            <a:ext cx="4270375" cy="6240462"/>
+            <a:off x="479425" y="3429000"/>
+            <a:ext cx="5616575" cy="2952750"/>
+          </a:xfrm>
+          <a:prstGeom prst="rect">
+            <a:avLst/>
+          </a:prstGeom>
+          <a:solidFill>
+            <a:srgbClr val="D8D8D8"/>
+          </a:solidFill>
+          <a:ln>
+            <a:noFill/>
+          </a:ln>
+        </p:spPr>
+      </p:sp>
+      <p:sp>
+        <p:nvSpPr>
+          <p:cNvPr id="47" name="Google Shape;47;p15"/>
+          <p:cNvSpPr>
+            <a:spLocks noGrp="1"/>
+          </p:cNvSpPr>
+          <p:nvPr>
+            <p:ph type="pic" idx="3"/>
+          </p:nvPr>
+        </p:nvSpPr>
+        <p:spPr>
+          <a:xfrm>
+            <a:off x="6096000" y="512763"/>
+            <a:ext cx="5616575" cy="2916237"/>
           </a:xfrm>
           <a:prstGeom prst="rect">
             <a:avLst/>
@@ -3059,12 +3280,12 @@
 </p:sldLayout>
 </file>
 
-<file path=ppt/slideLayouts/slideLayout16.xml><?xml version="1.0" encoding="utf-8"?>
-<p:sldLayout xmlns:a="http://schemas.openxmlformats.org/drawingml/2006/main" xmlns:r="http://schemas.openxmlformats.org/officeDocument/2006/relationships" xmlns:mc="http://schemas.openxmlformats.org/markup-compatibility/2006" xmlns:mv="urn:schemas-microsoft-com:mac:vml" xmlns:p="http://schemas.openxmlformats.org/presentationml/2006/main" xmlns:c="http://schemas.openxmlformats.org/drawingml/2006/chart" xmlns:dgm="http://schemas.openxmlformats.org/drawingml/2006/diagram" xmlns:o="urn:schemas-microsoft-com:office:office" xmlns:v="urn:schemas-microsoft-com:vml" xmlns:pvml="urn:schemas-microsoft-com:office:powerpoint" xmlns:com="http://schemas.openxmlformats.org/drawingml/2006/compatibility" xmlns:p14="http://schemas.microsoft.com/office/powerpoint/2010/main" xmlns:p15="http://schemas.microsoft.com/office/powerpoint/2012/main" xmlns:ahyp="http://schemas.microsoft.com/office/drawing/2018/hyperlinkcolor" matchingName="17_Title Slide">
-  <p:cSld name="17_Title Slide">
+<file path=ppt/slideLayouts/slideLayout15.xml><?xml version="1.0" encoding="utf-8"?>
+<p:sldLayout xmlns:a="http://schemas.openxmlformats.org/drawingml/2006/main" xmlns:r="http://schemas.openxmlformats.org/officeDocument/2006/relationships" xmlns:p="http://schemas.openxmlformats.org/presentationml/2006/main" matchingName="16_Title Slide">
+  <p:cSld name="16_Title Slide">
     <p:spTree>
       <p:nvGrpSpPr>
-        <p:cNvPr id="50" name="Shape 50"/>
+        <p:cNvPr id="1" name="Shape 48"/>
         <p:cNvGrpSpPr/>
         <p:nvPr/>
       </p:nvGrpSpPr>
@@ -3078,64 +3299,18 @@
       </p:grpSpPr>
       <p:sp>
         <p:nvSpPr>
-          <p:cNvPr id="51" name="Google Shape;51;p17"/>
-          <p:cNvSpPr/>
+          <p:cNvPr id="49" name="Google Shape;49;p16"/>
+          <p:cNvSpPr>
+            <a:spLocks noGrp="1"/>
+          </p:cNvSpPr>
           <p:nvPr>
-            <p:ph idx="2" type="pic"/>
+            <p:ph type="pic" idx="2"/>
           </p:nvPr>
         </p:nvSpPr>
         <p:spPr>
           <a:xfrm>
-            <a:off x="479425" y="2070100"/>
-            <a:ext cx="3479800" cy="2457450"/>
-          </a:xfrm>
-          <a:prstGeom prst="rect">
-            <a:avLst/>
-          </a:prstGeom>
-          <a:solidFill>
-            <a:srgbClr val="D8D8D8"/>
-          </a:solidFill>
-          <a:ln>
-            <a:noFill/>
-          </a:ln>
-        </p:spPr>
-      </p:sp>
-      <p:sp>
-        <p:nvSpPr>
-          <p:cNvPr id="52" name="Google Shape;52;p17"/>
-          <p:cNvSpPr/>
-          <p:nvPr>
-            <p:ph idx="3" type="pic"/>
-          </p:nvPr>
-        </p:nvSpPr>
-        <p:spPr>
-          <a:xfrm>
-            <a:off x="4362450" y="2070100"/>
-            <a:ext cx="3489325" cy="2457450"/>
-          </a:xfrm>
-          <a:prstGeom prst="rect">
-            <a:avLst/>
-          </a:prstGeom>
-          <a:solidFill>
-            <a:srgbClr val="D8D8D8"/>
-          </a:solidFill>
-          <a:ln>
-            <a:noFill/>
-          </a:ln>
-        </p:spPr>
-      </p:sp>
-      <p:sp>
-        <p:nvSpPr>
-          <p:cNvPr id="53" name="Google Shape;53;p17"/>
-          <p:cNvSpPr/>
-          <p:nvPr>
-            <p:ph idx="4" type="pic"/>
-          </p:nvPr>
-        </p:nvSpPr>
-        <p:spPr>
-          <a:xfrm>
-            <a:off x="8223250" y="2070100"/>
-            <a:ext cx="3489325" cy="2457450"/>
+            <a:off x="301625" y="334963"/>
+            <a:ext cx="4270375" cy="6240462"/>
           </a:xfrm>
           <a:prstGeom prst="rect">
             <a:avLst/>
@@ -3156,12 +3331,12 @@
 </p:sldLayout>
 </file>
 
-<file path=ppt/slideLayouts/slideLayout17.xml><?xml version="1.0" encoding="utf-8"?>
-<p:sldLayout xmlns:a="http://schemas.openxmlformats.org/drawingml/2006/main" xmlns:r="http://schemas.openxmlformats.org/officeDocument/2006/relationships" xmlns:mc="http://schemas.openxmlformats.org/markup-compatibility/2006" xmlns:mv="urn:schemas-microsoft-com:mac:vml" xmlns:p="http://schemas.openxmlformats.org/presentationml/2006/main" xmlns:c="http://schemas.openxmlformats.org/drawingml/2006/chart" xmlns:dgm="http://schemas.openxmlformats.org/drawingml/2006/diagram" xmlns:o="urn:schemas-microsoft-com:office:office" xmlns:v="urn:schemas-microsoft-com:vml" xmlns:pvml="urn:schemas-microsoft-com:office:powerpoint" xmlns:com="http://schemas.openxmlformats.org/drawingml/2006/compatibility" xmlns:p14="http://schemas.microsoft.com/office/powerpoint/2010/main" xmlns:p15="http://schemas.microsoft.com/office/powerpoint/2012/main" xmlns:ahyp="http://schemas.microsoft.com/office/drawing/2018/hyperlinkcolor" matchingName="18_Title Slide">
-  <p:cSld name="18_Title Slide">
+<file path=ppt/slideLayouts/slideLayout16.xml><?xml version="1.0" encoding="utf-8"?>
+<p:sldLayout xmlns:a="http://schemas.openxmlformats.org/drawingml/2006/main" xmlns:r="http://schemas.openxmlformats.org/officeDocument/2006/relationships" xmlns:p="http://schemas.openxmlformats.org/presentationml/2006/main" matchingName="17_Title Slide">
+  <p:cSld name="17_Title Slide">
     <p:spTree>
       <p:nvGrpSpPr>
-        <p:cNvPr id="54" name="Shape 54"/>
+        <p:cNvPr id="1" name="Shape 50"/>
         <p:cNvGrpSpPr/>
         <p:nvPr/>
       </p:nvGrpSpPr>
@@ -3175,16 +3350,18 @@
       </p:grpSpPr>
       <p:sp>
         <p:nvSpPr>
-          <p:cNvPr id="55" name="Google Shape;55;p18"/>
-          <p:cNvSpPr/>
+          <p:cNvPr id="51" name="Google Shape;51;p17"/>
+          <p:cNvSpPr>
+            <a:spLocks noGrp="1"/>
+          </p:cNvSpPr>
           <p:nvPr>
-            <p:ph idx="2" type="pic"/>
+            <p:ph type="pic" idx="2"/>
           </p:nvPr>
         </p:nvSpPr>
         <p:spPr>
           <a:xfrm>
-            <a:off x="479425" y="806450"/>
-            <a:ext cx="2690813" cy="2573337"/>
+            <a:off x="479425" y="2070100"/>
+            <a:ext cx="3479800" cy="2457450"/>
           </a:xfrm>
           <a:prstGeom prst="rect">
             <a:avLst/>
@@ -3199,16 +3376,18 @@
       </p:sp>
       <p:sp>
         <p:nvSpPr>
-          <p:cNvPr id="56" name="Google Shape;56;p18"/>
-          <p:cNvSpPr/>
+          <p:cNvPr id="52" name="Google Shape;52;p17"/>
+          <p:cNvSpPr>
+            <a:spLocks noGrp="1"/>
+          </p:cNvSpPr>
           <p:nvPr>
-            <p:ph idx="3" type="pic"/>
+            <p:ph type="pic" idx="3"/>
           </p:nvPr>
         </p:nvSpPr>
         <p:spPr>
           <a:xfrm>
-            <a:off x="479425" y="3478212"/>
-            <a:ext cx="2690813" cy="2573337"/>
+            <a:off x="4362450" y="2070100"/>
+            <a:ext cx="3489325" cy="2457450"/>
           </a:xfrm>
           <a:prstGeom prst="rect">
             <a:avLst/>
@@ -3223,16 +3402,18 @@
       </p:sp>
       <p:sp>
         <p:nvSpPr>
-          <p:cNvPr id="57" name="Google Shape;57;p18"/>
-          <p:cNvSpPr/>
+          <p:cNvPr id="53" name="Google Shape;53;p17"/>
+          <p:cNvSpPr>
+            <a:spLocks noGrp="1"/>
+          </p:cNvSpPr>
           <p:nvPr>
-            <p:ph idx="4" type="pic"/>
+            <p:ph type="pic" idx="4"/>
           </p:nvPr>
         </p:nvSpPr>
         <p:spPr>
           <a:xfrm>
-            <a:off x="3249613" y="806450"/>
-            <a:ext cx="2987674" cy="5245099"/>
+            <a:off x="8223250" y="2070100"/>
+            <a:ext cx="3489325" cy="2457450"/>
           </a:xfrm>
           <a:prstGeom prst="rect">
             <a:avLst/>
@@ -3253,12 +3434,12 @@
 </p:sldLayout>
 </file>
 
-<file path=ppt/slideLayouts/slideLayout18.xml><?xml version="1.0" encoding="utf-8"?>
-<p:sldLayout xmlns:a="http://schemas.openxmlformats.org/drawingml/2006/main" xmlns:r="http://schemas.openxmlformats.org/officeDocument/2006/relationships" xmlns:mc="http://schemas.openxmlformats.org/markup-compatibility/2006" xmlns:mv="urn:schemas-microsoft-com:mac:vml" xmlns:p="http://schemas.openxmlformats.org/presentationml/2006/main" xmlns:c="http://schemas.openxmlformats.org/drawingml/2006/chart" xmlns:dgm="http://schemas.openxmlformats.org/drawingml/2006/diagram" xmlns:o="urn:schemas-microsoft-com:office:office" xmlns:v="urn:schemas-microsoft-com:vml" xmlns:pvml="urn:schemas-microsoft-com:office:powerpoint" xmlns:com="http://schemas.openxmlformats.org/drawingml/2006/compatibility" xmlns:p14="http://schemas.microsoft.com/office/powerpoint/2010/main" xmlns:p15="http://schemas.microsoft.com/office/powerpoint/2012/main" xmlns:ahyp="http://schemas.microsoft.com/office/drawing/2018/hyperlinkcolor" matchingName="19_Title Slide">
-  <p:cSld name="19_Title Slide">
+<file path=ppt/slideLayouts/slideLayout17.xml><?xml version="1.0" encoding="utf-8"?>
+<p:sldLayout xmlns:a="http://schemas.openxmlformats.org/drawingml/2006/main" xmlns:r="http://schemas.openxmlformats.org/officeDocument/2006/relationships" xmlns:p="http://schemas.openxmlformats.org/presentationml/2006/main" matchingName="18_Title Slide">
+  <p:cSld name="18_Title Slide">
     <p:spTree>
       <p:nvGrpSpPr>
-        <p:cNvPr id="58" name="Shape 58"/>
+        <p:cNvPr id="1" name="Shape 54"/>
         <p:cNvGrpSpPr/>
         <p:nvPr/>
       </p:nvGrpSpPr>
@@ -3272,16 +3453,70 @@
       </p:grpSpPr>
       <p:sp>
         <p:nvSpPr>
-          <p:cNvPr id="59" name="Google Shape;59;p19"/>
-          <p:cNvSpPr/>
+          <p:cNvPr id="55" name="Google Shape;55;p18"/>
+          <p:cNvSpPr>
+            <a:spLocks noGrp="1"/>
+          </p:cNvSpPr>
           <p:nvPr>
-            <p:ph idx="2" type="pic"/>
+            <p:ph type="pic" idx="2"/>
           </p:nvPr>
         </p:nvSpPr>
         <p:spPr>
           <a:xfrm>
-            <a:off x="6884988" y="0"/>
-            <a:ext cx="4283075" cy="6858000"/>
+            <a:off x="479425" y="806450"/>
+            <a:ext cx="2690813" cy="2573337"/>
+          </a:xfrm>
+          <a:prstGeom prst="rect">
+            <a:avLst/>
+          </a:prstGeom>
+          <a:solidFill>
+            <a:srgbClr val="D8D8D8"/>
+          </a:solidFill>
+          <a:ln>
+            <a:noFill/>
+          </a:ln>
+        </p:spPr>
+      </p:sp>
+      <p:sp>
+        <p:nvSpPr>
+          <p:cNvPr id="56" name="Google Shape;56;p18"/>
+          <p:cNvSpPr>
+            <a:spLocks noGrp="1"/>
+          </p:cNvSpPr>
+          <p:nvPr>
+            <p:ph type="pic" idx="3"/>
+          </p:nvPr>
+        </p:nvSpPr>
+        <p:spPr>
+          <a:xfrm>
+            <a:off x="479425" y="3478212"/>
+            <a:ext cx="2690813" cy="2573337"/>
+          </a:xfrm>
+          <a:prstGeom prst="rect">
+            <a:avLst/>
+          </a:prstGeom>
+          <a:solidFill>
+            <a:srgbClr val="D8D8D8"/>
+          </a:solidFill>
+          <a:ln>
+            <a:noFill/>
+          </a:ln>
+        </p:spPr>
+      </p:sp>
+      <p:sp>
+        <p:nvSpPr>
+          <p:cNvPr id="57" name="Google Shape;57;p18"/>
+          <p:cNvSpPr>
+            <a:spLocks noGrp="1"/>
+          </p:cNvSpPr>
+          <p:nvPr>
+            <p:ph type="pic" idx="4"/>
+          </p:nvPr>
+        </p:nvSpPr>
+        <p:spPr>
+          <a:xfrm>
+            <a:off x="3249613" y="806450"/>
+            <a:ext cx="2987674" cy="5245099"/>
           </a:xfrm>
           <a:prstGeom prst="rect">
             <a:avLst/>
@@ -3302,12 +3537,12 @@
 </p:sldLayout>
 </file>
 
-<file path=ppt/slideLayouts/slideLayout19.xml><?xml version="1.0" encoding="utf-8"?>
-<p:sldLayout xmlns:a="http://schemas.openxmlformats.org/drawingml/2006/main" xmlns:r="http://schemas.openxmlformats.org/officeDocument/2006/relationships" xmlns:mc="http://schemas.openxmlformats.org/markup-compatibility/2006" xmlns:mv="urn:schemas-microsoft-com:mac:vml" xmlns:p="http://schemas.openxmlformats.org/presentationml/2006/main" xmlns:c="http://schemas.openxmlformats.org/drawingml/2006/chart" xmlns:dgm="http://schemas.openxmlformats.org/drawingml/2006/diagram" xmlns:o="urn:schemas-microsoft-com:office:office" xmlns:v="urn:schemas-microsoft-com:vml" xmlns:pvml="urn:schemas-microsoft-com:office:powerpoint" xmlns:com="http://schemas.openxmlformats.org/drawingml/2006/compatibility" xmlns:p14="http://schemas.microsoft.com/office/powerpoint/2010/main" xmlns:p15="http://schemas.microsoft.com/office/powerpoint/2012/main" xmlns:ahyp="http://schemas.microsoft.com/office/drawing/2018/hyperlinkcolor" matchingName="11_Title Slide">
-  <p:cSld name="11_Title Slide">
+<file path=ppt/slideLayouts/slideLayout18.xml><?xml version="1.0" encoding="utf-8"?>
+<p:sldLayout xmlns:a="http://schemas.openxmlformats.org/drawingml/2006/main" xmlns:r="http://schemas.openxmlformats.org/officeDocument/2006/relationships" xmlns:p="http://schemas.openxmlformats.org/presentationml/2006/main" matchingName="19_Title Slide">
+  <p:cSld name="19_Title Slide">
     <p:spTree>
       <p:nvGrpSpPr>
-        <p:cNvPr id="60" name="Shape 60"/>
+        <p:cNvPr id="1" name="Shape 58"/>
         <p:cNvGrpSpPr/>
         <p:nvPr/>
       </p:nvGrpSpPr>
@@ -3321,40 +3556,18 @@
       </p:grpSpPr>
       <p:sp>
         <p:nvSpPr>
-          <p:cNvPr id="61" name="Google Shape;61;p20"/>
-          <p:cNvSpPr/>
+          <p:cNvPr id="59" name="Google Shape;59;p19"/>
+          <p:cNvSpPr>
+            <a:spLocks noGrp="1"/>
+          </p:cNvSpPr>
           <p:nvPr>
-            <p:ph idx="2" type="pic"/>
+            <p:ph type="pic" idx="2"/>
           </p:nvPr>
         </p:nvSpPr>
         <p:spPr>
           <a:xfrm>
-            <a:off x="477838" y="714375"/>
-            <a:ext cx="3260725" cy="4708525"/>
-          </a:xfrm>
-          <a:prstGeom prst="rect">
-            <a:avLst/>
-          </a:prstGeom>
-          <a:solidFill>
-            <a:srgbClr val="D8D8D8"/>
-          </a:solidFill>
-          <a:ln>
-            <a:noFill/>
-          </a:ln>
-        </p:spPr>
-      </p:sp>
-      <p:sp>
-        <p:nvSpPr>
-          <p:cNvPr id="62" name="Google Shape;62;p20"/>
-          <p:cNvSpPr/>
-          <p:nvPr>
-            <p:ph idx="3" type="pic"/>
-          </p:nvPr>
-        </p:nvSpPr>
-        <p:spPr>
-          <a:xfrm>
-            <a:off x="3922713" y="714375"/>
-            <a:ext cx="3260725" cy="4708525"/>
+            <a:off x="6884988" y="0"/>
+            <a:ext cx="4283075" cy="6858000"/>
           </a:xfrm>
           <a:prstGeom prst="rect">
             <a:avLst/>
@@ -3375,12 +3588,12 @@
 </p:sldLayout>
 </file>
 
-<file path=ppt/slideLayouts/slideLayout2.xml><?xml version="1.0" encoding="utf-8"?>
-<p:sldLayout xmlns:a="http://schemas.openxmlformats.org/drawingml/2006/main" xmlns:r="http://schemas.openxmlformats.org/officeDocument/2006/relationships" xmlns:mc="http://schemas.openxmlformats.org/markup-compatibility/2006" xmlns:mv="urn:schemas-microsoft-com:mac:vml" xmlns:p="http://schemas.openxmlformats.org/presentationml/2006/main" xmlns:c="http://schemas.openxmlformats.org/drawingml/2006/chart" xmlns:dgm="http://schemas.openxmlformats.org/drawingml/2006/diagram" xmlns:o="urn:schemas-microsoft-com:office:office" xmlns:v="urn:schemas-microsoft-com:vml" xmlns:pvml="urn:schemas-microsoft-com:office:powerpoint" xmlns:com="http://schemas.openxmlformats.org/drawingml/2006/compatibility" xmlns:p14="http://schemas.microsoft.com/office/powerpoint/2010/main" xmlns:p15="http://schemas.microsoft.com/office/powerpoint/2012/main" xmlns:ahyp="http://schemas.microsoft.com/office/drawing/2018/hyperlinkcolor" matchingName="Title Slide">
-  <p:cSld name="Title Slide">
+<file path=ppt/slideLayouts/slideLayout19.xml><?xml version="1.0" encoding="utf-8"?>
+<p:sldLayout xmlns:a="http://schemas.openxmlformats.org/drawingml/2006/main" xmlns:r="http://schemas.openxmlformats.org/officeDocument/2006/relationships" xmlns:p="http://schemas.openxmlformats.org/presentationml/2006/main" matchingName="11_Title Slide">
+  <p:cSld name="11_Title Slide">
     <p:spTree>
       <p:nvGrpSpPr>
-        <p:cNvPr id="12" name="Shape 12"/>
+        <p:cNvPr id="1" name="Shape 60"/>
         <p:cNvGrpSpPr/>
         <p:nvPr/>
       </p:nvGrpSpPr>
@@ -3394,16 +3607,44 @@
       </p:grpSpPr>
       <p:sp>
         <p:nvSpPr>
-          <p:cNvPr id="13" name="Google Shape;13;p3"/>
-          <p:cNvSpPr/>
+          <p:cNvPr id="61" name="Google Shape;61;p20"/>
+          <p:cNvSpPr>
+            <a:spLocks noGrp="1"/>
+          </p:cNvSpPr>
           <p:nvPr>
-            <p:ph idx="2" type="pic"/>
+            <p:ph type="pic" idx="2"/>
           </p:nvPr>
         </p:nvSpPr>
         <p:spPr>
           <a:xfrm>
-            <a:off x="0" y="0"/>
-            <a:ext cx="3790950" cy="6858000"/>
+            <a:off x="477838" y="714375"/>
+            <a:ext cx="3260725" cy="4708525"/>
+          </a:xfrm>
+          <a:prstGeom prst="rect">
+            <a:avLst/>
+          </a:prstGeom>
+          <a:solidFill>
+            <a:srgbClr val="D8D8D8"/>
+          </a:solidFill>
+          <a:ln>
+            <a:noFill/>
+          </a:ln>
+        </p:spPr>
+      </p:sp>
+      <p:sp>
+        <p:nvSpPr>
+          <p:cNvPr id="62" name="Google Shape;62;p20"/>
+          <p:cNvSpPr>
+            <a:spLocks noGrp="1"/>
+          </p:cNvSpPr>
+          <p:nvPr>
+            <p:ph type="pic" idx="3"/>
+          </p:nvPr>
+        </p:nvSpPr>
+        <p:spPr>
+          <a:xfrm>
+            <a:off x="3922713" y="714375"/>
+            <a:ext cx="3260725" cy="4708525"/>
           </a:xfrm>
           <a:prstGeom prst="rect">
             <a:avLst/>
@@ -3424,12 +3665,12 @@
 </p:sldLayout>
 </file>
 
-<file path=ppt/slideLayouts/slideLayout20.xml><?xml version="1.0" encoding="utf-8"?>
-<p:sldLayout xmlns:a="http://schemas.openxmlformats.org/drawingml/2006/main" xmlns:r="http://schemas.openxmlformats.org/officeDocument/2006/relationships" xmlns:mc="http://schemas.openxmlformats.org/markup-compatibility/2006" xmlns:mv="urn:schemas-microsoft-com:mac:vml" xmlns:p="http://schemas.openxmlformats.org/presentationml/2006/main" xmlns:c="http://schemas.openxmlformats.org/drawingml/2006/chart" xmlns:dgm="http://schemas.openxmlformats.org/drawingml/2006/diagram" xmlns:o="urn:schemas-microsoft-com:office:office" xmlns:v="urn:schemas-microsoft-com:vml" xmlns:pvml="urn:schemas-microsoft-com:office:powerpoint" xmlns:com="http://schemas.openxmlformats.org/drawingml/2006/compatibility" xmlns:p14="http://schemas.microsoft.com/office/powerpoint/2010/main" xmlns:p15="http://schemas.microsoft.com/office/powerpoint/2012/main" xmlns:ahyp="http://schemas.microsoft.com/office/drawing/2018/hyperlinkcolor" matchingName="12_Title Slide">
-  <p:cSld name="12_Title Slide">
+<file path=ppt/slideLayouts/slideLayout2.xml><?xml version="1.0" encoding="utf-8"?>
+<p:sldLayout xmlns:a="http://schemas.openxmlformats.org/drawingml/2006/main" xmlns:r="http://schemas.openxmlformats.org/officeDocument/2006/relationships" xmlns:p="http://schemas.openxmlformats.org/presentationml/2006/main" matchingName="Title Slide">
+  <p:cSld name="Title Slide">
     <p:spTree>
       <p:nvGrpSpPr>
-        <p:cNvPr id="63" name="Shape 63"/>
+        <p:cNvPr id="1" name="Shape 12"/>
         <p:cNvGrpSpPr/>
         <p:nvPr/>
       </p:nvGrpSpPr>
@@ -3443,10 +3684,63 @@
       </p:grpSpPr>
       <p:sp>
         <p:nvSpPr>
+          <p:cNvPr id="13" name="Google Shape;13;p3"/>
+          <p:cNvSpPr>
+            <a:spLocks noGrp="1"/>
+          </p:cNvSpPr>
+          <p:nvPr>
+            <p:ph type="pic" idx="2"/>
+          </p:nvPr>
+        </p:nvSpPr>
+        <p:spPr>
+          <a:xfrm>
+            <a:off x="0" y="0"/>
+            <a:ext cx="3790950" cy="6858000"/>
+          </a:xfrm>
+          <a:prstGeom prst="rect">
+            <a:avLst/>
+          </a:prstGeom>
+          <a:solidFill>
+            <a:srgbClr val="D8D8D8"/>
+          </a:solidFill>
+          <a:ln>
+            <a:noFill/>
+          </a:ln>
+        </p:spPr>
+      </p:sp>
+    </p:spTree>
+  </p:cSld>
+  <p:clrMapOvr>
+    <a:masterClrMapping/>
+  </p:clrMapOvr>
+</p:sldLayout>
+</file>
+
+<file path=ppt/slideLayouts/slideLayout20.xml><?xml version="1.0" encoding="utf-8"?>
+<p:sldLayout xmlns:a="http://schemas.openxmlformats.org/drawingml/2006/main" xmlns:r="http://schemas.openxmlformats.org/officeDocument/2006/relationships" xmlns:p="http://schemas.openxmlformats.org/presentationml/2006/main" matchingName="12_Title Slide">
+  <p:cSld name="12_Title Slide">
+    <p:spTree>
+      <p:nvGrpSpPr>
+        <p:cNvPr id="1" name="Shape 63"/>
+        <p:cNvGrpSpPr/>
+        <p:nvPr/>
+      </p:nvGrpSpPr>
+      <p:grpSpPr>
+        <a:xfrm>
+          <a:off x="0" y="0"/>
+          <a:ext cx="0" cy="0"/>
+          <a:chOff x="0" y="0"/>
+          <a:chExt cx="0" cy="0"/>
+        </a:xfrm>
+      </p:grpSpPr>
+      <p:sp>
+        <p:nvSpPr>
           <p:cNvPr id="64" name="Google Shape;64;p21"/>
-          <p:cNvSpPr/>
+          <p:cNvSpPr>
+            <a:spLocks noGrp="1"/>
+          </p:cNvSpPr>
           <p:nvPr>
-            <p:ph idx="2" type="pic"/>
+            <p:ph type="pic" idx="2"/>
           </p:nvPr>
         </p:nvSpPr>
         <p:spPr>
@@ -3474,11 +3768,11 @@
 </file>
 
 <file path=ppt/slideLayouts/slideLayout21.xml><?xml version="1.0" encoding="utf-8"?>
-<p:sldLayout xmlns:a="http://schemas.openxmlformats.org/drawingml/2006/main" xmlns:r="http://schemas.openxmlformats.org/officeDocument/2006/relationships" xmlns:mc="http://schemas.openxmlformats.org/markup-compatibility/2006" xmlns:mv="urn:schemas-microsoft-com:mac:vml" xmlns:p="http://schemas.openxmlformats.org/presentationml/2006/main" xmlns:c="http://schemas.openxmlformats.org/drawingml/2006/chart" xmlns:dgm="http://schemas.openxmlformats.org/drawingml/2006/diagram" xmlns:o="urn:schemas-microsoft-com:office:office" xmlns:v="urn:schemas-microsoft-com:vml" xmlns:pvml="urn:schemas-microsoft-com:office:powerpoint" xmlns:com="http://schemas.openxmlformats.org/drawingml/2006/compatibility" xmlns:p14="http://schemas.microsoft.com/office/powerpoint/2010/main" xmlns:p15="http://schemas.microsoft.com/office/powerpoint/2012/main" xmlns:ahyp="http://schemas.microsoft.com/office/drawing/2018/hyperlinkcolor" matchingName="13_Title Slide">
+<p:sldLayout xmlns:a="http://schemas.openxmlformats.org/drawingml/2006/main" xmlns:r="http://schemas.openxmlformats.org/officeDocument/2006/relationships" xmlns:p="http://schemas.openxmlformats.org/presentationml/2006/main" matchingName="13_Title Slide">
   <p:cSld name="13_Title Slide">
     <p:spTree>
       <p:nvGrpSpPr>
-        <p:cNvPr id="65" name="Shape 65"/>
+        <p:cNvPr id="1" name="Shape 65"/>
         <p:cNvGrpSpPr/>
         <p:nvPr/>
       </p:nvGrpSpPr>
@@ -3499,11 +3793,11 @@
 </file>
 
 <file path=ppt/slideLayouts/slideLayout22.xml><?xml version="1.0" encoding="utf-8"?>
-<p:sldLayout xmlns:a="http://schemas.openxmlformats.org/drawingml/2006/main" xmlns:r="http://schemas.openxmlformats.org/officeDocument/2006/relationships" xmlns:mc="http://schemas.openxmlformats.org/markup-compatibility/2006" xmlns:mv="urn:schemas-microsoft-com:mac:vml" xmlns:p="http://schemas.openxmlformats.org/presentationml/2006/main" xmlns:c="http://schemas.openxmlformats.org/drawingml/2006/chart" xmlns:dgm="http://schemas.openxmlformats.org/drawingml/2006/diagram" xmlns:o="urn:schemas-microsoft-com:office:office" xmlns:v="urn:schemas-microsoft-com:vml" xmlns:pvml="urn:schemas-microsoft-com:office:powerpoint" xmlns:com="http://schemas.openxmlformats.org/drawingml/2006/compatibility" xmlns:p14="http://schemas.microsoft.com/office/powerpoint/2010/main" xmlns:p15="http://schemas.microsoft.com/office/powerpoint/2012/main" xmlns:ahyp="http://schemas.microsoft.com/office/drawing/2018/hyperlinkcolor" matchingName="14_Title Slide">
+<p:sldLayout xmlns:a="http://schemas.openxmlformats.org/drawingml/2006/main" xmlns:r="http://schemas.openxmlformats.org/officeDocument/2006/relationships" xmlns:p="http://schemas.openxmlformats.org/presentationml/2006/main" matchingName="14_Title Slide">
   <p:cSld name="14_Title Slide">
     <p:spTree>
       <p:nvGrpSpPr>
-        <p:cNvPr id="66" name="Shape 66"/>
+        <p:cNvPr id="1" name="Shape 66"/>
         <p:cNvGrpSpPr/>
         <p:nvPr/>
       </p:nvGrpSpPr>
@@ -3518,9 +3812,11 @@
       <p:sp>
         <p:nvSpPr>
           <p:cNvPr id="67" name="Google Shape;67;p23"/>
-          <p:cNvSpPr/>
+          <p:cNvSpPr>
+            <a:spLocks noGrp="1"/>
+          </p:cNvSpPr>
           <p:nvPr>
-            <p:ph idx="2" type="pic"/>
+            <p:ph type="pic" idx="2"/>
           </p:nvPr>
         </p:nvSpPr>
         <p:spPr>
@@ -3548,11 +3844,11 @@
 </file>
 
 <file path=ppt/slideLayouts/slideLayout23.xml><?xml version="1.0" encoding="utf-8"?>
-<p:sldLayout xmlns:a="http://schemas.openxmlformats.org/drawingml/2006/main" xmlns:r="http://schemas.openxmlformats.org/officeDocument/2006/relationships" xmlns:mc="http://schemas.openxmlformats.org/markup-compatibility/2006" xmlns:mv="urn:schemas-microsoft-com:mac:vml" xmlns:p="http://schemas.openxmlformats.org/presentationml/2006/main" xmlns:c="http://schemas.openxmlformats.org/drawingml/2006/chart" xmlns:dgm="http://schemas.openxmlformats.org/drawingml/2006/diagram" xmlns:o="urn:schemas-microsoft-com:office:office" xmlns:v="urn:schemas-microsoft-com:vml" xmlns:pvml="urn:schemas-microsoft-com:office:powerpoint" xmlns:com="http://schemas.openxmlformats.org/drawingml/2006/compatibility" xmlns:p14="http://schemas.microsoft.com/office/powerpoint/2010/main" xmlns:p15="http://schemas.microsoft.com/office/powerpoint/2012/main" xmlns:ahyp="http://schemas.microsoft.com/office/drawing/2018/hyperlinkcolor" matchingName="6_Title Slide">
+<p:sldLayout xmlns:a="http://schemas.openxmlformats.org/drawingml/2006/main" xmlns:r="http://schemas.openxmlformats.org/officeDocument/2006/relationships" xmlns:p="http://schemas.openxmlformats.org/presentationml/2006/main" matchingName="6_Title Slide">
   <p:cSld name="6_Title Slide">
     <p:spTree>
       <p:nvGrpSpPr>
-        <p:cNvPr id="68" name="Shape 68"/>
+        <p:cNvPr id="1" name="Shape 68"/>
         <p:cNvGrpSpPr/>
         <p:nvPr/>
       </p:nvGrpSpPr>
@@ -3567,9 +3863,11 @@
       <p:sp>
         <p:nvSpPr>
           <p:cNvPr id="69" name="Google Shape;69;p24"/>
-          <p:cNvSpPr/>
+          <p:cNvSpPr>
+            <a:spLocks noGrp="1"/>
+          </p:cNvSpPr>
           <p:nvPr>
-            <p:ph idx="2" type="pic"/>
+            <p:ph type="pic" idx="2"/>
           </p:nvPr>
         </p:nvSpPr>
         <p:spPr>
@@ -3579,7 +3877,7 @@
           </a:xfrm>
           <a:prstGeom prst="roundRect">
             <a:avLst>
-              <a:gd fmla="val 12194" name="adj"/>
+              <a:gd name="adj" fmla="val 12194"/>
             </a:avLst>
           </a:prstGeom>
           <a:solidFill>
@@ -3599,11 +3897,11 @@
 </file>
 
 <file path=ppt/slideLayouts/slideLayout24.xml><?xml version="1.0" encoding="utf-8"?>
-<p:sldLayout xmlns:a="http://schemas.openxmlformats.org/drawingml/2006/main" xmlns:r="http://schemas.openxmlformats.org/officeDocument/2006/relationships" xmlns:mc="http://schemas.openxmlformats.org/markup-compatibility/2006" xmlns:mv="urn:schemas-microsoft-com:mac:vml" xmlns:p="http://schemas.openxmlformats.org/presentationml/2006/main" xmlns:c="http://schemas.openxmlformats.org/drawingml/2006/chart" xmlns:dgm="http://schemas.openxmlformats.org/drawingml/2006/diagram" xmlns:o="urn:schemas-microsoft-com:office:office" xmlns:v="urn:schemas-microsoft-com:vml" xmlns:pvml="urn:schemas-microsoft-com:office:powerpoint" xmlns:com="http://schemas.openxmlformats.org/drawingml/2006/compatibility" xmlns:p14="http://schemas.microsoft.com/office/powerpoint/2010/main" xmlns:p15="http://schemas.microsoft.com/office/powerpoint/2012/main" xmlns:ahyp="http://schemas.microsoft.com/office/drawing/2018/hyperlinkcolor" matchingName="7_Title Slide">
+<p:sldLayout xmlns:a="http://schemas.openxmlformats.org/drawingml/2006/main" xmlns:r="http://schemas.openxmlformats.org/officeDocument/2006/relationships" xmlns:p="http://schemas.openxmlformats.org/presentationml/2006/main" matchingName="7_Title Slide">
   <p:cSld name="7_Title Slide">
     <p:spTree>
       <p:nvGrpSpPr>
-        <p:cNvPr id="70" name="Shape 70"/>
+        <p:cNvPr id="1" name="Shape 70"/>
         <p:cNvGrpSpPr/>
         <p:nvPr/>
       </p:nvGrpSpPr>
@@ -3618,9 +3916,11 @@
       <p:sp>
         <p:nvSpPr>
           <p:cNvPr id="71" name="Google Shape;71;p25"/>
-          <p:cNvSpPr/>
+          <p:cNvSpPr>
+            <a:spLocks noGrp="1"/>
+          </p:cNvSpPr>
           <p:nvPr>
-            <p:ph idx="2" type="pic"/>
+            <p:ph type="pic" idx="2"/>
           </p:nvPr>
         </p:nvSpPr>
         <p:spPr>
@@ -3648,11 +3948,11 @@
 </file>
 
 <file path=ppt/slideLayouts/slideLayout25.xml><?xml version="1.0" encoding="utf-8"?>
-<p:sldLayout xmlns:a="http://schemas.openxmlformats.org/drawingml/2006/main" xmlns:r="http://schemas.openxmlformats.org/officeDocument/2006/relationships" xmlns:mc="http://schemas.openxmlformats.org/markup-compatibility/2006" xmlns:mv="urn:schemas-microsoft-com:mac:vml" xmlns:p="http://schemas.openxmlformats.org/presentationml/2006/main" xmlns:c="http://schemas.openxmlformats.org/drawingml/2006/chart" xmlns:dgm="http://schemas.openxmlformats.org/drawingml/2006/diagram" xmlns:o="urn:schemas-microsoft-com:office:office" xmlns:v="urn:schemas-microsoft-com:vml" xmlns:pvml="urn:schemas-microsoft-com:office:powerpoint" xmlns:com="http://schemas.openxmlformats.org/drawingml/2006/compatibility" xmlns:p14="http://schemas.microsoft.com/office/powerpoint/2010/main" xmlns:p15="http://schemas.microsoft.com/office/powerpoint/2012/main" xmlns:ahyp="http://schemas.microsoft.com/office/drawing/2018/hyperlinkcolor" matchingName="8_Title Slide">
+<p:sldLayout xmlns:a="http://schemas.openxmlformats.org/drawingml/2006/main" xmlns:r="http://schemas.openxmlformats.org/officeDocument/2006/relationships" xmlns:p="http://schemas.openxmlformats.org/presentationml/2006/main" matchingName="8_Title Slide">
   <p:cSld name="8_Title Slide">
     <p:spTree>
       <p:nvGrpSpPr>
-        <p:cNvPr id="72" name="Shape 72"/>
+        <p:cNvPr id="1" name="Shape 72"/>
         <p:cNvGrpSpPr/>
         <p:nvPr/>
       </p:nvGrpSpPr>
@@ -3667,9 +3967,11 @@
       <p:sp>
         <p:nvSpPr>
           <p:cNvPr id="73" name="Google Shape;73;p26"/>
-          <p:cNvSpPr/>
+          <p:cNvSpPr>
+            <a:spLocks noGrp="1"/>
+          </p:cNvSpPr>
           <p:nvPr>
-            <p:ph idx="2" type="pic"/>
+            <p:ph type="pic" idx="2"/>
           </p:nvPr>
         </p:nvSpPr>
         <p:spPr>
@@ -3679,7 +3981,7 @@
           </a:xfrm>
           <a:prstGeom prst="roundRect">
             <a:avLst>
-              <a:gd fmla="val 12755" name="adj"/>
+              <a:gd name="adj" fmla="val 12755"/>
             </a:avLst>
           </a:prstGeom>
           <a:solidFill>
@@ -3699,11 +4001,11 @@
 </file>
 
 <file path=ppt/slideLayouts/slideLayout3.xml><?xml version="1.0" encoding="utf-8"?>
-<p:sldLayout xmlns:a="http://schemas.openxmlformats.org/drawingml/2006/main" xmlns:r="http://schemas.openxmlformats.org/officeDocument/2006/relationships" xmlns:mc="http://schemas.openxmlformats.org/markup-compatibility/2006" xmlns:mv="urn:schemas-microsoft-com:mac:vml" xmlns:p="http://schemas.openxmlformats.org/presentationml/2006/main" xmlns:c="http://schemas.openxmlformats.org/drawingml/2006/chart" xmlns:dgm="http://schemas.openxmlformats.org/drawingml/2006/diagram" xmlns:o="urn:schemas-microsoft-com:office:office" xmlns:v="urn:schemas-microsoft-com:vml" xmlns:pvml="urn:schemas-microsoft-com:office:powerpoint" xmlns:com="http://schemas.openxmlformats.org/drawingml/2006/compatibility" xmlns:p14="http://schemas.microsoft.com/office/powerpoint/2010/main" xmlns:p15="http://schemas.microsoft.com/office/powerpoint/2012/main" xmlns:ahyp="http://schemas.microsoft.com/office/drawing/2018/hyperlinkcolor" matchingName="1_Title Slide">
+<p:sldLayout xmlns:a="http://schemas.openxmlformats.org/drawingml/2006/main" xmlns:r="http://schemas.openxmlformats.org/officeDocument/2006/relationships" xmlns:p="http://schemas.openxmlformats.org/presentationml/2006/main" matchingName="1_Title Slide">
   <p:cSld name="1_Title Slide">
     <p:spTree>
       <p:nvGrpSpPr>
-        <p:cNvPr id="14" name="Shape 14"/>
+        <p:cNvPr id="1" name="Shape 14"/>
         <p:cNvGrpSpPr/>
         <p:nvPr/>
       </p:nvGrpSpPr>
@@ -3718,9 +4020,11 @@
       <p:sp>
         <p:nvSpPr>
           <p:cNvPr id="15" name="Google Shape;15;p4"/>
-          <p:cNvSpPr/>
+          <p:cNvSpPr>
+            <a:spLocks noGrp="1"/>
+          </p:cNvSpPr>
           <p:nvPr>
-            <p:ph idx="2" type="pic"/>
+            <p:ph type="pic" idx="2"/>
           </p:nvPr>
         </p:nvSpPr>
         <p:spPr>
@@ -3742,9 +4046,11 @@
       <p:sp>
         <p:nvSpPr>
           <p:cNvPr id="16" name="Google Shape;16;p4"/>
-          <p:cNvSpPr/>
+          <p:cNvSpPr>
+            <a:spLocks noGrp="1"/>
+          </p:cNvSpPr>
           <p:nvPr>
-            <p:ph idx="3" type="pic"/>
+            <p:ph type="pic" idx="3"/>
           </p:nvPr>
         </p:nvSpPr>
         <p:spPr>
@@ -3772,11 +4078,11 @@
 </file>
 
 <file path=ppt/slideLayouts/slideLayout4.xml><?xml version="1.0" encoding="utf-8"?>
-<p:sldLayout xmlns:a="http://schemas.openxmlformats.org/drawingml/2006/main" xmlns:r="http://schemas.openxmlformats.org/officeDocument/2006/relationships" xmlns:mc="http://schemas.openxmlformats.org/markup-compatibility/2006" xmlns:mv="urn:schemas-microsoft-com:mac:vml" xmlns:p="http://schemas.openxmlformats.org/presentationml/2006/main" xmlns:c="http://schemas.openxmlformats.org/drawingml/2006/chart" xmlns:dgm="http://schemas.openxmlformats.org/drawingml/2006/diagram" xmlns:o="urn:schemas-microsoft-com:office:office" xmlns:v="urn:schemas-microsoft-com:vml" xmlns:pvml="urn:schemas-microsoft-com:office:powerpoint" xmlns:com="http://schemas.openxmlformats.org/drawingml/2006/compatibility" xmlns:p14="http://schemas.microsoft.com/office/powerpoint/2010/main" xmlns:p15="http://schemas.microsoft.com/office/powerpoint/2012/main" xmlns:ahyp="http://schemas.microsoft.com/office/drawing/2018/hyperlinkcolor" matchingName="2_Title Slide">
+<p:sldLayout xmlns:a="http://schemas.openxmlformats.org/drawingml/2006/main" xmlns:r="http://schemas.openxmlformats.org/officeDocument/2006/relationships" xmlns:p="http://schemas.openxmlformats.org/presentationml/2006/main" matchingName="2_Title Slide">
   <p:cSld name="2_Title Slide">
     <p:spTree>
       <p:nvGrpSpPr>
-        <p:cNvPr id="17" name="Shape 17"/>
+        <p:cNvPr id="1" name="Shape 17"/>
         <p:cNvGrpSpPr/>
         <p:nvPr/>
       </p:nvGrpSpPr>
@@ -3791,9 +4097,11 @@
       <p:sp>
         <p:nvSpPr>
           <p:cNvPr id="18" name="Google Shape;18;p5"/>
-          <p:cNvSpPr/>
+          <p:cNvSpPr>
+            <a:spLocks noGrp="1"/>
+          </p:cNvSpPr>
           <p:nvPr>
-            <p:ph idx="2" type="pic"/>
+            <p:ph type="pic" idx="2"/>
           </p:nvPr>
         </p:nvSpPr>
         <p:spPr>
@@ -3821,11 +4129,11 @@
 </file>
 
 <file path=ppt/slideLayouts/slideLayout5.xml><?xml version="1.0" encoding="utf-8"?>
-<p:sldLayout xmlns:a="http://schemas.openxmlformats.org/drawingml/2006/main" xmlns:r="http://schemas.openxmlformats.org/officeDocument/2006/relationships" xmlns:mc="http://schemas.openxmlformats.org/markup-compatibility/2006" xmlns:mv="urn:schemas-microsoft-com:mac:vml" xmlns:p="http://schemas.openxmlformats.org/presentationml/2006/main" xmlns:c="http://schemas.openxmlformats.org/drawingml/2006/chart" xmlns:dgm="http://schemas.openxmlformats.org/drawingml/2006/diagram" xmlns:o="urn:schemas-microsoft-com:office:office" xmlns:v="urn:schemas-microsoft-com:vml" xmlns:pvml="urn:schemas-microsoft-com:office:powerpoint" xmlns:com="http://schemas.openxmlformats.org/drawingml/2006/compatibility" xmlns:p14="http://schemas.microsoft.com/office/powerpoint/2010/main" xmlns:p15="http://schemas.microsoft.com/office/powerpoint/2012/main" xmlns:ahyp="http://schemas.microsoft.com/office/drawing/2018/hyperlinkcolor" matchingName="3_Title Slide">
+<p:sldLayout xmlns:a="http://schemas.openxmlformats.org/drawingml/2006/main" xmlns:r="http://schemas.openxmlformats.org/officeDocument/2006/relationships" xmlns:p="http://schemas.openxmlformats.org/presentationml/2006/main" matchingName="3_Title Slide">
   <p:cSld name="3_Title Slide">
     <p:spTree>
       <p:nvGrpSpPr>
-        <p:cNvPr id="19" name="Shape 19"/>
+        <p:cNvPr id="1" name="Shape 19"/>
         <p:cNvGrpSpPr/>
         <p:nvPr/>
       </p:nvGrpSpPr>
@@ -3840,9 +4148,11 @@
       <p:sp>
         <p:nvSpPr>
           <p:cNvPr id="20" name="Google Shape;20;p6"/>
-          <p:cNvSpPr/>
+          <p:cNvSpPr>
+            <a:spLocks noGrp="1"/>
+          </p:cNvSpPr>
           <p:nvPr>
-            <p:ph idx="2" type="pic"/>
+            <p:ph type="pic" idx="2"/>
           </p:nvPr>
         </p:nvSpPr>
         <p:spPr>
@@ -3870,11 +4180,11 @@
 </file>
 
 <file path=ppt/slideLayouts/slideLayout6.xml><?xml version="1.0" encoding="utf-8"?>
-<p:sldLayout xmlns:a="http://schemas.openxmlformats.org/drawingml/2006/main" xmlns:r="http://schemas.openxmlformats.org/officeDocument/2006/relationships" xmlns:mc="http://schemas.openxmlformats.org/markup-compatibility/2006" xmlns:mv="urn:schemas-microsoft-com:mac:vml" xmlns:p="http://schemas.openxmlformats.org/presentationml/2006/main" xmlns:c="http://schemas.openxmlformats.org/drawingml/2006/chart" xmlns:dgm="http://schemas.openxmlformats.org/drawingml/2006/diagram" xmlns:o="urn:schemas-microsoft-com:office:office" xmlns:v="urn:schemas-microsoft-com:vml" xmlns:pvml="urn:schemas-microsoft-com:office:powerpoint" xmlns:com="http://schemas.openxmlformats.org/drawingml/2006/compatibility" xmlns:p14="http://schemas.microsoft.com/office/powerpoint/2010/main" xmlns:p15="http://schemas.microsoft.com/office/powerpoint/2012/main" xmlns:ahyp="http://schemas.microsoft.com/office/drawing/2018/hyperlinkcolor" matchingName="4_Title Slide">
+<p:sldLayout xmlns:a="http://schemas.openxmlformats.org/drawingml/2006/main" xmlns:r="http://schemas.openxmlformats.org/officeDocument/2006/relationships" xmlns:p="http://schemas.openxmlformats.org/presentationml/2006/main" matchingName="4_Title Slide">
   <p:cSld name="4_Title Slide">
     <p:spTree>
       <p:nvGrpSpPr>
-        <p:cNvPr id="21" name="Shape 21"/>
+        <p:cNvPr id="1" name="Shape 21"/>
         <p:cNvGrpSpPr/>
         <p:nvPr/>
       </p:nvGrpSpPr>
@@ -3889,9 +4199,11 @@
       <p:sp>
         <p:nvSpPr>
           <p:cNvPr id="22" name="Google Shape;22;p7"/>
-          <p:cNvSpPr/>
+          <p:cNvSpPr>
+            <a:spLocks noGrp="1"/>
+          </p:cNvSpPr>
           <p:nvPr>
-            <p:ph idx="2" type="pic"/>
+            <p:ph type="pic" idx="2"/>
           </p:nvPr>
         </p:nvSpPr>
         <p:spPr>
@@ -3919,11 +4231,11 @@
 </file>
 
 <file path=ppt/slideLayouts/slideLayout7.xml><?xml version="1.0" encoding="utf-8"?>
-<p:sldLayout xmlns:a="http://schemas.openxmlformats.org/drawingml/2006/main" xmlns:r="http://schemas.openxmlformats.org/officeDocument/2006/relationships" xmlns:mc="http://schemas.openxmlformats.org/markup-compatibility/2006" xmlns:mv="urn:schemas-microsoft-com:mac:vml" xmlns:p="http://schemas.openxmlformats.org/presentationml/2006/main" xmlns:c="http://schemas.openxmlformats.org/drawingml/2006/chart" xmlns:dgm="http://schemas.openxmlformats.org/drawingml/2006/diagram" xmlns:o="urn:schemas-microsoft-com:office:office" xmlns:v="urn:schemas-microsoft-com:vml" xmlns:pvml="urn:schemas-microsoft-com:office:powerpoint" xmlns:com="http://schemas.openxmlformats.org/drawingml/2006/compatibility" xmlns:p14="http://schemas.microsoft.com/office/powerpoint/2010/main" xmlns:p15="http://schemas.microsoft.com/office/powerpoint/2012/main" xmlns:ahyp="http://schemas.microsoft.com/office/drawing/2018/hyperlinkcolor" matchingName="5_Title Slide">
+<p:sldLayout xmlns:a="http://schemas.openxmlformats.org/drawingml/2006/main" xmlns:r="http://schemas.openxmlformats.org/officeDocument/2006/relationships" xmlns:p="http://schemas.openxmlformats.org/presentationml/2006/main" matchingName="5_Title Slide">
   <p:cSld name="5_Title Slide">
     <p:spTree>
       <p:nvGrpSpPr>
-        <p:cNvPr id="23" name="Shape 23"/>
+        <p:cNvPr id="1" name="Shape 23"/>
         <p:cNvGrpSpPr/>
         <p:nvPr/>
       </p:nvGrpSpPr>
@@ -3938,9 +4250,11 @@
       <p:sp>
         <p:nvSpPr>
           <p:cNvPr id="24" name="Google Shape;24;p8"/>
-          <p:cNvSpPr/>
+          <p:cNvSpPr>
+            <a:spLocks noGrp="1"/>
+          </p:cNvSpPr>
           <p:nvPr>
-            <p:ph idx="2" type="pic"/>
+            <p:ph type="pic" idx="2"/>
           </p:nvPr>
         </p:nvSpPr>
         <p:spPr>
@@ -3968,11 +4282,11 @@
 </file>
 
 <file path=ppt/slideLayouts/slideLayout8.xml><?xml version="1.0" encoding="utf-8"?>
-<p:sldLayout xmlns:a="http://schemas.openxmlformats.org/drawingml/2006/main" xmlns:r="http://schemas.openxmlformats.org/officeDocument/2006/relationships" xmlns:mc="http://schemas.openxmlformats.org/markup-compatibility/2006" xmlns:mv="urn:schemas-microsoft-com:mac:vml" xmlns:p="http://schemas.openxmlformats.org/presentationml/2006/main" xmlns:c="http://schemas.openxmlformats.org/drawingml/2006/chart" xmlns:dgm="http://schemas.openxmlformats.org/drawingml/2006/diagram" xmlns:o="urn:schemas-microsoft-com:office:office" xmlns:v="urn:schemas-microsoft-com:vml" xmlns:pvml="urn:schemas-microsoft-com:office:powerpoint" xmlns:com="http://schemas.openxmlformats.org/drawingml/2006/compatibility" xmlns:p14="http://schemas.microsoft.com/office/powerpoint/2010/main" xmlns:p15="http://schemas.microsoft.com/office/powerpoint/2012/main" xmlns:ahyp="http://schemas.microsoft.com/office/drawing/2018/hyperlinkcolor" matchingName="10_Title Slide">
+<p:sldLayout xmlns:a="http://schemas.openxmlformats.org/drawingml/2006/main" xmlns:r="http://schemas.openxmlformats.org/officeDocument/2006/relationships" xmlns:p="http://schemas.openxmlformats.org/presentationml/2006/main" matchingName="10_Title Slide">
   <p:cSld name="10_Title Slide">
     <p:spTree>
       <p:nvGrpSpPr>
-        <p:cNvPr id="25" name="Shape 25"/>
+        <p:cNvPr id="1" name="Shape 25"/>
         <p:cNvGrpSpPr/>
         <p:nvPr/>
       </p:nvGrpSpPr>
@@ -3987,9 +4301,11 @@
       <p:sp>
         <p:nvSpPr>
           <p:cNvPr id="26" name="Google Shape;26;p9"/>
-          <p:cNvSpPr/>
+          <p:cNvSpPr>
+            <a:spLocks noGrp="1"/>
+          </p:cNvSpPr>
           <p:nvPr>
-            <p:ph idx="2" type="pic"/>
+            <p:ph type="pic" idx="2"/>
           </p:nvPr>
         </p:nvSpPr>
         <p:spPr>
@@ -3999,7 +4315,7 @@
           </a:xfrm>
           <a:prstGeom prst="roundRect">
             <a:avLst>
-              <a:gd fmla="val 1536" name="adj"/>
+              <a:gd name="adj" fmla="val 1536"/>
             </a:avLst>
           </a:prstGeom>
           <a:solidFill>
@@ -4019,11 +4335,11 @@
 </file>
 
 <file path=ppt/slideLayouts/slideLayout9.xml><?xml version="1.0" encoding="utf-8"?>
-<p:sldLayout xmlns:a="http://schemas.openxmlformats.org/drawingml/2006/main" xmlns:r="http://schemas.openxmlformats.org/officeDocument/2006/relationships" xmlns:mc="http://schemas.openxmlformats.org/markup-compatibility/2006" xmlns:mv="urn:schemas-microsoft-com:mac:vml" xmlns:p="http://schemas.openxmlformats.org/presentationml/2006/main" xmlns:c="http://schemas.openxmlformats.org/drawingml/2006/chart" xmlns:dgm="http://schemas.openxmlformats.org/drawingml/2006/diagram" xmlns:o="urn:schemas-microsoft-com:office:office" xmlns:v="urn:schemas-microsoft-com:vml" xmlns:pvml="urn:schemas-microsoft-com:office:powerpoint" xmlns:com="http://schemas.openxmlformats.org/drawingml/2006/compatibility" xmlns:p14="http://schemas.microsoft.com/office/powerpoint/2010/main" xmlns:p15="http://schemas.microsoft.com/office/powerpoint/2012/main" xmlns:ahyp="http://schemas.microsoft.com/office/drawing/2018/hyperlinkcolor" matchingName="15_Title Slide">
+<p:sldLayout xmlns:a="http://schemas.openxmlformats.org/drawingml/2006/main" xmlns:r="http://schemas.openxmlformats.org/officeDocument/2006/relationships" xmlns:p="http://schemas.openxmlformats.org/presentationml/2006/main" matchingName="15_Title Slide">
   <p:cSld name="15_Title Slide">
     <p:spTree>
       <p:nvGrpSpPr>
-        <p:cNvPr id="27" name="Shape 27"/>
+        <p:cNvPr id="1" name="Shape 27"/>
         <p:cNvGrpSpPr/>
         <p:nvPr/>
       </p:nvGrpSpPr>
@@ -4038,9 +4354,11 @@
       <p:sp>
         <p:nvSpPr>
           <p:cNvPr id="28" name="Google Shape;28;p10"/>
-          <p:cNvSpPr/>
+          <p:cNvSpPr>
+            <a:spLocks noGrp="1"/>
+          </p:cNvSpPr>
           <p:nvPr>
-            <p:ph idx="2" type="pic"/>
+            <p:ph type="pic" idx="2"/>
           </p:nvPr>
         </p:nvSpPr>
         <p:spPr>
@@ -4068,18 +4386,19 @@
 </file>
 
 <file path=ppt/slideMasters/slideMaster1.xml><?xml version="1.0" encoding="utf-8"?>
-<p:sldMaster xmlns:a="http://schemas.openxmlformats.org/drawingml/2006/main" xmlns:r="http://schemas.openxmlformats.org/officeDocument/2006/relationships" xmlns:mc="http://schemas.openxmlformats.org/markup-compatibility/2006" xmlns:mv="urn:schemas-microsoft-com:mac:vml" xmlns:p="http://schemas.openxmlformats.org/presentationml/2006/main" xmlns:c="http://schemas.openxmlformats.org/drawingml/2006/chart" xmlns:dgm="http://schemas.openxmlformats.org/drawingml/2006/diagram" xmlns:o="urn:schemas-microsoft-com:office:office" xmlns:v="urn:schemas-microsoft-com:vml" xmlns:pvml="urn:schemas-microsoft-com:office:powerpoint" xmlns:com="http://schemas.openxmlformats.org/drawingml/2006/compatibility" xmlns:p14="http://schemas.microsoft.com/office/powerpoint/2010/main" xmlns:p15="http://schemas.microsoft.com/office/powerpoint/2012/main" xmlns:ahyp="http://schemas.microsoft.com/office/drawing/2018/hyperlinkcolor">
+<p:sldMaster xmlns:a="http://schemas.openxmlformats.org/drawingml/2006/main" xmlns:r="http://schemas.openxmlformats.org/officeDocument/2006/relationships" xmlns:p="http://schemas.openxmlformats.org/presentationml/2006/main">
   <p:cSld>
     <p:bg>
       <p:bgPr>
         <a:solidFill>
           <a:schemeClr val="lt1"/>
         </a:solidFill>
+        <a:effectLst/>
       </p:bgPr>
     </p:bg>
     <p:spTree>
       <p:nvGrpSpPr>
-        <p:cNvPr id="9" name="Shape 9"/>
+        <p:cNvPr id="1" name="Shape 9"/>
         <p:cNvGrpSpPr/>
         <p:nvPr/>
       </p:nvGrpSpPr>
@@ -4093,7 +4412,7 @@
       </p:grpSpPr>
     </p:spTree>
   </p:cSld>
-  <p:clrMap accent1="accent1" accent2="accent2" accent3="accent3" accent4="accent4" accent5="accent5" accent6="accent6" bg1="lt1" bg2="dk2" tx1="dk1" tx2="lt2" folHlink="folHlink" hlink="hlink"/>
+  <p:clrMap bg1="lt1" tx1="dk1" bg2="dk2" tx2="lt2" accent1="accent1" accent2="accent2" accent3="accent3" accent4="accent4" accent5="accent5" accent6="accent6" hlink="hlink" folHlink="folHlink"/>
   <p:sldLayoutIdLst>
     <p:sldLayoutId id="2147483648" r:id="rId1"/>
     <p:sldLayoutId id="2147483649" r:id="rId2"/>
@@ -4121,10 +4440,10 @@
     <p:sldLayoutId id="2147483671" r:id="rId24"/>
     <p:sldLayoutId id="2147483672" r:id="rId25"/>
   </p:sldLayoutIdLst>
-  <p:hf dt="0" ftr="0" hdr="0" sldNum="0"/>
+  <p:hf sldNum="0" hdr="0" ftr="0" dt="0"/>
   <p:txStyles>
     <p:titleStyle>
-      <a:defPPr lvl="0" marR="0" rtl="0" algn="l">
+      <a:defPPr marR="0" lvl="0" algn="l" rtl="0">
         <a:lnSpc>
           <a:spcPct val="100000"/>
         </a:lnSpc>
@@ -4135,7 +4454,7 @@
           <a:spcPts val="0"/>
         </a:spcAft>
       </a:defPPr>
-      <a:lvl1pPr lvl="0" marR="0" rtl="0" algn="l">
+      <a:lvl1pPr marR="0" lvl="0" algn="l" rtl="0">
         <a:lnSpc>
           <a:spcPct val="100000"/>
         </a:lnSpc>
@@ -4149,7 +4468,7 @@
           <a:srgbClr val="000000"/>
         </a:buClr>
         <a:buFont typeface="Arial"/>
-        <a:defRPr b="0" i="0" sz="1400" u="none" cap="none" strike="noStrike">
+        <a:defRPr sz="1400" b="0" i="0" u="none" strike="noStrike" cap="none">
           <a:solidFill>
             <a:srgbClr val="000000"/>
           </a:solidFill>
@@ -4159,7 +4478,7 @@
           <a:sym typeface="Arial"/>
         </a:defRPr>
       </a:lvl1pPr>
-      <a:lvl2pPr lvl="1" marR="0" rtl="0" algn="l">
+      <a:lvl2pPr marR="0" lvl="1" algn="l" rtl="0">
         <a:lnSpc>
           <a:spcPct val="100000"/>
         </a:lnSpc>
@@ -4173,7 +4492,7 @@
           <a:srgbClr val="000000"/>
         </a:buClr>
         <a:buFont typeface="Arial"/>
-        <a:defRPr b="0" i="0" sz="1400" u="none" cap="none" strike="noStrike">
+        <a:defRPr sz="1400" b="0" i="0" u="none" strike="noStrike" cap="none">
           <a:solidFill>
             <a:srgbClr val="000000"/>
           </a:solidFill>
@@ -4183,7 +4502,7 @@
           <a:sym typeface="Arial"/>
         </a:defRPr>
       </a:lvl2pPr>
-      <a:lvl3pPr lvl="2" marR="0" rtl="0" algn="l">
+      <a:lvl3pPr marR="0" lvl="2" algn="l" rtl="0">
         <a:lnSpc>
           <a:spcPct val="100000"/>
         </a:lnSpc>
@@ -4197,7 +4516,7 @@
           <a:srgbClr val="000000"/>
         </a:buClr>
         <a:buFont typeface="Arial"/>
-        <a:defRPr b="0" i="0" sz="1400" u="none" cap="none" strike="noStrike">
+        <a:defRPr sz="1400" b="0" i="0" u="none" strike="noStrike" cap="none">
           <a:solidFill>
             <a:srgbClr val="000000"/>
           </a:solidFill>
@@ -4207,7 +4526,7 @@
           <a:sym typeface="Arial"/>
         </a:defRPr>
       </a:lvl3pPr>
-      <a:lvl4pPr lvl="3" marR="0" rtl="0" algn="l">
+      <a:lvl4pPr marR="0" lvl="3" algn="l" rtl="0">
         <a:lnSpc>
           <a:spcPct val="100000"/>
         </a:lnSpc>
@@ -4221,7 +4540,7 @@
           <a:srgbClr val="000000"/>
         </a:buClr>
         <a:buFont typeface="Arial"/>
-        <a:defRPr b="0" i="0" sz="1400" u="none" cap="none" strike="noStrike">
+        <a:defRPr sz="1400" b="0" i="0" u="none" strike="noStrike" cap="none">
           <a:solidFill>
             <a:srgbClr val="000000"/>
           </a:solidFill>
@@ -4231,7 +4550,7 @@
           <a:sym typeface="Arial"/>
         </a:defRPr>
       </a:lvl4pPr>
-      <a:lvl5pPr lvl="4" marR="0" rtl="0" algn="l">
+      <a:lvl5pPr marR="0" lvl="4" algn="l" rtl="0">
         <a:lnSpc>
           <a:spcPct val="100000"/>
         </a:lnSpc>
@@ -4245,7 +4564,7 @@
           <a:srgbClr val="000000"/>
         </a:buClr>
         <a:buFont typeface="Arial"/>
-        <a:defRPr b="0" i="0" sz="1400" u="none" cap="none" strike="noStrike">
+        <a:defRPr sz="1400" b="0" i="0" u="none" strike="noStrike" cap="none">
           <a:solidFill>
             <a:srgbClr val="000000"/>
           </a:solidFill>
@@ -4255,7 +4574,7 @@
           <a:sym typeface="Arial"/>
         </a:defRPr>
       </a:lvl5pPr>
-      <a:lvl6pPr lvl="5" marR="0" rtl="0" algn="l">
+      <a:lvl6pPr marR="0" lvl="5" algn="l" rtl="0">
         <a:lnSpc>
           <a:spcPct val="100000"/>
         </a:lnSpc>
@@ -4269,7 +4588,7 @@
           <a:srgbClr val="000000"/>
         </a:buClr>
         <a:buFont typeface="Arial"/>
-        <a:defRPr b="0" i="0" sz="1400" u="none" cap="none" strike="noStrike">
+        <a:defRPr sz="1400" b="0" i="0" u="none" strike="noStrike" cap="none">
           <a:solidFill>
             <a:srgbClr val="000000"/>
           </a:solidFill>
@@ -4279,7 +4598,7 @@
           <a:sym typeface="Arial"/>
         </a:defRPr>
       </a:lvl6pPr>
-      <a:lvl7pPr lvl="6" marR="0" rtl="0" algn="l">
+      <a:lvl7pPr marR="0" lvl="6" algn="l" rtl="0">
         <a:lnSpc>
           <a:spcPct val="100000"/>
         </a:lnSpc>
@@ -4293,7 +4612,7 @@
           <a:srgbClr val="000000"/>
         </a:buClr>
         <a:buFont typeface="Arial"/>
-        <a:defRPr b="0" i="0" sz="1400" u="none" cap="none" strike="noStrike">
+        <a:defRPr sz="1400" b="0" i="0" u="none" strike="noStrike" cap="none">
           <a:solidFill>
             <a:srgbClr val="000000"/>
           </a:solidFill>
@@ -4303,7 +4622,7 @@
           <a:sym typeface="Arial"/>
         </a:defRPr>
       </a:lvl7pPr>
-      <a:lvl8pPr lvl="7" marR="0" rtl="0" algn="l">
+      <a:lvl8pPr marR="0" lvl="7" algn="l" rtl="0">
         <a:lnSpc>
           <a:spcPct val="100000"/>
         </a:lnSpc>
@@ -4317,7 +4636,7 @@
           <a:srgbClr val="000000"/>
         </a:buClr>
         <a:buFont typeface="Arial"/>
-        <a:defRPr b="0" i="0" sz="1400" u="none" cap="none" strike="noStrike">
+        <a:defRPr sz="1400" b="0" i="0" u="none" strike="noStrike" cap="none">
           <a:solidFill>
             <a:srgbClr val="000000"/>
           </a:solidFill>
@@ -4327,7 +4646,7 @@
           <a:sym typeface="Arial"/>
         </a:defRPr>
       </a:lvl8pPr>
-      <a:lvl9pPr lvl="8" marR="0" rtl="0" algn="l">
+      <a:lvl9pPr marR="0" lvl="8" algn="l" rtl="0">
         <a:lnSpc>
           <a:spcPct val="100000"/>
         </a:lnSpc>
@@ -4341,7 +4660,7 @@
           <a:srgbClr val="000000"/>
         </a:buClr>
         <a:buFont typeface="Arial"/>
-        <a:defRPr b="0" i="0" sz="1400" u="none" cap="none" strike="noStrike">
+        <a:defRPr sz="1400" b="0" i="0" u="none" strike="noStrike" cap="none">
           <a:solidFill>
             <a:srgbClr val="000000"/>
           </a:solidFill>
@@ -4353,7 +4672,7 @@
       </a:lvl9pPr>
     </p:titleStyle>
     <p:bodyStyle>
-      <a:defPPr lvl="0" marR="0" rtl="0" algn="l">
+      <a:defPPr marR="0" lvl="0" algn="l" rtl="0">
         <a:lnSpc>
           <a:spcPct val="100000"/>
         </a:lnSpc>
@@ -4364,7 +4683,7 @@
           <a:spcPts val="0"/>
         </a:spcAft>
       </a:defPPr>
-      <a:lvl1pPr lvl="0" marR="0" rtl="0" algn="l">
+      <a:lvl1pPr marR="0" lvl="0" algn="l" rtl="0">
         <a:lnSpc>
           <a:spcPct val="100000"/>
         </a:lnSpc>
@@ -4378,7 +4697,7 @@
           <a:srgbClr val="000000"/>
         </a:buClr>
         <a:buFont typeface="Arial"/>
-        <a:defRPr b="0" i="0" sz="1400" u="none" cap="none" strike="noStrike">
+        <a:defRPr sz="1400" b="0" i="0" u="none" strike="noStrike" cap="none">
           <a:solidFill>
             <a:srgbClr val="000000"/>
           </a:solidFill>
@@ -4388,7 +4707,7 @@
           <a:sym typeface="Arial"/>
         </a:defRPr>
       </a:lvl1pPr>
-      <a:lvl2pPr lvl="1" marR="0" rtl="0" algn="l">
+      <a:lvl2pPr marR="0" lvl="1" algn="l" rtl="0">
         <a:lnSpc>
           <a:spcPct val="100000"/>
         </a:lnSpc>
@@ -4402,7 +4721,7 @@
           <a:srgbClr val="000000"/>
         </a:buClr>
         <a:buFont typeface="Arial"/>
-        <a:defRPr b="0" i="0" sz="1400" u="none" cap="none" strike="noStrike">
+        <a:defRPr sz="1400" b="0" i="0" u="none" strike="noStrike" cap="none">
           <a:solidFill>
             <a:srgbClr val="000000"/>
           </a:solidFill>
@@ -4412,7 +4731,7 @@
           <a:sym typeface="Arial"/>
         </a:defRPr>
       </a:lvl2pPr>
-      <a:lvl3pPr lvl="2" marR="0" rtl="0" algn="l">
+      <a:lvl3pPr marR="0" lvl="2" algn="l" rtl="0">
         <a:lnSpc>
           <a:spcPct val="100000"/>
         </a:lnSpc>
@@ -4426,7 +4745,7 @@
           <a:srgbClr val="000000"/>
         </a:buClr>
         <a:buFont typeface="Arial"/>
-        <a:defRPr b="0" i="0" sz="1400" u="none" cap="none" strike="noStrike">
+        <a:defRPr sz="1400" b="0" i="0" u="none" strike="noStrike" cap="none">
           <a:solidFill>
             <a:srgbClr val="000000"/>
           </a:solidFill>
@@ -4436,7 +4755,7 @@
           <a:sym typeface="Arial"/>
         </a:defRPr>
       </a:lvl3pPr>
-      <a:lvl4pPr lvl="3" marR="0" rtl="0" algn="l">
+      <a:lvl4pPr marR="0" lvl="3" algn="l" rtl="0">
         <a:lnSpc>
           <a:spcPct val="100000"/>
         </a:lnSpc>
@@ -4450,7 +4769,7 @@
           <a:srgbClr val="000000"/>
         </a:buClr>
         <a:buFont typeface="Arial"/>
-        <a:defRPr b="0" i="0" sz="1400" u="none" cap="none" strike="noStrike">
+        <a:defRPr sz="1400" b="0" i="0" u="none" strike="noStrike" cap="none">
           <a:solidFill>
             <a:srgbClr val="000000"/>
           </a:solidFill>
@@ -4460,7 +4779,7 @@
           <a:sym typeface="Arial"/>
         </a:defRPr>
       </a:lvl4pPr>
-      <a:lvl5pPr lvl="4" marR="0" rtl="0" algn="l">
+      <a:lvl5pPr marR="0" lvl="4" algn="l" rtl="0">
         <a:lnSpc>
           <a:spcPct val="100000"/>
         </a:lnSpc>
@@ -4474,7 +4793,7 @@
           <a:srgbClr val="000000"/>
         </a:buClr>
         <a:buFont typeface="Arial"/>
-        <a:defRPr b="0" i="0" sz="1400" u="none" cap="none" strike="noStrike">
+        <a:defRPr sz="1400" b="0" i="0" u="none" strike="noStrike" cap="none">
           <a:solidFill>
             <a:srgbClr val="000000"/>
           </a:solidFill>
@@ -4484,7 +4803,7 @@
           <a:sym typeface="Arial"/>
         </a:defRPr>
       </a:lvl5pPr>
-      <a:lvl6pPr lvl="5" marR="0" rtl="0" algn="l">
+      <a:lvl6pPr marR="0" lvl="5" algn="l" rtl="0">
         <a:lnSpc>
           <a:spcPct val="100000"/>
         </a:lnSpc>
@@ -4498,7 +4817,7 @@
           <a:srgbClr val="000000"/>
         </a:buClr>
         <a:buFont typeface="Arial"/>
-        <a:defRPr b="0" i="0" sz="1400" u="none" cap="none" strike="noStrike">
+        <a:defRPr sz="1400" b="0" i="0" u="none" strike="noStrike" cap="none">
           <a:solidFill>
             <a:srgbClr val="000000"/>
           </a:solidFill>
@@ -4508,7 +4827,7 @@
           <a:sym typeface="Arial"/>
         </a:defRPr>
       </a:lvl6pPr>
-      <a:lvl7pPr lvl="6" marR="0" rtl="0" algn="l">
+      <a:lvl7pPr marR="0" lvl="6" algn="l" rtl="0">
         <a:lnSpc>
           <a:spcPct val="100000"/>
         </a:lnSpc>
@@ -4522,7 +4841,7 @@
           <a:srgbClr val="000000"/>
         </a:buClr>
         <a:buFont typeface="Arial"/>
-        <a:defRPr b="0" i="0" sz="1400" u="none" cap="none" strike="noStrike">
+        <a:defRPr sz="1400" b="0" i="0" u="none" strike="noStrike" cap="none">
           <a:solidFill>
             <a:srgbClr val="000000"/>
           </a:solidFill>
@@ -4532,7 +4851,7 @@
           <a:sym typeface="Arial"/>
         </a:defRPr>
       </a:lvl7pPr>
-      <a:lvl8pPr lvl="7" marR="0" rtl="0" algn="l">
+      <a:lvl8pPr marR="0" lvl="7" algn="l" rtl="0">
         <a:lnSpc>
           <a:spcPct val="100000"/>
         </a:lnSpc>
@@ -4546,7 +4865,7 @@
           <a:srgbClr val="000000"/>
         </a:buClr>
         <a:buFont typeface="Arial"/>
-        <a:defRPr b="0" i="0" sz="1400" u="none" cap="none" strike="noStrike">
+        <a:defRPr sz="1400" b="0" i="0" u="none" strike="noStrike" cap="none">
           <a:solidFill>
             <a:srgbClr val="000000"/>
           </a:solidFill>
@@ -4556,7 +4875,7 @@
           <a:sym typeface="Arial"/>
         </a:defRPr>
       </a:lvl8pPr>
-      <a:lvl9pPr lvl="8" marR="0" rtl="0" algn="l">
+      <a:lvl9pPr marR="0" lvl="8" algn="l" rtl="0">
         <a:lnSpc>
           <a:spcPct val="100000"/>
         </a:lnSpc>
@@ -4570,7 +4889,7 @@
           <a:srgbClr val="000000"/>
         </a:buClr>
         <a:buFont typeface="Arial"/>
-        <a:defRPr b="0" i="0" sz="1400" u="none" cap="none" strike="noStrike">
+        <a:defRPr sz="1400" b="0" i="0" u="none" strike="noStrike" cap="none">
           <a:solidFill>
             <a:srgbClr val="000000"/>
           </a:solidFill>
@@ -4582,7 +4901,7 @@
       </a:lvl9pPr>
     </p:bodyStyle>
     <p:otherStyle>
-      <a:defPPr lvl="0" marR="0" rtl="0" algn="l">
+      <a:defPPr marR="0" lvl="0" algn="l" rtl="0">
         <a:lnSpc>
           <a:spcPct val="100000"/>
         </a:lnSpc>
@@ -4593,7 +4912,7 @@
           <a:spcPts val="0"/>
         </a:spcAft>
       </a:defPPr>
-      <a:lvl1pPr lvl="0" marR="0" rtl="0" algn="l">
+      <a:lvl1pPr marR="0" lvl="0" algn="l" rtl="0">
         <a:lnSpc>
           <a:spcPct val="100000"/>
         </a:lnSpc>
@@ -4607,7 +4926,7 @@
           <a:srgbClr val="000000"/>
         </a:buClr>
         <a:buFont typeface="Arial"/>
-        <a:defRPr b="0" i="0" sz="1400" u="none" cap="none" strike="noStrike">
+        <a:defRPr sz="1400" b="0" i="0" u="none" strike="noStrike" cap="none">
           <a:solidFill>
             <a:srgbClr val="000000"/>
           </a:solidFill>
@@ -4617,7 +4936,7 @@
           <a:sym typeface="Arial"/>
         </a:defRPr>
       </a:lvl1pPr>
-      <a:lvl2pPr lvl="1" marR="0" rtl="0" algn="l">
+      <a:lvl2pPr marR="0" lvl="1" algn="l" rtl="0">
         <a:lnSpc>
           <a:spcPct val="100000"/>
         </a:lnSpc>
@@ -4631,7 +4950,7 @@
           <a:srgbClr val="000000"/>
         </a:buClr>
         <a:buFont typeface="Arial"/>
-        <a:defRPr b="0" i="0" sz="1400" u="none" cap="none" strike="noStrike">
+        <a:defRPr sz="1400" b="0" i="0" u="none" strike="noStrike" cap="none">
           <a:solidFill>
             <a:srgbClr val="000000"/>
           </a:solidFill>
@@ -4641,7 +4960,7 @@
           <a:sym typeface="Arial"/>
         </a:defRPr>
       </a:lvl2pPr>
-      <a:lvl3pPr lvl="2" marR="0" rtl="0" algn="l">
+      <a:lvl3pPr marR="0" lvl="2" algn="l" rtl="0">
         <a:lnSpc>
           <a:spcPct val="100000"/>
         </a:lnSpc>
@@ -4655,7 +4974,7 @@
           <a:srgbClr val="000000"/>
         </a:buClr>
         <a:buFont typeface="Arial"/>
-        <a:defRPr b="0" i="0" sz="1400" u="none" cap="none" strike="noStrike">
+        <a:defRPr sz="1400" b="0" i="0" u="none" strike="noStrike" cap="none">
           <a:solidFill>
             <a:srgbClr val="000000"/>
           </a:solidFill>
@@ -4665,7 +4984,7 @@
           <a:sym typeface="Arial"/>
         </a:defRPr>
       </a:lvl3pPr>
-      <a:lvl4pPr lvl="3" marR="0" rtl="0" algn="l">
+      <a:lvl4pPr marR="0" lvl="3" algn="l" rtl="0">
         <a:lnSpc>
           <a:spcPct val="100000"/>
         </a:lnSpc>
@@ -4679,7 +4998,7 @@
           <a:srgbClr val="000000"/>
         </a:buClr>
         <a:buFont typeface="Arial"/>
-        <a:defRPr b="0" i="0" sz="1400" u="none" cap="none" strike="noStrike">
+        <a:defRPr sz="1400" b="0" i="0" u="none" strike="noStrike" cap="none">
           <a:solidFill>
             <a:srgbClr val="000000"/>
           </a:solidFill>
@@ -4689,7 +5008,7 @@
           <a:sym typeface="Arial"/>
         </a:defRPr>
       </a:lvl4pPr>
-      <a:lvl5pPr lvl="4" marR="0" rtl="0" algn="l">
+      <a:lvl5pPr marR="0" lvl="4" algn="l" rtl="0">
         <a:lnSpc>
           <a:spcPct val="100000"/>
         </a:lnSpc>
@@ -4703,7 +5022,7 @@
           <a:srgbClr val="000000"/>
         </a:buClr>
         <a:buFont typeface="Arial"/>
-        <a:defRPr b="0" i="0" sz="1400" u="none" cap="none" strike="noStrike">
+        <a:defRPr sz="1400" b="0" i="0" u="none" strike="noStrike" cap="none">
           <a:solidFill>
             <a:srgbClr val="000000"/>
           </a:solidFill>
@@ -4713,7 +5032,7 @@
           <a:sym typeface="Arial"/>
         </a:defRPr>
       </a:lvl5pPr>
-      <a:lvl6pPr lvl="5" marR="0" rtl="0" algn="l">
+      <a:lvl6pPr marR="0" lvl="5" algn="l" rtl="0">
         <a:lnSpc>
           <a:spcPct val="100000"/>
         </a:lnSpc>
@@ -4727,7 +5046,7 @@
           <a:srgbClr val="000000"/>
         </a:buClr>
         <a:buFont typeface="Arial"/>
-        <a:defRPr b="0" i="0" sz="1400" u="none" cap="none" strike="noStrike">
+        <a:defRPr sz="1400" b="0" i="0" u="none" strike="noStrike" cap="none">
           <a:solidFill>
             <a:srgbClr val="000000"/>
           </a:solidFill>
@@ -4737,7 +5056,7 @@
           <a:sym typeface="Arial"/>
         </a:defRPr>
       </a:lvl6pPr>
-      <a:lvl7pPr lvl="6" marR="0" rtl="0" algn="l">
+      <a:lvl7pPr marR="0" lvl="6" algn="l" rtl="0">
         <a:lnSpc>
           <a:spcPct val="100000"/>
         </a:lnSpc>
@@ -4751,7 +5070,7 @@
           <a:srgbClr val="000000"/>
         </a:buClr>
         <a:buFont typeface="Arial"/>
-        <a:defRPr b="0" i="0" sz="1400" u="none" cap="none" strike="noStrike">
+        <a:defRPr sz="1400" b="0" i="0" u="none" strike="noStrike" cap="none">
           <a:solidFill>
             <a:srgbClr val="000000"/>
           </a:solidFill>
@@ -4761,7 +5080,7 @@
           <a:sym typeface="Arial"/>
         </a:defRPr>
       </a:lvl7pPr>
-      <a:lvl8pPr lvl="7" marR="0" rtl="0" algn="l">
+      <a:lvl8pPr marR="0" lvl="7" algn="l" rtl="0">
         <a:lnSpc>
           <a:spcPct val="100000"/>
         </a:lnSpc>
@@ -4775,7 +5094,7 @@
           <a:srgbClr val="000000"/>
         </a:buClr>
         <a:buFont typeface="Arial"/>
-        <a:defRPr b="0" i="0" sz="1400" u="none" cap="none" strike="noStrike">
+        <a:defRPr sz="1400" b="0" i="0" u="none" strike="noStrike" cap="none">
           <a:solidFill>
             <a:srgbClr val="000000"/>
           </a:solidFill>
@@ -4785,7 +5104,7 @@
           <a:sym typeface="Arial"/>
         </a:defRPr>
       </a:lvl8pPr>
-      <a:lvl9pPr lvl="8" marR="0" rtl="0" algn="l">
+      <a:lvl9pPr marR="0" lvl="8" algn="l" rtl="0">
         <a:lnSpc>
           <a:spcPct val="100000"/>
         </a:lnSpc>
@@ -4799,7 +5118,7 @@
           <a:srgbClr val="000000"/>
         </a:buClr>
         <a:buFont typeface="Arial"/>
-        <a:defRPr b="0" i="0" sz="1400" u="none" cap="none" strike="noStrike">
+        <a:defRPr sz="1400" b="0" i="0" u="none" strike="noStrike" cap="none">
           <a:solidFill>
             <a:srgbClr val="000000"/>
           </a:solidFill>
@@ -4815,11 +5134,11 @@
 </file>
 
 <file path=ppt/slides/slide1.xml><?xml version="1.0" encoding="utf-8"?>
-<p:sld xmlns:a="http://schemas.openxmlformats.org/drawingml/2006/main" xmlns:r="http://schemas.openxmlformats.org/officeDocument/2006/relationships" xmlns:mc="http://schemas.openxmlformats.org/markup-compatibility/2006" xmlns:mv="urn:schemas-microsoft-com:mac:vml" xmlns:p="http://schemas.openxmlformats.org/presentationml/2006/main" xmlns:c="http://schemas.openxmlformats.org/drawingml/2006/chart" xmlns:dgm="http://schemas.openxmlformats.org/drawingml/2006/diagram" xmlns:o="urn:schemas-microsoft-com:office:office" xmlns:v="urn:schemas-microsoft-com:vml" xmlns:pvml="urn:schemas-microsoft-com:office:powerpoint" xmlns:com="http://schemas.openxmlformats.org/drawingml/2006/compatibility" xmlns:p14="http://schemas.microsoft.com/office/powerpoint/2010/main" xmlns:p15="http://schemas.microsoft.com/office/powerpoint/2012/main" xmlns:ahyp="http://schemas.microsoft.com/office/drawing/2018/hyperlinkcolor">
+<p:sld xmlns:a="http://schemas.openxmlformats.org/drawingml/2006/main" xmlns:r="http://schemas.openxmlformats.org/officeDocument/2006/relationships" xmlns:p="http://schemas.openxmlformats.org/presentationml/2006/main">
   <p:cSld>
     <p:spTree>
       <p:nvGrpSpPr>
-        <p:cNvPr id="77" name="Shape 77"/>
+        <p:cNvPr id="1" name="Shape 77"/>
         <p:cNvGrpSpPr/>
         <p:nvPr/>
       </p:nvGrpSpPr>
@@ -4853,12 +5172,12 @@
           </a:ln>
         </p:spPr>
         <p:txBody>
-          <a:bodyPr anchorCtr="0" anchor="ctr" bIns="45700" lIns="91425" spcFirstLastPara="1" rIns="91425" wrap="square" tIns="45700">
+          <a:bodyPr spcFirstLastPara="1" wrap="square" lIns="91425" tIns="45700" rIns="91425" bIns="45700" anchor="ctr" anchorCtr="0">
             <a:noAutofit/>
           </a:bodyPr>
           <a:lstStyle/>
           <a:p>
-            <a:pPr indent="0" lvl="0" marL="0" marR="0" rtl="0" algn="ctr">
+            <a:pPr marL="0" marR="0" lvl="0" indent="0" algn="ctr" rtl="0">
               <a:spcBef>
                 <a:spcPts val="0"/>
               </a:spcBef>
@@ -4867,10 +5186,7 @@
               </a:spcAft>
               <a:buNone/>
             </a:pPr>
-            <a:r>
-              <a:t/>
-            </a:r>
-            <a:endParaRPr b="0" i="0" sz="1800" u="none" cap="none" strike="noStrike">
+            <a:endParaRPr sz="1800" b="0" i="0" u="none" strike="noStrike" cap="none">
               <a:solidFill>
                 <a:schemeClr val="lt2"/>
               </a:solidFill>
@@ -4904,12 +5220,12 @@
           </a:ln>
         </p:spPr>
         <p:txBody>
-          <a:bodyPr anchorCtr="0" anchor="ctr" bIns="45700" lIns="91425" spcFirstLastPara="1" rIns="91425" wrap="square" tIns="45700">
+          <a:bodyPr spcFirstLastPara="1" wrap="square" lIns="91425" tIns="45700" rIns="91425" bIns="45700" anchor="ctr" anchorCtr="0">
             <a:noAutofit/>
           </a:bodyPr>
           <a:lstStyle/>
           <a:p>
-            <a:pPr indent="0" lvl="0" marL="0" marR="0" rtl="0" algn="ctr">
+            <a:pPr marL="0" marR="0" lvl="0" indent="0" algn="ctr" rtl="0">
               <a:spcBef>
                 <a:spcPts val="0"/>
               </a:spcBef>
@@ -4918,10 +5234,7 @@
               </a:spcAft>
               <a:buNone/>
             </a:pPr>
-            <a:r>
-              <a:t/>
-            </a:r>
-            <a:endParaRPr b="0" i="0" sz="1800" u="none" cap="none" strike="noStrike">
+            <a:endParaRPr sz="1800" b="0" i="0" u="none" strike="noStrike" cap="none">
               <a:solidFill>
                 <a:srgbClr val="AA208E"/>
               </a:solidFill>
@@ -4943,7 +5256,7 @@
           <a:blip r:embed="rId3">
             <a:alphaModFix amt="23000"/>
           </a:blip>
-          <a:srcRect b="16489" l="14594" r="18394" t="34983"/>
+          <a:srcRect l="14594" t="34983" r="18394" b="16489"/>
           <a:stretch/>
         </p:blipFill>
         <p:spPr>
@@ -4980,12 +5293,12 @@
           </a:ln>
         </p:spPr>
         <p:txBody>
-          <a:bodyPr anchorCtr="0" anchor="t" bIns="45700" lIns="91425" spcFirstLastPara="1" rIns="91425" wrap="square" tIns="45700">
+          <a:bodyPr spcFirstLastPara="1" wrap="square" lIns="91425" tIns="45700" rIns="91425" bIns="45700" anchor="t" anchorCtr="0">
             <a:noAutofit/>
           </a:bodyPr>
           <a:lstStyle/>
           <a:p>
-            <a:pPr indent="0" lvl="0" marL="0" marR="0" rtl="0" algn="l">
+            <a:pPr marL="0" marR="0" lvl="0" indent="0" algn="l" rtl="0">
               <a:spcBef>
                 <a:spcPts val="0"/>
               </a:spcBef>
@@ -4995,7 +5308,7 @@
               <a:buNone/>
             </a:pPr>
             <a:r>
-              <a:rPr b="1" lang="en-US" sz="1700">
+              <a:rPr lang="en-US" sz="1700" b="1">
                 <a:solidFill>
                   <a:schemeClr val="lt1"/>
                 </a:solidFill>
@@ -5019,7 +5332,7 @@
               <a:t>Mwenda Mugambi </a:t>
             </a:r>
             <a:r>
-              <a:rPr b="1" lang="en-US" sz="1700">
+              <a:rPr lang="en-US" sz="1700" b="1">
                 <a:solidFill>
                   <a:srgbClr val="FFDD00"/>
                 </a:solidFill>
@@ -5055,7 +5368,7 @@
               <a:t> </a:t>
             </a:r>
             <a:r>
-              <a:rPr b="1" lang="en-US" sz="1700">
+              <a:rPr lang="en-US" sz="1700" b="1">
                 <a:solidFill>
                   <a:srgbClr val="FFDD00"/>
                 </a:solidFill>
@@ -5091,7 +5404,7 @@
               <a:t>Yvonne Kamari</a:t>
             </a:r>
             <a:r>
-              <a:rPr b="1" lang="en-US" sz="1700">
+              <a:rPr lang="en-US" sz="1700" b="1">
                 <a:solidFill>
                   <a:schemeClr val="lt1"/>
                 </a:solidFill>
@@ -5103,7 +5416,7 @@
               <a:t> </a:t>
             </a:r>
             <a:r>
-              <a:rPr b="1" lang="en-US" sz="1700">
+              <a:rPr lang="en-US" sz="1700" b="1">
                 <a:solidFill>
                   <a:srgbClr val="FFDD00"/>
                 </a:solidFill>
@@ -5127,7 +5440,7 @@
               <a:t>Julliet Iswana </a:t>
             </a:r>
             <a:r>
-              <a:rPr b="1" lang="en-US" sz="1700">
+              <a:rPr lang="en-US" sz="1700" b="1">
                 <a:solidFill>
                   <a:srgbClr val="FFDD00"/>
                 </a:solidFill>
@@ -5151,7 +5464,7 @@
               <a:t>Sylvester Magunda </a:t>
             </a:r>
             <a:r>
-              <a:rPr b="1" lang="en-US" sz="1700">
+              <a:rPr lang="en-US" sz="1700" b="1">
                 <a:solidFill>
                   <a:srgbClr val="FFDD00"/>
                 </a:solidFill>
@@ -5206,12 +5519,12 @@
           </a:ln>
         </p:spPr>
         <p:txBody>
-          <a:bodyPr anchorCtr="0" anchor="t" bIns="45700" lIns="91425" spcFirstLastPara="1" rIns="91425" wrap="square" tIns="45700">
+          <a:bodyPr spcFirstLastPara="1" wrap="square" lIns="91425" tIns="45700" rIns="91425" bIns="45700" anchor="t" anchorCtr="0">
             <a:spAutoFit/>
           </a:bodyPr>
           <a:lstStyle/>
           <a:p>
-            <a:pPr indent="0" lvl="0" marL="0" rtl="0" algn="l">
+            <a:pPr marL="0" lvl="0" indent="0" algn="l" rtl="0">
               <a:lnSpc>
                 <a:spcPct val="70000"/>
               </a:lnSpc>
@@ -5247,7 +5560,7 @@
             </a:endParaRPr>
           </a:p>
           <a:p>
-            <a:pPr indent="0" lvl="0" marL="0" rtl="0" algn="l">
+            <a:pPr marL="0" lvl="0" indent="0" algn="l" rtl="0">
               <a:lnSpc>
                 <a:spcPct val="70000"/>
               </a:lnSpc>
@@ -5294,7 +5607,7 @@
           <a:blip r:embed="rId4">
             <a:alphaModFix/>
           </a:blip>
-          <a:srcRect b="17721" l="0" r="0" t="17721"/>
+          <a:srcRect t="17721" b="17721"/>
           <a:stretch/>
         </p:blipFill>
         <p:spPr>
@@ -5326,14 +5639,14 @@
             <a:avLst/>
           </a:prstGeom>
           <a:noFill/>
-          <a:ln cap="flat" cmpd="sng" w="19050">
+          <a:ln w="19050" cap="flat" cmpd="sng">
             <a:solidFill>
               <a:schemeClr val="lt1"/>
             </a:solidFill>
             <a:prstDash val="solid"/>
             <a:round/>
-            <a:headEnd len="med" w="med" type="none"/>
-            <a:tailEnd len="med" w="med" type="none"/>
+            <a:headEnd type="none" w="med" len="med"/>
+            <a:tailEnd type="none" w="med" len="med"/>
           </a:ln>
         </p:spPr>
       </p:cxnSp>
@@ -5347,7 +5660,7 @@
           <a:blip r:embed="rId5">
             <a:alphaModFix/>
           </a:blip>
-          <a:srcRect b="10580" l="-2466" r="11109" t="10580"/>
+          <a:srcRect l="-2466" t="10580" r="11109" b="10580"/>
           <a:stretch/>
         </p:blipFill>
         <p:spPr>
@@ -5363,7 +5676,7 @@
             <a:noFill/>
           </a:ln>
           <a:effectLst>
-            <a:outerShdw blurRad="514350" rotWithShape="0" algn="bl" dist="266700">
+            <a:outerShdw blurRad="514350" dist="266700" algn="bl" rotWithShape="0">
               <a:srgbClr val="000000">
                 <a:alpha val="21000"/>
               </a:srgbClr>
@@ -5380,11 +5693,11 @@
 </file>
 
 <file path=ppt/slides/slide10.xml><?xml version="1.0" encoding="utf-8"?>
-<p:sld xmlns:a="http://schemas.openxmlformats.org/drawingml/2006/main" xmlns:r="http://schemas.openxmlformats.org/officeDocument/2006/relationships" xmlns:mc="http://schemas.openxmlformats.org/markup-compatibility/2006" xmlns:mv="urn:schemas-microsoft-com:mac:vml" xmlns:p="http://schemas.openxmlformats.org/presentationml/2006/main" xmlns:c="http://schemas.openxmlformats.org/drawingml/2006/chart" xmlns:dgm="http://schemas.openxmlformats.org/drawingml/2006/diagram" xmlns:o="urn:schemas-microsoft-com:office:office" xmlns:v="urn:schemas-microsoft-com:vml" xmlns:pvml="urn:schemas-microsoft-com:office:powerpoint" xmlns:com="http://schemas.openxmlformats.org/drawingml/2006/compatibility" xmlns:p14="http://schemas.microsoft.com/office/powerpoint/2010/main" xmlns:p15="http://schemas.microsoft.com/office/powerpoint/2012/main" xmlns:ahyp="http://schemas.microsoft.com/office/drawing/2018/hyperlinkcolor">
+<p:sld xmlns:a="http://schemas.openxmlformats.org/drawingml/2006/main" xmlns:r="http://schemas.openxmlformats.org/officeDocument/2006/relationships" xmlns:p="http://schemas.openxmlformats.org/presentationml/2006/main">
   <p:cSld>
     <p:spTree>
       <p:nvGrpSpPr>
-        <p:cNvPr id="159" name="Shape 159"/>
+        <p:cNvPr id="1" name="Shape 150"/>
         <p:cNvGrpSpPr/>
         <p:nvPr/>
       </p:nvGrpSpPr>
@@ -5398,6 +5711,274 @@
       </p:grpSpPr>
       <p:sp>
         <p:nvSpPr>
+          <p:cNvPr id="151" name="Google Shape;151;p35"/>
+          <p:cNvSpPr/>
+          <p:nvPr/>
+        </p:nvSpPr>
+        <p:spPr>
+          <a:xfrm>
+            <a:off x="0" y="5425100"/>
+            <a:ext cx="12192000" cy="1432800"/>
+          </a:xfrm>
+          <a:prstGeom prst="roundRect">
+            <a:avLst>
+              <a:gd name="adj" fmla="val 1191"/>
+            </a:avLst>
+          </a:prstGeom>
+          <a:solidFill>
+            <a:srgbClr val="DF006E"/>
+          </a:solidFill>
+          <a:ln>
+            <a:noFill/>
+          </a:ln>
+        </p:spPr>
+        <p:txBody>
+          <a:bodyPr spcFirstLastPara="1" wrap="square" lIns="91425" tIns="45700" rIns="91425" bIns="45700" anchor="ctr" anchorCtr="0">
+            <a:noAutofit/>
+          </a:bodyPr>
+          <a:lstStyle/>
+          <a:p>
+            <a:pPr marL="0" marR="0" lvl="0" indent="0" algn="ctr" rtl="0">
+              <a:spcBef>
+                <a:spcPts val="0"/>
+              </a:spcBef>
+              <a:spcAft>
+                <a:spcPts val="0"/>
+              </a:spcAft>
+              <a:buNone/>
+            </a:pPr>
+            <a:endParaRPr sz="1800">
+              <a:solidFill>
+                <a:schemeClr val="lt1"/>
+              </a:solidFill>
+              <a:latin typeface="Calibri"/>
+              <a:ea typeface="Calibri"/>
+              <a:cs typeface="Calibri"/>
+              <a:sym typeface="Calibri"/>
+            </a:endParaRPr>
+          </a:p>
+        </p:txBody>
+      </p:sp>
+      <p:pic>
+        <p:nvPicPr>
+          <p:cNvPr id="152" name="Google Shape;152;p35"/>
+          <p:cNvPicPr preferRelativeResize="0">
+            <a:picLocks noGrp="1"/>
+          </p:cNvPicPr>
+          <p:nvPr>
+            <p:ph type="pic" idx="2"/>
+          </p:nvPr>
+        </p:nvPicPr>
+        <p:blipFill rotWithShape="1">
+          <a:blip r:embed="rId3">
+            <a:alphaModFix/>
+          </a:blip>
+          <a:srcRect l="26490" r="26490"/>
+          <a:stretch/>
+        </p:blipFill>
+        <p:spPr>
+          <a:xfrm>
+            <a:off x="8445500" y="1038225"/>
+            <a:ext cx="2366963" cy="5033963"/>
+          </a:xfrm>
+          <a:prstGeom prst="roundRect">
+            <a:avLst>
+              <a:gd name="adj" fmla="val 12755"/>
+            </a:avLst>
+          </a:prstGeom>
+          <a:solidFill>
+            <a:srgbClr val="D8D8D8"/>
+          </a:solidFill>
+          <a:ln>
+            <a:noFill/>
+          </a:ln>
+        </p:spPr>
+      </p:pic>
+      <p:pic>
+        <p:nvPicPr>
+          <p:cNvPr id="153" name="Google Shape;153;p35"/>
+          <p:cNvPicPr preferRelativeResize="0"/>
+          <p:nvPr/>
+        </p:nvPicPr>
+        <p:blipFill rotWithShape="1">
+          <a:blip r:embed="rId4">
+            <a:alphaModFix/>
+          </a:blip>
+          <a:srcRect/>
+          <a:stretch/>
+        </p:blipFill>
+        <p:spPr>
+          <a:xfrm>
+            <a:off x="8311755" y="937880"/>
+            <a:ext cx="2613691" cy="5271249"/>
+          </a:xfrm>
+          <a:prstGeom prst="rect">
+            <a:avLst/>
+          </a:prstGeom>
+          <a:noFill/>
+          <a:ln>
+            <a:noFill/>
+          </a:ln>
+        </p:spPr>
+      </p:pic>
+      <p:sp>
+        <p:nvSpPr>
+          <p:cNvPr id="154" name="Google Shape;154;p35"/>
+          <p:cNvSpPr txBox="1"/>
+          <p:nvPr/>
+        </p:nvSpPr>
+        <p:spPr>
+          <a:xfrm>
+            <a:off x="479425" y="441325"/>
+            <a:ext cx="6850800" cy="861900"/>
+          </a:xfrm>
+          <a:prstGeom prst="rect">
+            <a:avLst/>
+          </a:prstGeom>
+          <a:noFill/>
+          <a:ln>
+            <a:noFill/>
+          </a:ln>
+        </p:spPr>
+        <p:txBody>
+          <a:bodyPr spcFirstLastPara="1" wrap="square" lIns="91425" tIns="91425" rIns="91425" bIns="91425" anchor="t" anchorCtr="0">
+            <a:spAutoFit/>
+          </a:bodyPr>
+          <a:lstStyle/>
+          <a:p>
+            <a:pPr marL="0" lvl="0" indent="0" algn="l" rtl="0">
+              <a:spcBef>
+                <a:spcPts val="0"/>
+              </a:spcBef>
+              <a:spcAft>
+                <a:spcPts val="0"/>
+              </a:spcAft>
+              <a:buNone/>
+            </a:pPr>
+            <a:r>
+              <a:rPr lang="en-US" sz="4400" b="1">
+                <a:solidFill>
+                  <a:srgbClr val="DF006E"/>
+                </a:solidFill>
+                <a:latin typeface="Montserrat"/>
+                <a:ea typeface="Montserrat"/>
+                <a:cs typeface="Montserrat"/>
+                <a:sym typeface="Montserrat"/>
+              </a:rPr>
+              <a:t>Recommendations</a:t>
+            </a:r>
+            <a:endParaRPr sz="4400" b="1">
+              <a:solidFill>
+                <a:srgbClr val="DF006E"/>
+              </a:solidFill>
+              <a:latin typeface="Montserrat"/>
+              <a:ea typeface="Montserrat"/>
+              <a:cs typeface="Montserrat"/>
+              <a:sym typeface="Montserrat"/>
+            </a:endParaRPr>
+          </a:p>
+        </p:txBody>
+      </p:sp>
+      <p:sp>
+        <p:nvSpPr>
+          <p:cNvPr id="155" name="Google Shape;155;p35"/>
+          <p:cNvSpPr txBox="1"/>
+          <p:nvPr/>
+        </p:nvSpPr>
+        <p:spPr>
+          <a:xfrm>
+            <a:off x="496950" y="1573700"/>
+            <a:ext cx="6708900" cy="2194800"/>
+          </a:xfrm>
+          <a:prstGeom prst="rect">
+            <a:avLst/>
+          </a:prstGeom>
+          <a:noFill/>
+          <a:ln>
+            <a:noFill/>
+          </a:ln>
+        </p:spPr>
+        <p:txBody>
+          <a:bodyPr spcFirstLastPara="1" wrap="square" lIns="91425" tIns="91425" rIns="91425" bIns="91425" anchor="t" anchorCtr="0">
+            <a:noAutofit/>
+          </a:bodyPr>
+          <a:lstStyle/>
+          <a:p>
+            <a:pPr marL="0" lvl="0" indent="0" algn="l" rtl="0">
+              <a:lnSpc>
+                <a:spcPct val="115000"/>
+              </a:lnSpc>
+              <a:spcBef>
+                <a:spcPts val="0"/>
+              </a:spcBef>
+              <a:spcAft>
+                <a:spcPts val="0"/>
+              </a:spcAft>
+              <a:buNone/>
+            </a:pPr>
+            <a:r>
+              <a:rPr lang="en-US" sz="1700">
+                <a:solidFill>
+                  <a:schemeClr val="dk1"/>
+                </a:solidFill>
+                <a:latin typeface="Montserrat Medium"/>
+                <a:ea typeface="Montserrat Medium"/>
+                <a:cs typeface="Montserrat Medium"/>
+                <a:sym typeface="Montserrat Medium"/>
+              </a:rPr>
+              <a:t>Lorem ipsu conse lectus ornare, pellentesque. viverra ctetur adipiscing elitd Pellentesque sceler scelerisq dolor sit amet, conse malesuada lorem ipsum Dellentesque scelerisq malesuada apell entesque selerisqn Lorem ipsu conse lectus ornare, pellentesque. viverra ctetur adipiscing elitd Pellentesque sceler scelerisq dolor sit amet, conse malesuada lorem ipsum Dellentesque</a:t>
+            </a:r>
+            <a:endParaRPr sz="1700">
+              <a:solidFill>
+                <a:schemeClr val="dk1"/>
+              </a:solidFill>
+              <a:latin typeface="Montserrat Medium"/>
+              <a:ea typeface="Montserrat Medium"/>
+              <a:cs typeface="Montserrat Medium"/>
+              <a:sym typeface="Montserrat Medium"/>
+            </a:endParaRPr>
+          </a:p>
+          <a:p>
+            <a:pPr marL="0" lvl="0" indent="0" algn="l" rtl="0">
+              <a:spcBef>
+                <a:spcPts val="0"/>
+              </a:spcBef>
+              <a:spcAft>
+                <a:spcPts val="0"/>
+              </a:spcAft>
+              <a:buNone/>
+            </a:pPr>
+            <a:endParaRPr/>
+          </a:p>
+        </p:txBody>
+      </p:sp>
+    </p:spTree>
+  </p:cSld>
+  <p:clrMapOvr>
+    <a:masterClrMapping/>
+  </p:clrMapOvr>
+</p:sld>
+</file>
+
+<file path=ppt/slides/slide11.xml><?xml version="1.0" encoding="utf-8"?>
+<p:sld xmlns:a="http://schemas.openxmlformats.org/drawingml/2006/main" xmlns:r="http://schemas.openxmlformats.org/officeDocument/2006/relationships" xmlns:p="http://schemas.openxmlformats.org/presentationml/2006/main">
+  <p:cSld>
+    <p:spTree>
+      <p:nvGrpSpPr>
+        <p:cNvPr id="1" name="Shape 159"/>
+        <p:cNvGrpSpPr/>
+        <p:nvPr/>
+      </p:nvGrpSpPr>
+      <p:grpSpPr>
+        <a:xfrm>
+          <a:off x="0" y="0"/>
+          <a:ext cx="0" cy="0"/>
+          <a:chOff x="0" y="0"/>
+          <a:chExt cx="0" cy="0"/>
+        </a:xfrm>
+      </p:grpSpPr>
+      <p:sp>
+        <p:nvSpPr>
           <p:cNvPr id="160" name="Google Shape;160;p36"/>
           <p:cNvSpPr/>
           <p:nvPr/>
@@ -5413,23 +5994,23 @@
           <a:solidFill>
             <a:srgbClr val="AA208E"/>
           </a:solidFill>
-          <a:ln cap="flat" cmpd="sng" w="9525">
+          <a:ln w="9525" cap="flat" cmpd="sng">
             <a:solidFill>
               <a:schemeClr val="dk2"/>
             </a:solidFill>
             <a:prstDash val="solid"/>
             <a:round/>
-            <a:headEnd len="sm" w="sm" type="none"/>
-            <a:tailEnd len="sm" w="sm" type="none"/>
+            <a:headEnd type="none" w="sm" len="sm"/>
+            <a:tailEnd type="none" w="sm" len="sm"/>
           </a:ln>
         </p:spPr>
         <p:txBody>
-          <a:bodyPr anchorCtr="0" anchor="ctr" bIns="91425" lIns="91425" spcFirstLastPara="1" rIns="91425" wrap="square" tIns="91425">
+          <a:bodyPr spcFirstLastPara="1" wrap="square" lIns="91425" tIns="91425" rIns="91425" bIns="91425" anchor="ctr" anchorCtr="0">
             <a:noAutofit/>
           </a:bodyPr>
           <a:lstStyle/>
           <a:p>
-            <a:pPr indent="0" lvl="0" marL="0" rtl="0" algn="ctr">
+            <a:pPr marL="0" lvl="0" indent="0" algn="ctr" rtl="0">
               <a:spcBef>
                 <a:spcPts val="0"/>
               </a:spcBef>
@@ -5438,9 +6019,6 @@
               </a:spcAft>
               <a:buNone/>
             </a:pPr>
-            <a:r>
-              <a:t/>
-            </a:r>
             <a:endParaRPr/>
           </a:p>
         </p:txBody>
@@ -5455,7 +6033,7 @@
           <a:blip r:embed="rId3">
             <a:alphaModFix amt="40000"/>
           </a:blip>
-          <a:srcRect b="17076" l="8917" r="7589" t="34396"/>
+          <a:srcRect l="8917" t="34396" r="7589" b="17076"/>
           <a:stretch/>
         </p:blipFill>
         <p:spPr>
@@ -5492,12 +6070,12 @@
           </a:ln>
         </p:spPr>
         <p:txBody>
-          <a:bodyPr anchorCtr="0" anchor="t" bIns="45700" lIns="91425" spcFirstLastPara="1" rIns="91425" wrap="square" tIns="45700">
+          <a:bodyPr spcFirstLastPara="1" wrap="square" lIns="91425" tIns="45700" rIns="91425" bIns="45700" anchor="t" anchorCtr="0">
             <a:spAutoFit/>
           </a:bodyPr>
           <a:lstStyle/>
           <a:p>
-            <a:pPr indent="0" lvl="0" marL="0" marR="0" rtl="0" algn="ctr">
+            <a:pPr marL="0" marR="0" lvl="0" indent="0" algn="ctr" rtl="0">
               <a:spcBef>
                 <a:spcPts val="0"/>
               </a:spcBef>
@@ -5558,12 +6136,12 @@
           </a:ln>
         </p:spPr>
         <p:txBody>
-          <a:bodyPr anchorCtr="0" anchor="t" bIns="45700" lIns="91425" spcFirstLastPara="1" rIns="91425" wrap="square" tIns="45700">
+          <a:bodyPr spcFirstLastPara="1" wrap="square" lIns="91425" tIns="45700" rIns="91425" bIns="45700" anchor="t" anchorCtr="0">
             <a:noAutofit/>
           </a:bodyPr>
           <a:lstStyle/>
           <a:p>
-            <a:pPr indent="0" lvl="0" marL="0" marR="0" rtl="0" algn="l">
+            <a:pPr marL="0" marR="0" lvl="0" indent="0" algn="l" rtl="0">
               <a:spcBef>
                 <a:spcPts val="0"/>
               </a:spcBef>
@@ -5573,7 +6151,7 @@
               <a:buNone/>
             </a:pPr>
             <a:r>
-              <a:rPr b="1" lang="en-US" sz="1600">
+              <a:rPr lang="en-US" sz="1600" b="1">
                 <a:solidFill>
                   <a:schemeClr val="lt1"/>
                 </a:solidFill>
@@ -5597,7 +6175,7 @@
               <a:t>Mwenda Mugambi </a:t>
             </a:r>
             <a:r>
-              <a:rPr b="1" lang="en-US" sz="1600">
+              <a:rPr lang="en-US" sz="1600" b="1">
                 <a:solidFill>
                   <a:srgbClr val="FFDD00"/>
                 </a:solidFill>
@@ -5633,7 +6211,7 @@
               <a:t> </a:t>
             </a:r>
             <a:r>
-              <a:rPr b="1" lang="en-US" sz="1600">
+              <a:rPr lang="en-US" sz="1600" b="1">
                 <a:solidFill>
                   <a:srgbClr val="FFDD00"/>
                 </a:solidFill>
@@ -5669,7 +6247,7 @@
               <a:t>Yvonne Kamari</a:t>
             </a:r>
             <a:r>
-              <a:rPr b="1" lang="en-US" sz="1600">
+              <a:rPr lang="en-US" sz="1600" b="1">
                 <a:solidFill>
                   <a:schemeClr val="lt1"/>
                 </a:solidFill>
@@ -5681,7 +6259,7 @@
               <a:t> </a:t>
             </a:r>
             <a:r>
-              <a:rPr b="1" lang="en-US" sz="1600">
+              <a:rPr lang="en-US" sz="1600" b="1">
                 <a:solidFill>
                   <a:srgbClr val="FFDD00"/>
                 </a:solidFill>
@@ -5705,7 +6283,7 @@
               <a:t>Julliet Iswana </a:t>
             </a:r>
             <a:r>
-              <a:rPr b="1" lang="en-US" sz="1600">
+              <a:rPr lang="en-US" sz="1600" b="1">
                 <a:solidFill>
                   <a:srgbClr val="FFDD00"/>
                 </a:solidFill>
@@ -5729,7 +6307,7 @@
               <a:t>Sylvester Magunda </a:t>
             </a:r>
             <a:r>
-              <a:rPr b="1" lang="en-US" sz="1600">
+              <a:rPr lang="en-US" sz="1600" b="1">
                 <a:solidFill>
                   <a:srgbClr val="FFDD00"/>
                 </a:solidFill>
@@ -5779,14 +6357,14 @@
             <a:avLst/>
           </a:prstGeom>
           <a:noFill/>
-          <a:ln cap="flat" cmpd="sng" w="28575">
+          <a:ln w="28575" cap="flat" cmpd="sng">
             <a:solidFill>
               <a:schemeClr val="lt1"/>
             </a:solidFill>
             <a:prstDash val="solid"/>
             <a:round/>
-            <a:headEnd len="med" w="med" type="none"/>
-            <a:tailEnd len="med" w="med" type="none"/>
+            <a:headEnd type="none" w="med" len="med"/>
+            <a:tailEnd type="none" w="med" len="med"/>
           </a:ln>
         </p:spPr>
       </p:cxnSp>
@@ -5799,594 +6377,11 @@
 </file>
 
 <file path=ppt/slides/slide2.xml><?xml version="1.0" encoding="utf-8"?>
-<p:sld xmlns:a="http://schemas.openxmlformats.org/drawingml/2006/main" xmlns:r="http://schemas.openxmlformats.org/officeDocument/2006/relationships" xmlns:mc="http://schemas.openxmlformats.org/markup-compatibility/2006" xmlns:mv="urn:schemas-microsoft-com:mac:vml" xmlns:p="http://schemas.openxmlformats.org/presentationml/2006/main" xmlns:c="http://schemas.openxmlformats.org/drawingml/2006/chart" xmlns:dgm="http://schemas.openxmlformats.org/drawingml/2006/diagram" xmlns:o="urn:schemas-microsoft-com:office:office" xmlns:v="urn:schemas-microsoft-com:vml" xmlns:pvml="urn:schemas-microsoft-com:office:powerpoint" xmlns:com="http://schemas.openxmlformats.org/drawingml/2006/compatibility" xmlns:p14="http://schemas.microsoft.com/office/powerpoint/2010/main" xmlns:p15="http://schemas.microsoft.com/office/powerpoint/2012/main" xmlns:ahyp="http://schemas.microsoft.com/office/drawing/2018/hyperlinkcolor">
+<p:sld xmlns:a="http://schemas.openxmlformats.org/drawingml/2006/main" xmlns:r="http://schemas.openxmlformats.org/officeDocument/2006/relationships" xmlns:p="http://schemas.openxmlformats.org/presentationml/2006/main">
   <p:cSld>
     <p:spTree>
       <p:nvGrpSpPr>
-        <p:cNvPr id="89" name="Shape 89"/>
-        <p:cNvGrpSpPr/>
-        <p:nvPr/>
-      </p:nvGrpSpPr>
-      <p:grpSpPr>
-        <a:xfrm>
-          <a:off x="0" y="0"/>
-          <a:ext cx="0" cy="0"/>
-          <a:chOff x="0" y="0"/>
-          <a:chExt cx="0" cy="0"/>
-        </a:xfrm>
-      </p:grpSpPr>
-      <p:sp>
-        <p:nvSpPr>
-          <p:cNvPr id="90" name="Google Shape;90;p28"/>
-          <p:cNvSpPr txBox="1"/>
-          <p:nvPr/>
-        </p:nvSpPr>
-        <p:spPr>
-          <a:xfrm>
-            <a:off x="4555828" y="1170980"/>
-            <a:ext cx="6845100" cy="831000"/>
-          </a:xfrm>
-          <a:prstGeom prst="rect">
-            <a:avLst/>
-          </a:prstGeom>
-          <a:noFill/>
-          <a:ln>
-            <a:noFill/>
-          </a:ln>
-        </p:spPr>
-        <p:txBody>
-          <a:bodyPr anchorCtr="0" anchor="t" bIns="45700" lIns="91425" spcFirstLastPara="1" rIns="91425" wrap="square" tIns="45700">
-            <a:spAutoFit/>
-          </a:bodyPr>
-          <a:lstStyle/>
-          <a:p>
-            <a:pPr indent="0" lvl="0" marL="0" marR="0" rtl="0" algn="l">
-              <a:spcBef>
-                <a:spcPts val="0"/>
-              </a:spcBef>
-              <a:spcAft>
-                <a:spcPts val="0"/>
-              </a:spcAft>
-              <a:buNone/>
-            </a:pPr>
-            <a:r>
-              <a:rPr b="1" lang="en-US" sz="4800">
-                <a:solidFill>
-                  <a:srgbClr val="DF006E"/>
-                </a:solidFill>
-                <a:latin typeface="Montserrat"/>
-                <a:ea typeface="Montserrat"/>
-                <a:cs typeface="Montserrat"/>
-                <a:sym typeface="Montserrat"/>
-              </a:rPr>
-              <a:t>Lorem Ipsum</a:t>
-            </a:r>
-            <a:endParaRPr b="1">
-              <a:solidFill>
-                <a:srgbClr val="DF006E"/>
-              </a:solidFill>
-              <a:latin typeface="Montserrat"/>
-              <a:ea typeface="Montserrat"/>
-              <a:cs typeface="Montserrat"/>
-              <a:sym typeface="Montserrat"/>
-            </a:endParaRPr>
-          </a:p>
-        </p:txBody>
-      </p:sp>
-      <p:sp>
-        <p:nvSpPr>
-          <p:cNvPr id="91" name="Google Shape;91;p28"/>
-          <p:cNvSpPr txBox="1"/>
-          <p:nvPr/>
-        </p:nvSpPr>
-        <p:spPr>
-          <a:xfrm>
-            <a:off x="4816252" y="3956399"/>
-            <a:ext cx="1122300" cy="585000"/>
-          </a:xfrm>
-          <a:prstGeom prst="rect">
-            <a:avLst/>
-          </a:prstGeom>
-          <a:noFill/>
-          <a:ln>
-            <a:noFill/>
-          </a:ln>
-        </p:spPr>
-        <p:txBody>
-          <a:bodyPr anchorCtr="0" anchor="t" bIns="45700" lIns="91425" spcFirstLastPara="1" rIns="91425" wrap="square" tIns="45700">
-            <a:spAutoFit/>
-          </a:bodyPr>
-          <a:lstStyle/>
-          <a:p>
-            <a:pPr indent="0" lvl="0" marL="0" marR="0" rtl="0" algn="ctr">
-              <a:spcBef>
-                <a:spcPts val="0"/>
-              </a:spcBef>
-              <a:spcAft>
-                <a:spcPts val="0"/>
-              </a:spcAft>
-              <a:buNone/>
-            </a:pPr>
-            <a:r>
-              <a:rPr lang="en-US" sz="3200">
-                <a:solidFill>
-                  <a:srgbClr val="AA208E"/>
-                </a:solidFill>
-                <a:latin typeface="Poppins Medium"/>
-                <a:ea typeface="Poppins Medium"/>
-                <a:cs typeface="Poppins Medium"/>
-                <a:sym typeface="Poppins Medium"/>
-              </a:rPr>
-              <a:t>125+</a:t>
-            </a:r>
-            <a:endParaRPr>
-              <a:solidFill>
-                <a:srgbClr val="AA208E"/>
-              </a:solidFill>
-            </a:endParaRPr>
-          </a:p>
-        </p:txBody>
-      </p:sp>
-      <p:sp>
-        <p:nvSpPr>
-          <p:cNvPr id="92" name="Google Shape;92;p28"/>
-          <p:cNvSpPr txBox="1"/>
-          <p:nvPr/>
-        </p:nvSpPr>
-        <p:spPr>
-          <a:xfrm>
-            <a:off x="4650341" y="4541040"/>
-            <a:ext cx="1454100" cy="307800"/>
-          </a:xfrm>
-          <a:prstGeom prst="rect">
-            <a:avLst/>
-          </a:prstGeom>
-          <a:noFill/>
-          <a:ln>
-            <a:noFill/>
-          </a:ln>
-        </p:spPr>
-        <p:txBody>
-          <a:bodyPr anchorCtr="0" anchor="t" bIns="45700" lIns="91425" spcFirstLastPara="1" rIns="91425" wrap="square" tIns="45700">
-            <a:spAutoFit/>
-          </a:bodyPr>
-          <a:lstStyle/>
-          <a:p>
-            <a:pPr indent="0" lvl="0" marL="0" marR="0" rtl="0" algn="ctr">
-              <a:spcBef>
-                <a:spcPts val="0"/>
-              </a:spcBef>
-              <a:spcAft>
-                <a:spcPts val="0"/>
-              </a:spcAft>
-              <a:buNone/>
-            </a:pPr>
-            <a:r>
-              <a:rPr lang="en-US" sz="1400">
-                <a:solidFill>
-                  <a:schemeClr val="dk1"/>
-                </a:solidFill>
-                <a:latin typeface="Poppins Medium"/>
-                <a:ea typeface="Poppins Medium"/>
-                <a:cs typeface="Poppins Medium"/>
-                <a:sym typeface="Poppins Medium"/>
-              </a:rPr>
-              <a:t>Happy Clients</a:t>
-            </a:r>
-            <a:endParaRPr/>
-          </a:p>
-        </p:txBody>
-      </p:sp>
-      <p:sp>
-        <p:nvSpPr>
-          <p:cNvPr id="93" name="Google Shape;93;p28"/>
-          <p:cNvSpPr txBox="1"/>
-          <p:nvPr/>
-        </p:nvSpPr>
-        <p:spPr>
-          <a:xfrm>
-            <a:off x="7191174" y="3956399"/>
-            <a:ext cx="976500" cy="585000"/>
-          </a:xfrm>
-          <a:prstGeom prst="rect">
-            <a:avLst/>
-          </a:prstGeom>
-          <a:noFill/>
-          <a:ln>
-            <a:noFill/>
-          </a:ln>
-        </p:spPr>
-        <p:txBody>
-          <a:bodyPr anchorCtr="0" anchor="t" bIns="45700" lIns="91425" spcFirstLastPara="1" rIns="91425" wrap="square" tIns="45700">
-            <a:spAutoFit/>
-          </a:bodyPr>
-          <a:lstStyle/>
-          <a:p>
-            <a:pPr indent="0" lvl="0" marL="0" marR="0" rtl="0" algn="ctr">
-              <a:spcBef>
-                <a:spcPts val="0"/>
-              </a:spcBef>
-              <a:spcAft>
-                <a:spcPts val="0"/>
-              </a:spcAft>
-              <a:buNone/>
-            </a:pPr>
-            <a:r>
-              <a:rPr lang="en-US" sz="3200">
-                <a:solidFill>
-                  <a:srgbClr val="AA208E"/>
-                </a:solidFill>
-                <a:latin typeface="Poppins Medium"/>
-                <a:ea typeface="Poppins Medium"/>
-                <a:cs typeface="Poppins Medium"/>
-                <a:sym typeface="Poppins Medium"/>
-              </a:rPr>
-              <a:t>+92</a:t>
-            </a:r>
-            <a:endParaRPr>
-              <a:solidFill>
-                <a:srgbClr val="AA208E"/>
-              </a:solidFill>
-            </a:endParaRPr>
-          </a:p>
-        </p:txBody>
-      </p:sp>
-      <p:sp>
-        <p:nvSpPr>
-          <p:cNvPr id="94" name="Google Shape;94;p28"/>
-          <p:cNvSpPr txBox="1"/>
-          <p:nvPr/>
-        </p:nvSpPr>
-        <p:spPr>
-          <a:xfrm>
-            <a:off x="6897824" y="4541040"/>
-            <a:ext cx="1563300" cy="307800"/>
-          </a:xfrm>
-          <a:prstGeom prst="rect">
-            <a:avLst/>
-          </a:prstGeom>
-          <a:noFill/>
-          <a:ln>
-            <a:noFill/>
-          </a:ln>
-        </p:spPr>
-        <p:txBody>
-          <a:bodyPr anchorCtr="0" anchor="t" bIns="45700" lIns="91425" spcFirstLastPara="1" rIns="91425" wrap="square" tIns="45700">
-            <a:spAutoFit/>
-          </a:bodyPr>
-          <a:lstStyle/>
-          <a:p>
-            <a:pPr indent="0" lvl="0" marL="0" marR="0" rtl="0" algn="ctr">
-              <a:spcBef>
-                <a:spcPts val="0"/>
-              </a:spcBef>
-              <a:spcAft>
-                <a:spcPts val="0"/>
-              </a:spcAft>
-              <a:buNone/>
-            </a:pPr>
-            <a:r>
-              <a:rPr lang="en-US" sz="1400">
-                <a:solidFill>
-                  <a:schemeClr val="dk1"/>
-                </a:solidFill>
-                <a:latin typeface="Poppins Medium"/>
-                <a:ea typeface="Poppins Medium"/>
-                <a:cs typeface="Poppins Medium"/>
-                <a:sym typeface="Poppins Medium"/>
-              </a:rPr>
-              <a:t>Certified Estate</a:t>
-            </a:r>
-            <a:endParaRPr/>
-          </a:p>
-        </p:txBody>
-      </p:sp>
-      <p:sp>
-        <p:nvSpPr>
-          <p:cNvPr id="95" name="Google Shape;95;p28"/>
-          <p:cNvSpPr txBox="1"/>
-          <p:nvPr/>
-        </p:nvSpPr>
-        <p:spPr>
-          <a:xfrm>
-            <a:off x="9580639" y="3956399"/>
-            <a:ext cx="806700" cy="585000"/>
-          </a:xfrm>
-          <a:prstGeom prst="rect">
-            <a:avLst/>
-          </a:prstGeom>
-          <a:noFill/>
-          <a:ln>
-            <a:noFill/>
-          </a:ln>
-        </p:spPr>
-        <p:txBody>
-          <a:bodyPr anchorCtr="0" anchor="t" bIns="45700" lIns="91425" spcFirstLastPara="1" rIns="91425" wrap="square" tIns="45700">
-            <a:spAutoFit/>
-          </a:bodyPr>
-          <a:lstStyle/>
-          <a:p>
-            <a:pPr indent="0" lvl="0" marL="0" marR="0" rtl="0" algn="ctr">
-              <a:spcBef>
-                <a:spcPts val="0"/>
-              </a:spcBef>
-              <a:spcAft>
-                <a:spcPts val="0"/>
-              </a:spcAft>
-              <a:buNone/>
-            </a:pPr>
-            <a:r>
-              <a:rPr lang="en-US" sz="3200">
-                <a:solidFill>
-                  <a:srgbClr val="AA208E"/>
-                </a:solidFill>
-                <a:latin typeface="Poppins Medium"/>
-                <a:ea typeface="Poppins Medium"/>
-                <a:cs typeface="Poppins Medium"/>
-                <a:sym typeface="Poppins Medium"/>
-              </a:rPr>
-              <a:t>9.8</a:t>
-            </a:r>
-            <a:endParaRPr>
-              <a:solidFill>
-                <a:srgbClr val="AA208E"/>
-              </a:solidFill>
-            </a:endParaRPr>
-          </a:p>
-        </p:txBody>
-      </p:sp>
-      <p:sp>
-        <p:nvSpPr>
-          <p:cNvPr id="96" name="Google Shape;96;p28"/>
-          <p:cNvSpPr txBox="1"/>
-          <p:nvPr/>
-        </p:nvSpPr>
-        <p:spPr>
-          <a:xfrm>
-            <a:off x="9313742" y="4541040"/>
-            <a:ext cx="1340400" cy="307800"/>
-          </a:xfrm>
-          <a:prstGeom prst="rect">
-            <a:avLst/>
-          </a:prstGeom>
-          <a:noFill/>
-          <a:ln>
-            <a:noFill/>
-          </a:ln>
-        </p:spPr>
-        <p:txBody>
-          <a:bodyPr anchorCtr="0" anchor="t" bIns="45700" lIns="91425" spcFirstLastPara="1" rIns="91425" wrap="square" tIns="45700">
-            <a:spAutoFit/>
-          </a:bodyPr>
-          <a:lstStyle/>
-          <a:p>
-            <a:pPr indent="0" lvl="0" marL="0" marR="0" rtl="0" algn="ctr">
-              <a:spcBef>
-                <a:spcPts val="0"/>
-              </a:spcBef>
-              <a:spcAft>
-                <a:spcPts val="0"/>
-              </a:spcAft>
-              <a:buNone/>
-            </a:pPr>
-            <a:r>
-              <a:rPr lang="en-US" sz="1400">
-                <a:solidFill>
-                  <a:schemeClr val="dk1"/>
-                </a:solidFill>
-                <a:latin typeface="Poppins Medium"/>
-                <a:ea typeface="Poppins Medium"/>
-                <a:cs typeface="Poppins Medium"/>
-                <a:sym typeface="Poppins Medium"/>
-              </a:rPr>
-              <a:t>Good Design</a:t>
-            </a:r>
-            <a:endParaRPr/>
-          </a:p>
-        </p:txBody>
-      </p:sp>
-      <p:cxnSp>
-        <p:nvCxnSpPr>
-          <p:cNvPr id="97" name="Google Shape;97;p28"/>
-          <p:cNvCxnSpPr/>
-          <p:nvPr/>
-        </p:nvCxnSpPr>
-        <p:spPr>
-          <a:xfrm>
-            <a:off x="6467629" y="3884481"/>
-            <a:ext cx="0" cy="1100700"/>
-          </a:xfrm>
-          <a:prstGeom prst="straightConnector1">
-            <a:avLst/>
-          </a:prstGeom>
-          <a:noFill/>
-          <a:ln cap="flat" cmpd="sng" w="19050">
-            <a:solidFill>
-              <a:srgbClr val="7F7F7F"/>
-            </a:solidFill>
-            <a:prstDash val="solid"/>
-            <a:miter lim="800000"/>
-            <a:headEnd len="sm" w="sm" type="none"/>
-            <a:tailEnd len="sm" w="sm" type="none"/>
-          </a:ln>
-        </p:spPr>
-      </p:cxnSp>
-      <p:cxnSp>
-        <p:nvCxnSpPr>
-          <p:cNvPr id="98" name="Google Shape;98;p28"/>
-          <p:cNvCxnSpPr/>
-          <p:nvPr/>
-        </p:nvCxnSpPr>
-        <p:spPr>
-          <a:xfrm>
-            <a:off x="8851233" y="3884481"/>
-            <a:ext cx="0" cy="1100700"/>
-          </a:xfrm>
-          <a:prstGeom prst="straightConnector1">
-            <a:avLst/>
-          </a:prstGeom>
-          <a:noFill/>
-          <a:ln cap="flat" cmpd="sng" w="19050">
-            <a:solidFill>
-              <a:srgbClr val="7F7F7F"/>
-            </a:solidFill>
-            <a:prstDash val="solid"/>
-            <a:miter lim="800000"/>
-            <a:headEnd len="sm" w="sm" type="none"/>
-            <a:tailEnd len="sm" w="sm" type="none"/>
-          </a:ln>
-        </p:spPr>
-      </p:cxnSp>
-      <p:sp>
-        <p:nvSpPr>
-          <p:cNvPr id="99" name="Google Shape;99;p28"/>
-          <p:cNvSpPr txBox="1"/>
-          <p:nvPr/>
-        </p:nvSpPr>
-        <p:spPr>
-          <a:xfrm>
-            <a:off x="4555825" y="2317225"/>
-            <a:ext cx="7169700" cy="1188300"/>
-          </a:xfrm>
-          <a:prstGeom prst="rect">
-            <a:avLst/>
-          </a:prstGeom>
-          <a:noFill/>
-          <a:ln>
-            <a:noFill/>
-          </a:ln>
-        </p:spPr>
-        <p:txBody>
-          <a:bodyPr anchorCtr="0" anchor="t" bIns="45700" lIns="91425" spcFirstLastPara="1" rIns="91425" wrap="square" tIns="45700">
-            <a:spAutoFit/>
-          </a:bodyPr>
-          <a:lstStyle/>
-          <a:p>
-            <a:pPr indent="0" lvl="0" marL="0" marR="0" rtl="0" algn="l">
-              <a:lnSpc>
-                <a:spcPct val="115000"/>
-              </a:lnSpc>
-              <a:spcBef>
-                <a:spcPts val="0"/>
-              </a:spcBef>
-              <a:spcAft>
-                <a:spcPts val="0"/>
-              </a:spcAft>
-              <a:buNone/>
-            </a:pPr>
-            <a:r>
-              <a:rPr lang="en-US" sz="1100">
-                <a:solidFill>
-                  <a:schemeClr val="dk1"/>
-                </a:solidFill>
-                <a:latin typeface="Montserrat"/>
-                <a:ea typeface="Montserrat"/>
-                <a:cs typeface="Montserrat"/>
-                <a:sym typeface="Montserrat"/>
-              </a:rPr>
-              <a:t>L</a:t>
-            </a:r>
-            <a:r>
-              <a:rPr lang="en-US" sz="1600">
-                <a:solidFill>
-                  <a:schemeClr val="dk1"/>
-                </a:solidFill>
-                <a:latin typeface="Montserrat"/>
-                <a:ea typeface="Montserrat"/>
-                <a:cs typeface="Montserrat"/>
-                <a:sym typeface="Montserrat"/>
-              </a:rPr>
-              <a:t>orem ipsum dolor sit amet, consectetur adipiscing elit. In id pharetra velit. Praesent in elit ipsum. Donec maximusi odio</a:t>
-            </a:r>
-            <a:endParaRPr sz="1600">
-              <a:solidFill>
-                <a:schemeClr val="dk1"/>
-              </a:solidFill>
-              <a:latin typeface="Montserrat"/>
-              <a:ea typeface="Montserrat"/>
-              <a:cs typeface="Montserrat"/>
-              <a:sym typeface="Montserrat"/>
-            </a:endParaRPr>
-          </a:p>
-          <a:p>
-            <a:pPr indent="0" lvl="0" marL="0" marR="0" rtl="0" algn="l">
-              <a:lnSpc>
-                <a:spcPct val="115000"/>
-              </a:lnSpc>
-              <a:spcBef>
-                <a:spcPts val="0"/>
-              </a:spcBef>
-              <a:spcAft>
-                <a:spcPts val="0"/>
-              </a:spcAft>
-              <a:buNone/>
-            </a:pPr>
-            <a:r>
-              <a:rPr lang="en-US" sz="1600">
-                <a:solidFill>
-                  <a:schemeClr val="dk1"/>
-                </a:solidFill>
-                <a:latin typeface="Montserrat"/>
-                <a:ea typeface="Montserrat"/>
-                <a:cs typeface="Montserrat"/>
-                <a:sym typeface="Montserrat"/>
-              </a:rPr>
-              <a:t>convallis pellentesque, velit lorem venenatis lectus, mollis molestie diam nibh a elit. Sed blandit, nequemaximus ultricies </a:t>
-            </a:r>
-            <a:endParaRPr sz="1600">
-              <a:latin typeface="Montserrat"/>
-              <a:ea typeface="Montserrat"/>
-              <a:cs typeface="Montserrat"/>
-              <a:sym typeface="Montserrat"/>
-            </a:endParaRPr>
-          </a:p>
-        </p:txBody>
-      </p:sp>
-      <p:pic>
-        <p:nvPicPr>
-          <p:cNvPr id="100" name="Google Shape;100;p28"/>
-          <p:cNvPicPr preferRelativeResize="0"/>
-          <p:nvPr>
-            <p:ph idx="2" type="pic"/>
-          </p:nvPr>
-        </p:nvPicPr>
-        <p:blipFill rotWithShape="1">
-          <a:blip r:embed="rId3">
-            <a:alphaModFix/>
-          </a:blip>
-          <a:srcRect b="0" l="22361" r="22360" t="0"/>
-          <a:stretch/>
-        </p:blipFill>
-        <p:spPr>
-          <a:xfrm>
-            <a:off x="0" y="0"/>
-            <a:ext cx="3790950" cy="6858000"/>
-          </a:xfrm>
-          <a:prstGeom prst="rect">
-            <a:avLst/>
-          </a:prstGeom>
-          <a:solidFill>
-            <a:srgbClr val="D8D8D8"/>
-          </a:solidFill>
-          <a:ln>
-            <a:noFill/>
-          </a:ln>
-        </p:spPr>
-      </p:pic>
-    </p:spTree>
-  </p:cSld>
-  <p:clrMapOvr>
-    <a:masterClrMapping/>
-  </p:clrMapOvr>
-</p:sld>
-</file>
-
-<file path=ppt/slides/slide3.xml><?xml version="1.0" encoding="utf-8"?>
-<p:sld xmlns:a="http://schemas.openxmlformats.org/drawingml/2006/main" xmlns:r="http://schemas.openxmlformats.org/officeDocument/2006/relationships" xmlns:mc="http://schemas.openxmlformats.org/markup-compatibility/2006" xmlns:mv="urn:schemas-microsoft-com:mac:vml" xmlns:p="http://schemas.openxmlformats.org/presentationml/2006/main" xmlns:c="http://schemas.openxmlformats.org/drawingml/2006/chart" xmlns:dgm="http://schemas.openxmlformats.org/drawingml/2006/diagram" xmlns:o="urn:schemas-microsoft-com:office:office" xmlns:v="urn:schemas-microsoft-com:vml" xmlns:pvml="urn:schemas-microsoft-com:office:powerpoint" xmlns:com="http://schemas.openxmlformats.org/drawingml/2006/compatibility" xmlns:p14="http://schemas.microsoft.com/office/powerpoint/2010/main" xmlns:p15="http://schemas.microsoft.com/office/powerpoint/2012/main" xmlns:ahyp="http://schemas.microsoft.com/office/drawing/2018/hyperlinkcolor">
-  <p:cSld>
-    <p:spTree>
-      <p:nvGrpSpPr>
-        <p:cNvPr id="104" name="Shape 104"/>
+        <p:cNvPr id="1" name="Shape 104"/>
         <p:cNvGrpSpPr/>
         <p:nvPr/>
       </p:nvGrpSpPr>
@@ -6401,16 +6396,18 @@
       <p:pic>
         <p:nvPicPr>
           <p:cNvPr id="105" name="Google Shape;105;p29"/>
-          <p:cNvPicPr preferRelativeResize="0"/>
+          <p:cNvPicPr preferRelativeResize="0">
+            <a:picLocks noGrp="1"/>
+          </p:cNvPicPr>
           <p:nvPr>
-            <p:ph idx="2" type="pic"/>
+            <p:ph type="pic" idx="2"/>
           </p:nvPr>
         </p:nvPicPr>
         <p:blipFill rotWithShape="1">
           <a:blip r:embed="rId3">
             <a:alphaModFix/>
           </a:blip>
-          <a:srcRect b="0" l="21215" r="21215" t="0"/>
+          <a:srcRect l="21215" r="21215"/>
           <a:stretch/>
         </p:blipFill>
         <p:spPr>
@@ -6451,12 +6448,12 @@
           </a:ln>
         </p:spPr>
         <p:txBody>
-          <a:bodyPr anchorCtr="0" anchor="ctr" bIns="45700" lIns="91425" spcFirstLastPara="1" rIns="91425" wrap="square" tIns="45700">
+          <a:bodyPr spcFirstLastPara="1" wrap="square" lIns="91425" tIns="45700" rIns="91425" bIns="45700" anchor="ctr" anchorCtr="0">
             <a:noAutofit/>
           </a:bodyPr>
           <a:lstStyle/>
           <a:p>
-            <a:pPr indent="0" lvl="0" marL="0" marR="0" rtl="0" algn="ctr">
+            <a:pPr marL="0" marR="0" lvl="0" indent="0" algn="ctr" rtl="0">
               <a:spcBef>
                 <a:spcPts val="0"/>
               </a:spcBef>
@@ -6465,9 +6462,6 @@
               </a:spcAft>
               <a:buNone/>
             </a:pPr>
-            <a:r>
-              <a:t/>
-            </a:r>
             <a:endParaRPr sz="1800">
               <a:solidFill>
                 <a:schemeClr val="lt1"/>
@@ -6488,8 +6482,8 @@
         </p:nvSpPr>
         <p:spPr>
           <a:xfrm>
-            <a:off x="458854" y="1333132"/>
-            <a:ext cx="5493900" cy="708000"/>
+            <a:off x="458854" y="672120"/>
+            <a:ext cx="5493900" cy="769401"/>
           </a:xfrm>
           <a:prstGeom prst="rect">
             <a:avLst/>
@@ -6500,41 +6494,19 @@
           </a:ln>
         </p:spPr>
         <p:txBody>
-          <a:bodyPr anchorCtr="0" anchor="t" bIns="45700" lIns="91425" spcFirstLastPara="1" rIns="91425" wrap="square" tIns="45700">
+          <a:bodyPr spcFirstLastPara="1" wrap="square" lIns="91425" tIns="45700" rIns="91425" bIns="45700" anchor="t" anchorCtr="0">
             <a:spAutoFit/>
           </a:bodyPr>
           <a:lstStyle/>
           <a:p>
-            <a:pPr indent="0" lvl="0" marL="0" marR="0" rtl="0" algn="l">
-              <a:spcBef>
-                <a:spcPts val="0"/>
-              </a:spcBef>
-              <a:spcAft>
-                <a:spcPts val="0"/>
-              </a:spcAft>
-              <a:buNone/>
-            </a:pPr>
             <a:r>
-              <a:rPr b="1" lang="en-US" sz="4000">
+              <a:rPr lang="en-US" sz="4400" b="1" dirty="0">
                 <a:solidFill>
                   <a:srgbClr val="DF006E"/>
                 </a:solidFill>
-                <a:latin typeface="Montserrat"/>
-                <a:ea typeface="Montserrat"/>
-                <a:cs typeface="Montserrat"/>
-                <a:sym typeface="Montserrat"/>
               </a:rPr>
-              <a:t>Lorem Ipsum</a:t>
+              <a:t>Business Overview</a:t>
             </a:r>
-            <a:endParaRPr b="1" sz="4000">
-              <a:solidFill>
-                <a:srgbClr val="DF006E"/>
-              </a:solidFill>
-              <a:latin typeface="Montserrat"/>
-              <a:ea typeface="Montserrat"/>
-              <a:cs typeface="Montserrat"/>
-              <a:sym typeface="Montserrat"/>
-            </a:endParaRPr>
           </a:p>
         </p:txBody>
       </p:sp>
@@ -6546,8 +6518,8 @@
         </p:nvSpPr>
         <p:spPr>
           <a:xfrm>
-            <a:off x="458850" y="2613225"/>
-            <a:ext cx="6122700" cy="1471500"/>
+            <a:off x="458850" y="1447274"/>
+            <a:ext cx="6122700" cy="5428112"/>
           </a:xfrm>
           <a:prstGeom prst="rect">
             <a:avLst/>
@@ -6558,14 +6530,238 @@
           </a:ln>
         </p:spPr>
         <p:txBody>
-          <a:bodyPr anchorCtr="0" anchor="t" bIns="45700" lIns="91425" spcFirstLastPara="1" rIns="91425" wrap="square" tIns="45700">
+          <a:bodyPr spcFirstLastPara="1" wrap="square" lIns="91425" tIns="45700" rIns="91425" bIns="45700" anchor="t" anchorCtr="0">
             <a:spAutoFit/>
           </a:bodyPr>
           <a:lstStyle/>
           <a:p>
-            <a:pPr indent="0" lvl="0" marL="0" marR="0" rtl="0" algn="l">
+            <a:pPr marL="228600" indent="-228600">
               <a:lnSpc>
-                <a:spcPct val="115000"/>
+                <a:spcPct val="90000"/>
+              </a:lnSpc>
+              <a:spcBef>
+                <a:spcPts val="1000"/>
+              </a:spcBef>
+            </a:pPr>
+            <a:r>
+              <a:rPr lang="en-US" sz="2000" b="1" dirty="0" err="1">
+                <a:solidFill>
+                  <a:schemeClr val="dk1"/>
+                </a:solidFill>
+                <a:ea typeface="Montserrat"/>
+              </a:rPr>
+              <a:t>Jambojet</a:t>
+            </a:r>
+            <a:r>
+              <a:rPr lang="en-US" sz="2000" b="1" dirty="0">
+                <a:solidFill>
+                  <a:schemeClr val="dk1"/>
+                </a:solidFill>
+                <a:ea typeface="Montserrat"/>
+              </a:rPr>
+              <a:t>: Africa's Leading Low-Cost Airline</a:t>
+            </a:r>
+          </a:p>
+          <a:p>
+            <a:pPr marL="285750" indent="-285750">
+              <a:lnSpc>
+                <a:spcPct val="90000"/>
+              </a:lnSpc>
+              <a:spcBef>
+                <a:spcPts val="1000"/>
+              </a:spcBef>
+              <a:buFont typeface="Arial,Sans-Serif"/>
+              <a:buChar char="•"/>
+            </a:pPr>
+            <a:r>
+              <a:rPr lang="en-US" sz="2000" dirty="0" err="1">
+                <a:solidFill>
+                  <a:schemeClr val="dk1"/>
+                </a:solidFill>
+                <a:ea typeface="Montserrat"/>
+              </a:rPr>
+              <a:t>Jambojet</a:t>
+            </a:r>
+            <a:r>
+              <a:rPr lang="en-US" sz="2000" dirty="0">
+                <a:solidFill>
+                  <a:schemeClr val="dk1"/>
+                </a:solidFill>
+                <a:ea typeface="Montserrat"/>
+              </a:rPr>
+              <a:t> is a Kenyan low-cost airline operating in the East African region.</a:t>
+            </a:r>
+          </a:p>
+          <a:p>
+            <a:pPr marL="285750" indent="-285750">
+              <a:lnSpc>
+                <a:spcPct val="90000"/>
+              </a:lnSpc>
+              <a:spcBef>
+                <a:spcPts val="1000"/>
+              </a:spcBef>
+              <a:buFont typeface="Arial,Sans-Serif"/>
+              <a:buChar char="•"/>
+            </a:pPr>
+            <a:r>
+              <a:rPr lang="en-US" sz="2000" dirty="0">
+                <a:solidFill>
+                  <a:schemeClr val="dk1"/>
+                </a:solidFill>
+                <a:ea typeface="Montserrat"/>
+              </a:rPr>
+              <a:t>It holds a market share of 54% in domestic air travel.</a:t>
+            </a:r>
+          </a:p>
+          <a:p>
+            <a:pPr marL="285750" indent="-285750">
+              <a:lnSpc>
+                <a:spcPct val="90000"/>
+              </a:lnSpc>
+              <a:spcBef>
+                <a:spcPts val="1000"/>
+              </a:spcBef>
+              <a:buFont typeface="Arial,Sans-Serif"/>
+              <a:buChar char="•"/>
+            </a:pPr>
+            <a:r>
+              <a:rPr lang="en-US" sz="2000" dirty="0">
+                <a:solidFill>
+                  <a:schemeClr val="dk1"/>
+                </a:solidFill>
+                <a:highlight>
+                  <a:srgbClr val="FFFF00"/>
+                </a:highlight>
+                <a:ea typeface="Montserrat"/>
+              </a:rPr>
+              <a:t>In 2022 and 2023, </a:t>
+            </a:r>
+            <a:r>
+              <a:rPr lang="en-US" sz="2000" dirty="0" err="1">
+                <a:solidFill>
+                  <a:schemeClr val="dk1"/>
+                </a:solidFill>
+                <a:highlight>
+                  <a:srgbClr val="FFFF00"/>
+                </a:highlight>
+                <a:ea typeface="Montserrat"/>
+              </a:rPr>
+              <a:t>Jambojet</a:t>
+            </a:r>
+            <a:r>
+              <a:rPr lang="en-US" sz="2000" dirty="0">
+                <a:solidFill>
+                  <a:schemeClr val="dk1"/>
+                </a:solidFill>
+                <a:highlight>
+                  <a:srgbClr val="FFFF00"/>
+                </a:highlight>
+                <a:ea typeface="Montserrat"/>
+              </a:rPr>
+              <a:t> won the World Travel Awards for Africa's Leading Low-Cost Airline.</a:t>
+            </a:r>
+          </a:p>
+          <a:p>
+            <a:pPr>
+              <a:lnSpc>
+                <a:spcPct val="90000"/>
+              </a:lnSpc>
+              <a:spcBef>
+                <a:spcPts val="1000"/>
+              </a:spcBef>
+            </a:pPr>
+            <a:r>
+              <a:rPr lang="en-US" sz="2000" b="1" dirty="0">
+                <a:solidFill>
+                  <a:schemeClr val="dk1"/>
+                </a:solidFill>
+                <a:ea typeface="Montserrat"/>
+              </a:rPr>
+              <a:t>Revenue Diversification</a:t>
+            </a:r>
+            <a:endParaRPr lang="en-US" sz="2000" dirty="0">
+              <a:solidFill>
+                <a:schemeClr val="dk1"/>
+              </a:solidFill>
+              <a:ea typeface="Montserrat"/>
+            </a:endParaRPr>
+          </a:p>
+          <a:p>
+            <a:pPr marL="285750" indent="-285750">
+              <a:lnSpc>
+                <a:spcPct val="90000"/>
+              </a:lnSpc>
+              <a:spcBef>
+                <a:spcPts val="1000"/>
+              </a:spcBef>
+              <a:buFont typeface="Arial,Sans-Serif"/>
+              <a:buChar char="•"/>
+            </a:pPr>
+            <a:r>
+              <a:rPr lang="en-US" sz="2000" dirty="0">
+                <a:solidFill>
+                  <a:schemeClr val="dk1"/>
+                </a:solidFill>
+                <a:highlight>
+                  <a:srgbClr val="FFFF00"/>
+                </a:highlight>
+                <a:ea typeface="Montserrat"/>
+              </a:rPr>
+              <a:t>In 2018, </a:t>
+            </a:r>
+            <a:r>
+              <a:rPr lang="en-US" sz="2000" dirty="0" err="1">
+                <a:solidFill>
+                  <a:schemeClr val="dk1"/>
+                </a:solidFill>
+                <a:highlight>
+                  <a:srgbClr val="FFFF00"/>
+                </a:highlight>
+                <a:ea typeface="Montserrat"/>
+              </a:rPr>
+              <a:t>Jambojet</a:t>
+            </a:r>
+            <a:r>
+              <a:rPr lang="en-US" sz="2000" dirty="0">
+                <a:solidFill>
+                  <a:schemeClr val="dk1"/>
+                </a:solidFill>
+                <a:highlight>
+                  <a:srgbClr val="FFFF00"/>
+                </a:highlight>
+                <a:ea typeface="Montserrat"/>
+              </a:rPr>
+              <a:t> expanded its reach and revenue streams by launching its advertising product.</a:t>
+            </a:r>
+          </a:p>
+          <a:p>
+            <a:pPr marL="285750" indent="-285750">
+              <a:lnSpc>
+                <a:spcPct val="90000"/>
+              </a:lnSpc>
+              <a:spcBef>
+                <a:spcPts val="1000"/>
+              </a:spcBef>
+              <a:buFont typeface="Arial,Sans-Serif"/>
+              <a:buChar char="•"/>
+            </a:pPr>
+            <a:r>
+              <a:rPr lang="en-US" sz="2000" dirty="0">
+                <a:solidFill>
+                  <a:schemeClr val="dk1"/>
+                </a:solidFill>
+                <a:highlight>
+                  <a:srgbClr val="FFFF00"/>
+                </a:highlight>
+                <a:ea typeface="Montserrat"/>
+              </a:rPr>
+              <a:t>This strategic move allowed the airline to optimize web traffic and ad placement strategies, driving additional revenue and enhancing business performance.</a:t>
+            </a:r>
+          </a:p>
+          <a:p>
+            <a:pPr marL="0" marR="0" lvl="0" indent="0" algn="l">
+              <a:lnSpc>
+                <a:spcPct val="114999"/>
               </a:lnSpc>
               <a:spcBef>
                 <a:spcPts val="0"/>
@@ -6575,61 +6771,13 @@
               </a:spcAft>
               <a:buNone/>
             </a:pPr>
-            <a:r>
-              <a:rPr lang="en-US" sz="1600">
-                <a:solidFill>
-                  <a:schemeClr val="dk1"/>
-                </a:solidFill>
-                <a:latin typeface="Montserrat"/>
-                <a:ea typeface="Montserrat"/>
-                <a:cs typeface="Montserrat"/>
-                <a:sym typeface="Montserrat"/>
-              </a:rPr>
-              <a:t>Lorem ipsum dolor sit amet, consectetur adipiscing elit. In id pharetra velit. Praesent in elit ipsum. Donl maximusi odio convallis pellentesque, velit loremai</a:t>
-            </a:r>
-            <a:endParaRPr sz="1600">
+            <a:endParaRPr lang="en-US" sz="1600" dirty="0">
               <a:solidFill>
                 <a:schemeClr val="dk1"/>
               </a:solidFill>
               <a:latin typeface="Montserrat"/>
               <a:ea typeface="Montserrat"/>
               <a:cs typeface="Montserrat"/>
-              <a:sym typeface="Montserrat"/>
-            </a:endParaRPr>
-          </a:p>
-          <a:p>
-            <a:pPr indent="0" lvl="0" marL="0" marR="0" rtl="0" algn="l">
-              <a:lnSpc>
-                <a:spcPct val="115000"/>
-              </a:lnSpc>
-              <a:spcBef>
-                <a:spcPts val="0"/>
-              </a:spcBef>
-              <a:spcAft>
-                <a:spcPts val="0"/>
-              </a:spcAft>
-              <a:buNone/>
-            </a:pPr>
-            <a:r>
-              <a:rPr lang="en-US" sz="1600">
-                <a:solidFill>
-                  <a:schemeClr val="dk1"/>
-                </a:solidFill>
-                <a:latin typeface="Montserrat"/>
-                <a:ea typeface="Montserrat"/>
-                <a:cs typeface="Montserrat"/>
-                <a:sym typeface="Montserrat"/>
-              </a:rPr>
-              <a:t>ven natis lectus, mollis molestae diam nibh aelitsae blandit, nequemaximus ultricies arcu mi dapibusa</a:t>
-            </a:r>
-            <a:endParaRPr sz="1600">
-              <a:solidFill>
-                <a:schemeClr val="dk1"/>
-              </a:solidFill>
-              <a:latin typeface="Montserrat"/>
-              <a:ea typeface="Montserrat"/>
-              <a:cs typeface="Montserrat"/>
-              <a:sym typeface="Montserrat"/>
             </a:endParaRPr>
           </a:p>
         </p:txBody>
@@ -6637,16 +6785,18 @@
       <p:pic>
         <p:nvPicPr>
           <p:cNvPr id="109" name="Google Shape;109;p29"/>
-          <p:cNvPicPr preferRelativeResize="0"/>
+          <p:cNvPicPr preferRelativeResize="0">
+            <a:picLocks noGrp="1"/>
+          </p:cNvPicPr>
           <p:nvPr>
-            <p:ph idx="3" type="pic"/>
+            <p:ph type="pic" idx="3"/>
           </p:nvPr>
         </p:nvPicPr>
         <p:blipFill rotWithShape="1">
           <a:blip r:embed="rId3">
             <a:alphaModFix/>
           </a:blip>
-          <a:srcRect b="0" l="22147" r="22148" t="0"/>
+          <a:srcRect l="22147" r="22148"/>
           <a:stretch/>
         </p:blipFill>
         <p:spPr>
@@ -6673,12 +6823,12 @@
 </p:sld>
 </file>
 
-<file path=ppt/slides/slide4.xml><?xml version="1.0" encoding="utf-8"?>
-<p:sld xmlns:a="http://schemas.openxmlformats.org/drawingml/2006/main" xmlns:r="http://schemas.openxmlformats.org/officeDocument/2006/relationships" xmlns:mc="http://schemas.openxmlformats.org/markup-compatibility/2006" xmlns:mv="urn:schemas-microsoft-com:mac:vml" xmlns:p="http://schemas.openxmlformats.org/presentationml/2006/main" xmlns:c="http://schemas.openxmlformats.org/drawingml/2006/chart" xmlns:dgm="http://schemas.openxmlformats.org/drawingml/2006/diagram" xmlns:o="urn:schemas-microsoft-com:office:office" xmlns:v="urn:schemas-microsoft-com:vml" xmlns:pvml="urn:schemas-microsoft-com:office:powerpoint" xmlns:com="http://schemas.openxmlformats.org/drawingml/2006/compatibility" xmlns:p14="http://schemas.microsoft.com/office/powerpoint/2010/main" xmlns:p15="http://schemas.microsoft.com/office/powerpoint/2012/main" xmlns:ahyp="http://schemas.microsoft.com/office/drawing/2018/hyperlinkcolor">
+<file path=ppt/slides/slide3.xml><?xml version="1.0" encoding="utf-8"?>
+<p:sld xmlns:a="http://schemas.openxmlformats.org/drawingml/2006/main" xmlns:r="http://schemas.openxmlformats.org/officeDocument/2006/relationships" xmlns:p="http://schemas.openxmlformats.org/presentationml/2006/main">
   <p:cSld>
     <p:spTree>
       <p:nvGrpSpPr>
-        <p:cNvPr id="113" name="Shape 113"/>
+        <p:cNvPr id="1" name="Shape 113"/>
         <p:cNvGrpSpPr/>
         <p:nvPr/>
       </p:nvGrpSpPr>
@@ -6712,12 +6862,12 @@
           </a:ln>
         </p:spPr>
         <p:txBody>
-          <a:bodyPr anchorCtr="0" anchor="ctr" bIns="45700" lIns="91425" spcFirstLastPara="1" rIns="91425" wrap="square" tIns="45700">
+          <a:bodyPr spcFirstLastPara="1" wrap="square" lIns="91425" tIns="45700" rIns="91425" bIns="45700" anchor="ctr" anchorCtr="0">
             <a:noAutofit/>
           </a:bodyPr>
           <a:lstStyle/>
           <a:p>
-            <a:pPr indent="0" lvl="0" marL="0" marR="0" rtl="0" algn="ctr">
+            <a:pPr marL="0" marR="0" lvl="0" indent="0" algn="ctr" rtl="0">
               <a:spcBef>
                 <a:spcPts val="0"/>
               </a:spcBef>
@@ -6726,9 +6876,6 @@
               </a:spcAft>
               <a:buNone/>
             </a:pPr>
-            <a:r>
-              <a:t/>
-            </a:r>
             <a:endParaRPr sz="1800">
               <a:solidFill>
                 <a:schemeClr val="lt1"/>
@@ -6749,8 +6896,8 @@
         </p:nvSpPr>
         <p:spPr>
           <a:xfrm>
-            <a:off x="5280636" y="1151701"/>
-            <a:ext cx="5599500" cy="846600"/>
+            <a:off x="4873625" y="652898"/>
+            <a:ext cx="6153403" cy="1200288"/>
           </a:xfrm>
           <a:prstGeom prst="rect">
             <a:avLst/>
@@ -6761,41 +6908,22 @@
           </a:ln>
         </p:spPr>
         <p:txBody>
-          <a:bodyPr anchorCtr="0" anchor="t" bIns="45700" lIns="91425" spcFirstLastPara="1" rIns="91425" wrap="square" tIns="45700">
+          <a:bodyPr spcFirstLastPara="1" wrap="square" lIns="91425" tIns="45700" rIns="91425" bIns="45700" anchor="t" anchorCtr="0">
             <a:spAutoFit/>
           </a:bodyPr>
           <a:lstStyle/>
           <a:p>
-            <a:pPr indent="0" lvl="0" marL="0" marR="0" rtl="0" algn="l">
-              <a:spcBef>
-                <a:spcPts val="0"/>
-              </a:spcBef>
-              <a:spcAft>
-                <a:spcPts val="0"/>
-              </a:spcAft>
-              <a:buNone/>
-            </a:pPr>
             <a:r>
-              <a:rPr b="1" lang="en-US" sz="4900">
+              <a:rPr lang="en-US" sz="3600" b="1" dirty="0">
                 <a:solidFill>
                   <a:srgbClr val="DF006E"/>
                 </a:solidFill>
                 <a:latin typeface="Montserrat"/>
                 <a:ea typeface="Montserrat"/>
                 <a:cs typeface="Montserrat"/>
-                <a:sym typeface="Montserrat"/>
               </a:rPr>
-              <a:t>LOREM IPSUM</a:t>
+              <a:t>Problem Statement and Project Objectives</a:t>
             </a:r>
-            <a:endParaRPr b="1" sz="4900">
-              <a:solidFill>
-                <a:srgbClr val="DF006E"/>
-              </a:solidFill>
-              <a:latin typeface="Montserrat"/>
-              <a:ea typeface="Montserrat"/>
-              <a:cs typeface="Montserrat"/>
-              <a:sym typeface="Montserrat"/>
-            </a:endParaRPr>
           </a:p>
         </p:txBody>
       </p:sp>
@@ -6807,8 +6935,8 @@
         </p:nvSpPr>
         <p:spPr>
           <a:xfrm>
-            <a:off x="5428095" y="2294639"/>
-            <a:ext cx="5858400" cy="2321100"/>
+            <a:off x="4873625" y="2050672"/>
+            <a:ext cx="6412870" cy="4154430"/>
           </a:xfrm>
           <a:prstGeom prst="rect">
             <a:avLst/>
@@ -6819,43 +6947,149 @@
           </a:ln>
         </p:spPr>
         <p:txBody>
-          <a:bodyPr anchorCtr="0" anchor="t" bIns="45700" lIns="91425" spcFirstLastPara="1" rIns="91425" wrap="square" tIns="45700">
+          <a:bodyPr spcFirstLastPara="1" wrap="square" lIns="91425" tIns="45700" rIns="91425" bIns="45700" anchor="t" anchorCtr="0">
             <a:spAutoFit/>
           </a:bodyPr>
           <a:lstStyle/>
           <a:p>
-            <a:pPr indent="0" lvl="0" marL="0" marR="0" rtl="0" algn="l">
+            <a:pPr marL="285750" indent="-285750">
               <a:lnSpc>
-                <a:spcPct val="115000"/>
+                <a:spcPct val="90000"/>
               </a:lnSpc>
               <a:spcBef>
-                <a:spcPts val="0"/>
+                <a:spcPts val="1000"/>
               </a:spcBef>
-              <a:spcAft>
-                <a:spcPts val="0"/>
-              </a:spcAft>
-              <a:buNone/>
+              <a:buChar char="•"/>
             </a:pPr>
             <a:r>
-              <a:rPr lang="en-US" sz="1600">
+              <a:rPr lang="en-US" sz="1900" dirty="0" err="1">
                 <a:solidFill>
                   <a:schemeClr val="dk1"/>
                 </a:solidFill>
-                <a:latin typeface="Montserrat"/>
                 <a:ea typeface="Montserrat"/>
-                <a:cs typeface="Montserrat"/>
-                <a:sym typeface="Montserrat"/>
               </a:rPr>
-              <a:t>Lorem ipsu conse lectus ornare, pellentesque. viverra ctetur adipiscing elit. Pellentesque sceler scelerisqdol orsit amet, conse malesuadadghq Pellentesqu scelerisq malesuada apell entesque fcelerisqntesqueasdclor Jaelit dellentesque sceler scelerisqdol orsit amet, conse malesuada lorem scelerisqdol orsit amet, conseses malesuadadghq Pellentesqu scelerisq malesuada apell entesque viverra ctetur adipiscing elitd sceler</a:t>
+              <a:t>Jambojet</a:t>
             </a:r>
-            <a:endParaRPr sz="1600">
+            <a:r>
+              <a:rPr lang="en-US" sz="1900" dirty="0">
+                <a:solidFill>
+                  <a:schemeClr val="dk1"/>
+                </a:solidFill>
+                <a:ea typeface="Montserrat"/>
+              </a:rPr>
+              <a:t> strives to optimize its advertising spaces to maximize revenue and advertiser satisfaction.</a:t>
+            </a:r>
+          </a:p>
+          <a:p>
+            <a:pPr marL="285750" indent="-285750">
+              <a:lnSpc>
+                <a:spcPct val="90000"/>
+              </a:lnSpc>
+              <a:spcBef>
+                <a:spcPts val="1000"/>
+              </a:spcBef>
+              <a:buChar char="•"/>
+            </a:pPr>
+            <a:r>
+              <a:rPr lang="en-US" sz="1900" dirty="0">
+                <a:solidFill>
+                  <a:schemeClr val="dk1"/>
+                </a:solidFill>
+                <a:highlight>
+                  <a:srgbClr val="00FFFF"/>
+                </a:highlight>
+                <a:ea typeface="Montserrat"/>
+              </a:rPr>
+              <a:t>The unpredictable nature of web traffic patterns poses a significant challenge and hindered effective ad placement.</a:t>
+            </a:r>
+          </a:p>
+          <a:p>
+            <a:pPr marL="285750" indent="-285750">
+              <a:lnSpc>
+                <a:spcPct val="90000"/>
+              </a:lnSpc>
+              <a:spcBef>
+                <a:spcPts val="1000"/>
+              </a:spcBef>
+              <a:buChar char="•"/>
+            </a:pPr>
+            <a:r>
+              <a:rPr lang="en-US" sz="1900" dirty="0">
+                <a:solidFill>
+                  <a:schemeClr val="dk1"/>
+                </a:solidFill>
+                <a:highlight>
+                  <a:srgbClr val="00FFFF"/>
+                </a:highlight>
+                <a:ea typeface="Montserrat"/>
+              </a:rPr>
+              <a:t>This leads to missed revenue opportunities and decreased advertiser satisfaction.</a:t>
+            </a:r>
+          </a:p>
+          <a:p>
+            <a:pPr marL="285750" indent="-285750">
+              <a:lnSpc>
+                <a:spcPct val="90000"/>
+              </a:lnSpc>
+              <a:spcBef>
+                <a:spcPts val="1000"/>
+              </a:spcBef>
+              <a:buChar char="•"/>
+            </a:pPr>
+            <a:r>
+              <a:rPr lang="en-US" sz="1900" dirty="0">
+                <a:solidFill>
+                  <a:schemeClr val="dk1"/>
+                </a:solidFill>
+                <a:ea typeface="Montserrat"/>
+              </a:rPr>
+              <a:t>Our project aims to revolutionize ad placement strategies through advanced Time Series Forecasting.</a:t>
+            </a:r>
+          </a:p>
+          <a:p>
+            <a:pPr marL="285750" indent="-285750">
+              <a:lnSpc>
+                <a:spcPct val="90000"/>
+              </a:lnSpc>
+              <a:spcBef>
+                <a:spcPts val="1000"/>
+              </a:spcBef>
+              <a:buChar char="•"/>
+            </a:pPr>
+            <a:r>
+              <a:rPr lang="en-US" sz="1900" dirty="0">
+                <a:solidFill>
+                  <a:schemeClr val="dk1"/>
+                </a:solidFill>
+                <a:ea typeface="Montserrat"/>
+              </a:rPr>
+              <a:t>This will help </a:t>
+            </a:r>
+            <a:r>
+              <a:rPr lang="en-US" sz="1900" dirty="0" err="1">
+                <a:solidFill>
+                  <a:schemeClr val="dk1"/>
+                </a:solidFill>
+                <a:ea typeface="Montserrat"/>
+              </a:rPr>
+              <a:t>Jambojet</a:t>
+            </a:r>
+            <a:r>
+              <a:rPr lang="en-US" sz="1900" dirty="0">
+                <a:solidFill>
+                  <a:schemeClr val="dk1"/>
+                </a:solidFill>
+                <a:ea typeface="Montserrat"/>
+              </a:rPr>
+              <a:t> to not only boost the platforms competitiveness but also contribute to the industry shift towards efficient online advertising solutions.</a:t>
+            </a:r>
+            <a:endParaRPr lang="en-US" sz="1600" dirty="0">
               <a:solidFill>
                 <a:schemeClr val="dk1"/>
               </a:solidFill>
               <a:latin typeface="Montserrat"/>
               <a:ea typeface="Montserrat"/>
               <a:cs typeface="Montserrat"/>
-              <a:sym typeface="Montserrat"/>
             </a:endParaRPr>
           </a:p>
         </p:txBody>
@@ -6863,16 +7097,18 @@
       <p:pic>
         <p:nvPicPr>
           <p:cNvPr id="117" name="Google Shape;117;p30"/>
-          <p:cNvPicPr preferRelativeResize="0"/>
+          <p:cNvPicPr preferRelativeResize="0">
+            <a:picLocks noGrp="1"/>
+          </p:cNvPicPr>
           <p:nvPr>
-            <p:ph idx="2" type="pic"/>
+            <p:ph type="pic" idx="2"/>
           </p:nvPr>
         </p:nvPicPr>
         <p:blipFill rotWithShape="1">
           <a:blip r:embed="rId3">
             <a:alphaModFix/>
           </a:blip>
-          <a:srcRect b="0" l="15785" r="15785" t="0"/>
+          <a:srcRect l="15785" r="15785"/>
           <a:stretch/>
         </p:blipFill>
         <p:spPr>
@@ -6899,12 +7135,12 @@
 </p:sld>
 </file>
 
-<file path=ppt/slides/slide5.xml><?xml version="1.0" encoding="utf-8"?>
-<p:sld xmlns:a="http://schemas.openxmlformats.org/drawingml/2006/main" xmlns:r="http://schemas.openxmlformats.org/officeDocument/2006/relationships" xmlns:mc="http://schemas.openxmlformats.org/markup-compatibility/2006" xmlns:mv="urn:schemas-microsoft-com:mac:vml" xmlns:p="http://schemas.openxmlformats.org/presentationml/2006/main" xmlns:c="http://schemas.openxmlformats.org/drawingml/2006/chart" xmlns:dgm="http://schemas.openxmlformats.org/drawingml/2006/diagram" xmlns:o="urn:schemas-microsoft-com:office:office" xmlns:v="urn:schemas-microsoft-com:vml" xmlns:pvml="urn:schemas-microsoft-com:office:powerpoint" xmlns:com="http://schemas.openxmlformats.org/drawingml/2006/compatibility" xmlns:p14="http://schemas.microsoft.com/office/powerpoint/2010/main" xmlns:p15="http://schemas.microsoft.com/office/powerpoint/2012/main" xmlns:ahyp="http://schemas.microsoft.com/office/drawing/2018/hyperlinkcolor">
+<file path=ppt/slides/slide4.xml><?xml version="1.0" encoding="utf-8"?>
+<p:sld xmlns:a="http://schemas.openxmlformats.org/drawingml/2006/main" xmlns:r="http://schemas.openxmlformats.org/officeDocument/2006/relationships" xmlns:p="http://schemas.openxmlformats.org/presentationml/2006/main">
   <p:cSld>
     <p:spTree>
       <p:nvGrpSpPr>
-        <p:cNvPr id="121" name="Shape 121"/>
+        <p:cNvPr id="1" name="Shape 121"/>
         <p:cNvGrpSpPr/>
         <p:nvPr/>
       </p:nvGrpSpPr>
@@ -6924,8 +7160,8 @@
         </p:nvSpPr>
         <p:spPr>
           <a:xfrm>
-            <a:off x="6661189" y="1414159"/>
-            <a:ext cx="4597800" cy="708000"/>
+            <a:off x="3707704" y="413460"/>
+            <a:ext cx="7551285" cy="1323399"/>
           </a:xfrm>
           <a:prstGeom prst="rect">
             <a:avLst/>
@@ -6936,41 +7172,22 @@
           </a:ln>
         </p:spPr>
         <p:txBody>
-          <a:bodyPr anchorCtr="0" anchor="t" bIns="45700" lIns="91425" spcFirstLastPara="1" rIns="91425" wrap="square" tIns="45700">
+          <a:bodyPr spcFirstLastPara="1" wrap="square" lIns="91425" tIns="45700" rIns="91425" bIns="45700" anchor="t" anchorCtr="0">
             <a:spAutoFit/>
           </a:bodyPr>
           <a:lstStyle/>
           <a:p>
-            <a:pPr indent="0" lvl="0" marL="0" marR="0" rtl="0" algn="l">
-              <a:spcBef>
-                <a:spcPts val="0"/>
-              </a:spcBef>
-              <a:spcAft>
-                <a:spcPts val="0"/>
-              </a:spcAft>
-              <a:buNone/>
-            </a:pPr>
             <a:r>
-              <a:rPr b="1" lang="en-US" sz="4000">
+              <a:rPr lang="en-US" sz="4000" b="1" dirty="0">
                 <a:solidFill>
                   <a:srgbClr val="DF006E"/>
                 </a:solidFill>
                 <a:latin typeface="Montserrat"/>
                 <a:ea typeface="Montserrat"/>
                 <a:cs typeface="Montserrat"/>
-                <a:sym typeface="Montserrat"/>
               </a:rPr>
-              <a:t>Lorem Ipsum</a:t>
+              <a:t>Data Collection and Understanding</a:t>
             </a:r>
-            <a:endParaRPr b="1" sz="4000">
-              <a:solidFill>
-                <a:srgbClr val="DF006E"/>
-              </a:solidFill>
-              <a:latin typeface="Montserrat"/>
-              <a:ea typeface="Montserrat"/>
-              <a:cs typeface="Montserrat"/>
-              <a:sym typeface="Montserrat"/>
-            </a:endParaRPr>
           </a:p>
         </p:txBody>
       </p:sp>
@@ -6982,8 +7199,8 @@
         </p:nvSpPr>
         <p:spPr>
           <a:xfrm>
-            <a:off x="6661192" y="2848559"/>
-            <a:ext cx="4896000" cy="2604300"/>
+            <a:off x="3707704" y="2093118"/>
+            <a:ext cx="7849488" cy="2599646"/>
           </a:xfrm>
           <a:prstGeom prst="rect">
             <a:avLst/>
@@ -6994,60 +7211,158 @@
           </a:ln>
         </p:spPr>
         <p:txBody>
-          <a:bodyPr anchorCtr="0" anchor="t" bIns="45700" lIns="91425" spcFirstLastPara="1" rIns="91425" wrap="square" tIns="45700">
+          <a:bodyPr spcFirstLastPara="1" wrap="square" lIns="91425" tIns="45700" rIns="91425" bIns="45700" anchor="t" anchorCtr="0">
             <a:spAutoFit/>
           </a:bodyPr>
           <a:lstStyle/>
           <a:p>
-            <a:pPr indent="0" lvl="0" marL="0" marR="0" rtl="0" algn="l">
+            <a:pPr marL="285750" indent="-285750">
               <a:lnSpc>
-                <a:spcPct val="115000"/>
+                <a:spcPct val="90000"/>
               </a:lnSpc>
               <a:spcBef>
-                <a:spcPts val="0"/>
+                <a:spcPts val="1000"/>
               </a:spcBef>
-              <a:spcAft>
-                <a:spcPts val="0"/>
-              </a:spcAft>
-              <a:buNone/>
+              <a:buChar char="•"/>
             </a:pPr>
             <a:r>
-              <a:rPr lang="en-US" sz="1600">
+              <a:rPr lang="en-US" sz="1800" dirty="0">
                 <a:solidFill>
                   <a:schemeClr val="dk1"/>
                 </a:solidFill>
-                <a:latin typeface="Montserrat"/>
-                <a:ea typeface="Montserrat"/>
-                <a:cs typeface="Montserrat"/>
-                <a:sym typeface="Montserrat"/>
               </a:rPr>
-              <a:t>Lorem ipsu conse lectus ornare, pellentesque. viverra ctetur adipiscing elit plentesque sceler scelerisqdol orsit amet, conse malesuadadghq Pellentesqu scelerisq malesuada apell entesque fcelerisqntesqueasdc. Jaelit dellentesque sceler scelerisqdol orsit amet conse malesuada lorem scelerisqdol orsit amet, conse malesuadadghq Pellentesqu</a:t>
+              <a:t>The dataset simulates the web traffic behaviors of websites such as </a:t>
             </a:r>
-            <a:endParaRPr sz="1600">
-              <a:solidFill>
-                <a:schemeClr val="dk1"/>
-              </a:solidFill>
-              <a:latin typeface="Montserrat"/>
-              <a:ea typeface="Montserrat"/>
-              <a:cs typeface="Montserrat"/>
-              <a:sym typeface="Montserrat"/>
-            </a:endParaRPr>
+            <a:r>
+              <a:rPr lang="en-US" sz="1800" dirty="0">
+                <a:solidFill>
+                  <a:schemeClr val="dk1"/>
+                </a:solidFill>
+                <a:hlinkClick r:id="rId3">
+                  <a:extLst>
+                    <a:ext uri="{A12FA001-AC4F-418D-AE19-62706E023703}">
+                      <ahyp:hlinkClr xmlns:ahyp="http://schemas.microsoft.com/office/drawing/2018/hyperlinkcolor" val="tx"/>
+                    </a:ext>
+                  </a:extLst>
+                </a:hlinkClick>
+              </a:rPr>
+              <a:t>www.jambojet.com</a:t>
+            </a:r>
+            <a:r>
+              <a:rPr lang="en-US" sz="1800" dirty="0">
+                <a:solidFill>
+                  <a:schemeClr val="dk1"/>
+                </a:solidFill>
+              </a:rPr>
+              <a:t>.</a:t>
+            </a:r>
+          </a:p>
+          <a:p>
+            <a:pPr marL="285750" indent="-285750">
+              <a:lnSpc>
+                <a:spcPct val="90000"/>
+              </a:lnSpc>
+              <a:spcBef>
+                <a:spcPts val="1000"/>
+              </a:spcBef>
+              <a:buChar char="•"/>
+            </a:pPr>
+            <a:r>
+              <a:rPr lang="en-US" sz="1800" dirty="0">
+                <a:solidFill>
+                  <a:schemeClr val="dk1"/>
+                </a:solidFill>
+              </a:rPr>
+              <a:t>It considers their marketing campaigns, travel restrictions, and other industry factors that may influence web traffic.</a:t>
+            </a:r>
+          </a:p>
+          <a:p>
+            <a:pPr marL="285750" indent="-285750">
+              <a:lnSpc>
+                <a:spcPct val="90000"/>
+              </a:lnSpc>
+              <a:spcBef>
+                <a:spcPts val="1000"/>
+              </a:spcBef>
+              <a:buChar char="•"/>
+            </a:pPr>
+            <a:r>
+              <a:rPr lang="en-US" sz="1800" dirty="0">
+                <a:solidFill>
+                  <a:schemeClr val="dk1"/>
+                </a:solidFill>
+              </a:rPr>
+              <a:t>The dataset consists of total users ('</a:t>
+            </a:r>
+            <a:r>
+              <a:rPr lang="en-US" sz="1800" dirty="0" err="1">
+                <a:solidFill>
+                  <a:schemeClr val="dk1"/>
+                </a:solidFill>
+              </a:rPr>
+              <a:t>Simulated_Users</a:t>
+            </a:r>
+            <a:r>
+              <a:rPr lang="en-US" sz="1800" dirty="0">
+                <a:solidFill>
+                  <a:schemeClr val="dk1"/>
+                </a:solidFill>
+              </a:rPr>
+              <a:t>') and new users ('</a:t>
+            </a:r>
+            <a:r>
+              <a:rPr lang="en-US" sz="1800" dirty="0" err="1">
+                <a:solidFill>
+                  <a:schemeClr val="dk1"/>
+                </a:solidFill>
+              </a:rPr>
+              <a:t>Simulated_New_Users</a:t>
+            </a:r>
+            <a:r>
+              <a:rPr lang="en-US" sz="1800" dirty="0">
+                <a:solidFill>
+                  <a:schemeClr val="dk1"/>
+                </a:solidFill>
+              </a:rPr>
+              <a:t>') per day, sourced from Google Analytics.</a:t>
+            </a:r>
+          </a:p>
+          <a:p>
+            <a:pPr marL="285750" indent="-285750">
+              <a:lnSpc>
+                <a:spcPct val="90000"/>
+              </a:lnSpc>
+              <a:spcBef>
+                <a:spcPts val="1000"/>
+              </a:spcBef>
+              <a:buChar char="•"/>
+            </a:pPr>
+            <a:r>
+              <a:rPr lang="en-US" sz="1800" dirty="0">
+                <a:solidFill>
+                  <a:schemeClr val="dk1"/>
+                </a:solidFill>
+              </a:rPr>
+              <a:t>It captures daily fluctuations in user engagement, essential for precise forecasting and ad optimization.</a:t>
+            </a:r>
           </a:p>
         </p:txBody>
       </p:sp>
       <p:pic>
         <p:nvPicPr>
           <p:cNvPr id="124" name="Google Shape;124;p31"/>
-          <p:cNvPicPr preferRelativeResize="0"/>
+          <p:cNvPicPr preferRelativeResize="0">
+            <a:picLocks noGrp="1"/>
+          </p:cNvPicPr>
           <p:nvPr>
-            <p:ph idx="2" type="pic"/>
+            <p:ph type="pic" idx="2"/>
           </p:nvPr>
         </p:nvPicPr>
         <p:blipFill rotWithShape="1">
-          <a:blip r:embed="rId3">
+          <a:blip r:embed="rId4">
             <a:alphaModFix/>
           </a:blip>
-          <a:srcRect b="2183" l="0" r="0" t="2183"/>
+          <a:srcRect t="2183" b="2183"/>
           <a:stretch/>
         </p:blipFill>
         <p:spPr>
@@ -7069,53 +7384,24 @@
       <p:pic>
         <p:nvPicPr>
           <p:cNvPr id="125" name="Google Shape;125;p31"/>
-          <p:cNvPicPr preferRelativeResize="0"/>
+          <p:cNvPicPr preferRelativeResize="0">
+            <a:picLocks noGrp="1"/>
+          </p:cNvPicPr>
           <p:nvPr>
-            <p:ph idx="3" type="pic"/>
+            <p:ph type="pic" idx="3"/>
           </p:nvPr>
         </p:nvPicPr>
         <p:blipFill rotWithShape="1">
-          <a:blip r:embed="rId3">
+          <a:blip r:embed="rId4">
             <a:alphaModFix/>
           </a:blip>
-          <a:srcRect b="2183" l="0" r="0" t="2183"/>
+          <a:srcRect t="2183" b="2183"/>
           <a:stretch/>
         </p:blipFill>
         <p:spPr>
           <a:xfrm>
             <a:off x="479425" y="3478212"/>
             <a:ext cx="2690813" cy="2573337"/>
-          </a:xfrm>
-          <a:prstGeom prst="rect">
-            <a:avLst/>
-          </a:prstGeom>
-          <a:solidFill>
-            <a:srgbClr val="D8D8D8"/>
-          </a:solidFill>
-          <a:ln>
-            <a:noFill/>
-          </a:ln>
-        </p:spPr>
-      </p:pic>
-      <p:pic>
-        <p:nvPicPr>
-          <p:cNvPr id="126" name="Google Shape;126;p31"/>
-          <p:cNvPicPr preferRelativeResize="0"/>
-          <p:nvPr>
-            <p:ph idx="4" type="pic"/>
-          </p:nvPr>
-        </p:nvPicPr>
-        <p:blipFill rotWithShape="1">
-          <a:blip r:embed="rId3">
-            <a:alphaModFix/>
-          </a:blip>
-          <a:srcRect b="0" l="21518" r="21519" t="0"/>
-          <a:stretch/>
-        </p:blipFill>
-        <p:spPr>
-          <a:xfrm>
-            <a:off x="3249613" y="806450"/>
-            <a:ext cx="2987674" cy="5245099"/>
           </a:xfrm>
           <a:prstGeom prst="rect">
             <a:avLst/>
@@ -7136,12 +7422,18 @@
 </p:sld>
 </file>
 
-<file path=ppt/slides/slide6.xml><?xml version="1.0" encoding="utf-8"?>
-<p:sld xmlns:a="http://schemas.openxmlformats.org/drawingml/2006/main" xmlns:r="http://schemas.openxmlformats.org/officeDocument/2006/relationships" xmlns:mc="http://schemas.openxmlformats.org/markup-compatibility/2006" xmlns:mv="urn:schemas-microsoft-com:mac:vml" xmlns:p="http://schemas.openxmlformats.org/presentationml/2006/main" xmlns:c="http://schemas.openxmlformats.org/drawingml/2006/chart" xmlns:dgm="http://schemas.openxmlformats.org/drawingml/2006/diagram" xmlns:o="urn:schemas-microsoft-com:office:office" xmlns:v="urn:schemas-microsoft-com:vml" xmlns:pvml="urn:schemas-microsoft-com:office:powerpoint" xmlns:com="http://schemas.openxmlformats.org/drawingml/2006/compatibility" xmlns:p14="http://schemas.microsoft.com/office/powerpoint/2010/main" xmlns:p15="http://schemas.microsoft.com/office/powerpoint/2012/main" xmlns:ahyp="http://schemas.microsoft.com/office/drawing/2018/hyperlinkcolor">
+<file path=ppt/slides/slide5.xml><?xml version="1.0" encoding="utf-8"?>
+<p:sld xmlns:a="http://schemas.openxmlformats.org/drawingml/2006/main" xmlns:r="http://schemas.openxmlformats.org/officeDocument/2006/relationships" xmlns:p="http://schemas.openxmlformats.org/presentationml/2006/main">
   <p:cSld>
     <p:spTree>
       <p:nvGrpSpPr>
-        <p:cNvPr id="130" name="Shape 130"/>
+        <p:cNvPr id="1" name="Shape 113">
+          <a:extLst>
+            <a:ext uri="{FF2B5EF4-FFF2-40B4-BE49-F238E27FC236}">
+              <a16:creationId xmlns:a16="http://schemas.microsoft.com/office/drawing/2014/main" id="{2248F3AB-56B3-8AFE-2170-BEA37B64F764}"/>
+            </a:ext>
+          </a:extLst>
+        </p:cNvPr>
         <p:cNvGrpSpPr/>
         <p:nvPr/>
       </p:nvGrpSpPr>
@@ -7155,36 +7447,38 @@
       </p:grpSpPr>
       <p:sp>
         <p:nvSpPr>
-          <p:cNvPr id="131" name="Google Shape;131;p32"/>
+          <p:cNvPr id="114" name="Google Shape;114;p30">
+            <a:extLst>
+              <a:ext uri="{FF2B5EF4-FFF2-40B4-BE49-F238E27FC236}">
+                <a16:creationId xmlns:a16="http://schemas.microsoft.com/office/drawing/2014/main" id="{0AD9B1C2-0B9A-6CA8-99FB-00963D2C43F5}"/>
+              </a:ext>
+            </a:extLst>
+          </p:cNvPr>
           <p:cNvSpPr/>
           <p:nvPr/>
         </p:nvSpPr>
         <p:spPr>
           <a:xfrm>
             <a:off x="0" y="0"/>
-            <a:ext cx="12192000" cy="6858000"/>
-          </a:xfrm>
-          <a:prstGeom prst="parallelogram">
-            <a:avLst>
-              <a:gd fmla="val 113095" name="adj"/>
-            </a:avLst>
+            <a:ext cx="2419500" cy="6858000"/>
+          </a:xfrm>
+          <a:prstGeom prst="rect">
+            <a:avLst/>
           </a:prstGeom>
           <a:solidFill>
-            <a:srgbClr val="F2F2F2">
-              <a:alpha val="49800"/>
-            </a:srgbClr>
+            <a:srgbClr val="DF006E"/>
           </a:solidFill>
           <a:ln>
             <a:noFill/>
           </a:ln>
         </p:spPr>
         <p:txBody>
-          <a:bodyPr anchorCtr="0" anchor="ctr" bIns="45700" lIns="91425" spcFirstLastPara="1" rIns="91425" wrap="square" tIns="45700">
+          <a:bodyPr spcFirstLastPara="1" wrap="square" lIns="91425" tIns="45700" rIns="91425" bIns="45700" anchor="ctr" anchorCtr="0">
             <a:noAutofit/>
           </a:bodyPr>
           <a:lstStyle/>
           <a:p>
-            <a:pPr indent="0" lvl="0" marL="0" marR="0" rtl="0" algn="ctr">
+            <a:pPr marL="0" marR="0" lvl="0" indent="0" algn="ctr" rtl="0">
               <a:spcBef>
                 <a:spcPts val="0"/>
               </a:spcBef>
@@ -7193,9 +7487,6 @@
               </a:spcAft>
               <a:buNone/>
             </a:pPr>
-            <a:r>
-              <a:t/>
-            </a:r>
             <a:endParaRPr sz="1800">
               <a:solidFill>
                 <a:schemeClr val="lt1"/>
@@ -7210,134 +7501,218 @@
       </p:sp>
       <p:sp>
         <p:nvSpPr>
-          <p:cNvPr id="132" name="Google Shape;132;p32"/>
-          <p:cNvSpPr/>
+          <p:cNvPr id="115" name="Google Shape;115;p30">
+            <a:extLst>
+              <a:ext uri="{FF2B5EF4-FFF2-40B4-BE49-F238E27FC236}">
+                <a16:creationId xmlns:a16="http://schemas.microsoft.com/office/drawing/2014/main" id="{BA81C15B-57FA-D1D4-465D-74AFE3E54865}"/>
+              </a:ext>
+            </a:extLst>
+          </p:cNvPr>
+          <p:cNvSpPr txBox="1"/>
           <p:nvPr/>
         </p:nvSpPr>
         <p:spPr>
           <a:xfrm>
-            <a:off x="2145566" y="3710382"/>
-            <a:ext cx="1994515" cy="1700073"/>
-          </a:xfrm>
-          <a:prstGeom prst="roundRect">
-            <a:avLst>
-              <a:gd fmla="val 2908" name="adj"/>
-            </a:avLst>
+            <a:off x="5427528" y="1032351"/>
+            <a:ext cx="5599500" cy="769401"/>
+          </a:xfrm>
+          <a:prstGeom prst="rect">
+            <a:avLst/>
+          </a:prstGeom>
+          <a:noFill/>
+          <a:ln>
+            <a:noFill/>
+          </a:ln>
+        </p:spPr>
+        <p:txBody>
+          <a:bodyPr spcFirstLastPara="1" wrap="square" lIns="91425" tIns="45700" rIns="91425" bIns="45700" anchor="t" anchorCtr="0">
+            <a:spAutoFit/>
+          </a:bodyPr>
+          <a:lstStyle/>
+          <a:p>
+            <a:r>
+              <a:rPr lang="en-US" sz="4400" b="1" dirty="0">
+                <a:solidFill>
+                  <a:srgbClr val="DF006E"/>
+                </a:solidFill>
+                <a:latin typeface="Montserrat"/>
+                <a:ea typeface="Montserrat"/>
+                <a:cs typeface="Montserrat"/>
+              </a:rPr>
+              <a:t>Success Criteria</a:t>
+            </a:r>
+          </a:p>
+        </p:txBody>
+      </p:sp>
+      <p:sp>
+        <p:nvSpPr>
+          <p:cNvPr id="116" name="Google Shape;116;p30">
+            <a:extLst>
+              <a:ext uri="{FF2B5EF4-FFF2-40B4-BE49-F238E27FC236}">
+                <a16:creationId xmlns:a16="http://schemas.microsoft.com/office/drawing/2014/main" id="{99F6607D-6C37-5495-62C8-F70B9CE76762}"/>
+              </a:ext>
+            </a:extLst>
+          </p:cNvPr>
+          <p:cNvSpPr txBox="1"/>
+          <p:nvPr/>
+        </p:nvSpPr>
+        <p:spPr>
+          <a:xfrm>
+            <a:off x="5428095" y="2267096"/>
+            <a:ext cx="5858400" cy="2737119"/>
+          </a:xfrm>
+          <a:prstGeom prst="rect">
+            <a:avLst/>
+          </a:prstGeom>
+          <a:noFill/>
+          <a:ln>
+            <a:noFill/>
+          </a:ln>
+        </p:spPr>
+        <p:txBody>
+          <a:bodyPr spcFirstLastPara="1" wrap="square" lIns="91425" tIns="45700" rIns="91425" bIns="45700" anchor="t" anchorCtr="0">
+            <a:spAutoFit/>
+          </a:bodyPr>
+          <a:lstStyle/>
+          <a:p>
+            <a:pPr marL="285750" indent="-285750">
+              <a:lnSpc>
+                <a:spcPct val="90000"/>
+              </a:lnSpc>
+              <a:spcBef>
+                <a:spcPts val="1000"/>
+              </a:spcBef>
+              <a:buChar char="•"/>
+            </a:pPr>
+            <a:r>
+              <a:rPr lang="en-US" sz="1900" b="1" dirty="0">
+                <a:solidFill>
+                  <a:schemeClr val="dk1"/>
+                </a:solidFill>
+                <a:ea typeface="Montserrat"/>
+              </a:rPr>
+              <a:t>Root Mean Squared Error (RMSE)</a:t>
+            </a:r>
+            <a:r>
+              <a:rPr lang="en-US" sz="1900" dirty="0">
+                <a:solidFill>
+                  <a:schemeClr val="dk1"/>
+                </a:solidFill>
+                <a:ea typeface="Montserrat"/>
+              </a:rPr>
+              <a:t> is used to evaluate the accuracy of our time series forecasting models, specifically focusing on predicting daily total users and new users.</a:t>
+            </a:r>
+          </a:p>
+          <a:p>
+            <a:pPr marL="285750" indent="-285750">
+              <a:lnSpc>
+                <a:spcPct val="90000"/>
+              </a:lnSpc>
+              <a:spcBef>
+                <a:spcPts val="1000"/>
+              </a:spcBef>
+              <a:buChar char="•"/>
+            </a:pPr>
+            <a:r>
+              <a:rPr lang="en-US" sz="1900" dirty="0">
+                <a:solidFill>
+                  <a:schemeClr val="dk1"/>
+                </a:solidFill>
+                <a:ea typeface="Montserrat"/>
+              </a:rPr>
+              <a:t>Achieving a low RMSE aligns with the broader goal of contributing to the sustainable development of </a:t>
+            </a:r>
+            <a:r>
+              <a:rPr lang="en-US" sz="1900" err="1">
+                <a:solidFill>
+                  <a:schemeClr val="dk1"/>
+                </a:solidFill>
+                <a:ea typeface="Montserrat"/>
+              </a:rPr>
+              <a:t>Jambojet's</a:t>
+            </a:r>
+            <a:r>
+              <a:rPr lang="en-US" sz="1900" dirty="0">
+                <a:solidFill>
+                  <a:schemeClr val="dk1"/>
+                </a:solidFill>
+                <a:ea typeface="Montserrat"/>
+              </a:rPr>
+              <a:t> online advertising ecosystem.</a:t>
+            </a:r>
+          </a:p>
+          <a:p>
+            <a:pPr>
+              <a:lnSpc>
+                <a:spcPct val="114999"/>
+              </a:lnSpc>
+            </a:pPr>
+            <a:endParaRPr lang="en-US" sz="1600" dirty="0">
+              <a:solidFill>
+                <a:schemeClr val="dk1"/>
+              </a:solidFill>
+              <a:latin typeface="Montserrat"/>
+              <a:ea typeface="Montserrat"/>
+              <a:cs typeface="Montserrat"/>
+            </a:endParaRPr>
+          </a:p>
+        </p:txBody>
+      </p:sp>
+      <p:pic>
+        <p:nvPicPr>
+          <p:cNvPr id="117" name="Google Shape;117;p30">
+            <a:extLst>
+              <a:ext uri="{FF2B5EF4-FFF2-40B4-BE49-F238E27FC236}">
+                <a16:creationId xmlns:a16="http://schemas.microsoft.com/office/drawing/2014/main" id="{C905D283-E475-103C-D0B7-FC791B63EF63}"/>
+              </a:ext>
+            </a:extLst>
+          </p:cNvPr>
+          <p:cNvPicPr preferRelativeResize="0">
+            <a:picLocks noGrp="1"/>
+          </p:cNvPicPr>
+          <p:nvPr>
+            <p:ph type="pic" idx="2"/>
+          </p:nvPr>
+        </p:nvPicPr>
+        <p:blipFill rotWithShape="1">
+          <a:blip r:embed="rId3">
+            <a:alphaModFix/>
+          </a:blip>
+          <a:srcRect l="15785" r="15785"/>
+          <a:stretch/>
+        </p:blipFill>
+        <p:spPr>
+          <a:xfrm>
+            <a:off x="301625" y="334963"/>
+            <a:ext cx="4270375" cy="6240462"/>
+          </a:xfrm>
+          <a:prstGeom prst="rect">
+            <a:avLst/>
           </a:prstGeom>
           <a:solidFill>
-            <a:schemeClr val="lt1"/>
+            <a:srgbClr val="D8D8D8"/>
           </a:solidFill>
           <a:ln>
             <a:noFill/>
           </a:ln>
-          <a:effectLst>
-            <a:outerShdw blurRad="571500" sx="98000" rotWithShape="0" algn="ctr" dir="1500000" dist="279400" sy="98000">
-              <a:srgbClr val="262626">
-                <a:alpha val="16862"/>
-              </a:srgbClr>
-            </a:outerShdw>
-          </a:effectLst>
-        </p:spPr>
-        <p:txBody>
-          <a:bodyPr anchorCtr="0" anchor="ctr" bIns="45700" lIns="91425" spcFirstLastPara="1" rIns="91425" wrap="square" tIns="45700">
-            <a:noAutofit/>
-          </a:bodyPr>
-          <a:lstStyle/>
-          <a:p>
-            <a:pPr indent="0" lvl="0" marL="0" marR="0" rtl="0" algn="ctr">
-              <a:spcBef>
-                <a:spcPts val="0"/>
-              </a:spcBef>
-              <a:spcAft>
-                <a:spcPts val="0"/>
-              </a:spcAft>
-              <a:buNone/>
-            </a:pPr>
-            <a:r>
-              <a:t/>
-            </a:r>
-            <a:endParaRPr sz="1800">
-              <a:solidFill>
-                <a:schemeClr val="lt1"/>
-              </a:solidFill>
-              <a:latin typeface="Calibri"/>
-              <a:ea typeface="Calibri"/>
-              <a:cs typeface="Calibri"/>
-              <a:sym typeface="Calibri"/>
-            </a:endParaRPr>
-          </a:p>
-        </p:txBody>
-      </p:sp>
-      <p:sp>
-        <p:nvSpPr>
-          <p:cNvPr id="133" name="Google Shape;133;p32"/>
-          <p:cNvSpPr/>
-          <p:nvPr/>
-        </p:nvSpPr>
-        <p:spPr>
-          <a:xfrm>
-            <a:off x="7836254" y="1448392"/>
-            <a:ext cx="1822879" cy="1663635"/>
-          </a:xfrm>
-          <a:prstGeom prst="roundRect">
-            <a:avLst>
-              <a:gd fmla="val 3246" name="adj"/>
-            </a:avLst>
-          </a:prstGeom>
-          <a:solidFill>
-            <a:schemeClr val="lt1"/>
-          </a:solidFill>
-          <a:ln>
-            <a:noFill/>
-          </a:ln>
-          <a:effectLst>
-            <a:outerShdw blurRad="571500" sx="98000" rotWithShape="0" algn="ctr" dir="1500000" dist="279400" sy="98000">
-              <a:srgbClr val="262626">
-                <a:alpha val="16862"/>
-              </a:srgbClr>
-            </a:outerShdw>
-          </a:effectLst>
-        </p:spPr>
-        <p:txBody>
-          <a:bodyPr anchorCtr="0" anchor="ctr" bIns="45700" lIns="91425" spcFirstLastPara="1" rIns="91425" wrap="square" tIns="45700">
-            <a:noAutofit/>
-          </a:bodyPr>
-          <a:lstStyle/>
-          <a:p>
-            <a:pPr indent="0" lvl="0" marL="0" marR="0" rtl="0" algn="ctr">
-              <a:spcBef>
-                <a:spcPts val="0"/>
-              </a:spcBef>
-              <a:spcAft>
-                <a:spcPts val="0"/>
-              </a:spcAft>
-              <a:buNone/>
-            </a:pPr>
-            <a:r>
-              <a:t/>
-            </a:r>
-            <a:endParaRPr sz="1800">
-              <a:solidFill>
-                <a:schemeClr val="lt1"/>
-              </a:solidFill>
-              <a:latin typeface="Calibri"/>
-              <a:ea typeface="Calibri"/>
-              <a:cs typeface="Calibri"/>
-              <a:sym typeface="Calibri"/>
-            </a:endParaRPr>
-          </a:p>
-        </p:txBody>
-      </p:sp>
-      <p:sp>
-        <p:nvSpPr>
-          <p:cNvPr id="134" name="Google Shape;134;p32"/>
+        </p:spPr>
+      </p:pic>
+      <p:sp>
+        <p:nvSpPr>
+          <p:cNvPr id="2" name="Google Shape;115;p30">
+            <a:extLst>
+              <a:ext uri="{FF2B5EF4-FFF2-40B4-BE49-F238E27FC236}">
+                <a16:creationId xmlns:a16="http://schemas.microsoft.com/office/drawing/2014/main" id="{D60A9EBF-3200-A882-7508-22D434E811ED}"/>
+              </a:ext>
+            </a:extLst>
+          </p:cNvPr>
           <p:cNvSpPr txBox="1"/>
           <p:nvPr/>
         </p:nvSpPr>
         <p:spPr>
           <a:xfrm>
-            <a:off x="704025" y="952500"/>
-            <a:ext cx="7964100" cy="800400"/>
+            <a:off x="5557545" y="5469559"/>
+            <a:ext cx="5599500" cy="276959"/>
           </a:xfrm>
           <a:prstGeom prst="rect">
             <a:avLst/>
@@ -7348,45 +7723,31 @@
           </a:ln>
         </p:spPr>
         <p:txBody>
-          <a:bodyPr anchorCtr="0" anchor="t" bIns="91425" lIns="91425" spcFirstLastPara="1" rIns="91425" wrap="square" tIns="91425">
+          <a:bodyPr spcFirstLastPara="1" wrap="square" lIns="91425" tIns="45700" rIns="91425" bIns="45700" anchor="t" anchorCtr="0">
             <a:spAutoFit/>
           </a:bodyPr>
           <a:lstStyle/>
           <a:p>
-            <a:pPr indent="0" lvl="0" marL="0" rtl="0" algn="l">
-              <a:spcBef>
-                <a:spcPts val="0"/>
-              </a:spcBef>
-              <a:spcAft>
-                <a:spcPts val="0"/>
-              </a:spcAft>
-              <a:buNone/>
-            </a:pPr>
             <a:r>
-              <a:rPr b="1" lang="en-US" sz="4000">
+              <a:rPr lang="en-US" sz="1200" b="1" dirty="0">
                 <a:solidFill>
                   <a:srgbClr val="DF006E"/>
                 </a:solidFill>
-                <a:latin typeface="Montserrat"/>
+                <a:latin typeface="Andale Mono" panose="020B0509000000000004" pitchFamily="49" charset="0"/>
                 <a:ea typeface="Montserrat"/>
                 <a:cs typeface="Montserrat"/>
-                <a:sym typeface="Montserrat"/>
               </a:rPr>
-              <a:t>Visualization</a:t>
+              <a:t>Based on type of presentation</a:t>
             </a:r>
-            <a:endParaRPr b="1" sz="4000">
-              <a:solidFill>
-                <a:srgbClr val="DF006E"/>
-              </a:solidFill>
-              <a:latin typeface="Montserrat"/>
-              <a:ea typeface="Montserrat"/>
-              <a:cs typeface="Montserrat"/>
-              <a:sym typeface="Montserrat"/>
-            </a:endParaRPr>
           </a:p>
         </p:txBody>
       </p:sp>
     </p:spTree>
+    <p:extLst>
+      <p:ext uri="{BB962C8B-B14F-4D97-AF65-F5344CB8AC3E}">
+        <p14:creationId xmlns:p14="http://schemas.microsoft.com/office/powerpoint/2010/main" val="1268701241"/>
+      </p:ext>
+    </p:extLst>
   </p:cSld>
   <p:clrMapOvr>
     <a:masterClrMapping/>
@@ -7394,12 +7755,12 @@
 </p:sld>
 </file>
 
-<file path=ppt/slides/slide7.xml><?xml version="1.0" encoding="utf-8"?>
-<p:sld xmlns:a="http://schemas.openxmlformats.org/drawingml/2006/main" xmlns:r="http://schemas.openxmlformats.org/officeDocument/2006/relationships" xmlns:mc="http://schemas.openxmlformats.org/markup-compatibility/2006" xmlns:mv="urn:schemas-microsoft-com:mac:vml" xmlns:p="http://schemas.openxmlformats.org/presentationml/2006/main" xmlns:c="http://schemas.openxmlformats.org/drawingml/2006/chart" xmlns:dgm="http://schemas.openxmlformats.org/drawingml/2006/diagram" xmlns:o="urn:schemas-microsoft-com:office:office" xmlns:v="urn:schemas-microsoft-com:vml" xmlns:pvml="urn:schemas-microsoft-com:office:powerpoint" xmlns:com="http://schemas.openxmlformats.org/drawingml/2006/compatibility" xmlns:p14="http://schemas.microsoft.com/office/powerpoint/2010/main" xmlns:p15="http://schemas.microsoft.com/office/powerpoint/2012/main" xmlns:ahyp="http://schemas.microsoft.com/office/drawing/2018/hyperlinkcolor">
+<file path=ppt/slides/slide6.xml><?xml version="1.0" encoding="utf-8"?>
+<p:sld xmlns:a="http://schemas.openxmlformats.org/drawingml/2006/main" xmlns:r="http://schemas.openxmlformats.org/officeDocument/2006/relationships" xmlns:p="http://schemas.openxmlformats.org/presentationml/2006/main">
   <p:cSld>
     <p:spTree>
       <p:nvGrpSpPr>
-        <p:cNvPr id="138" name="Shape 138"/>
+        <p:cNvPr id="1" name="Shape 130"/>
         <p:cNvGrpSpPr/>
         <p:nvPr/>
       </p:nvGrpSpPr>
@@ -7411,6 +7772,148 @@
           <a:chExt cx="0" cy="0"/>
         </a:xfrm>
       </p:grpSpPr>
+      <p:pic>
+        <p:nvPicPr>
+          <p:cNvPr id="5" name="Picture 4">
+            <a:extLst>
+              <a:ext uri="{FF2B5EF4-FFF2-40B4-BE49-F238E27FC236}">
+                <a16:creationId xmlns:a16="http://schemas.microsoft.com/office/drawing/2014/main" id="{166C6F9C-9FBA-37A0-FA30-AA21302859BF}"/>
+              </a:ext>
+            </a:extLst>
+          </p:cNvPr>
+          <p:cNvPicPr>
+            <a:picLocks noChangeAspect="1"/>
+          </p:cNvPicPr>
+          <p:nvPr/>
+        </p:nvPicPr>
+        <p:blipFill>
+          <a:blip r:embed="rId3"/>
+          <a:stretch>
+            <a:fillRect/>
+          </a:stretch>
+        </p:blipFill>
+        <p:spPr>
+          <a:xfrm>
+            <a:off x="1511300" y="726587"/>
+            <a:ext cx="9169400" cy="5282484"/>
+          </a:xfrm>
+          <a:prstGeom prst="rect">
+            <a:avLst/>
+          </a:prstGeom>
+        </p:spPr>
+      </p:pic>
+      <p:sp>
+        <p:nvSpPr>
+          <p:cNvPr id="134" name="Google Shape;134;p32"/>
+          <p:cNvSpPr txBox="1"/>
+          <p:nvPr/>
+        </p:nvSpPr>
+        <p:spPr>
+          <a:xfrm>
+            <a:off x="326157" y="188529"/>
+            <a:ext cx="7964100" cy="723245"/>
+          </a:xfrm>
+          <a:prstGeom prst="rect">
+            <a:avLst/>
+          </a:prstGeom>
+          <a:noFill/>
+          <a:ln>
+            <a:noFill/>
+          </a:ln>
+        </p:spPr>
+        <p:txBody>
+          <a:bodyPr spcFirstLastPara="1" wrap="square" lIns="91425" tIns="91425" rIns="91425" bIns="91425" anchor="t" anchorCtr="0">
+            <a:spAutoFit/>
+          </a:bodyPr>
+          <a:lstStyle/>
+          <a:p>
+            <a:pPr marL="0" lvl="0" indent="0" algn="l" rtl="0">
+              <a:spcBef>
+                <a:spcPts val="0"/>
+              </a:spcBef>
+              <a:spcAft>
+                <a:spcPts val="0"/>
+              </a:spcAft>
+              <a:buNone/>
+            </a:pPr>
+            <a:r>
+              <a:rPr lang="en-US" sz="3500" b="1" dirty="0">
+                <a:solidFill>
+                  <a:srgbClr val="DF006E"/>
+                </a:solidFill>
+                <a:latin typeface="Montserrat"/>
+                <a:ea typeface="Montserrat"/>
+                <a:cs typeface="Montserrat"/>
+                <a:sym typeface="Montserrat"/>
+              </a:rPr>
+              <a:t>Visualization</a:t>
+            </a:r>
+            <a:endParaRPr sz="3500" b="1" dirty="0">
+              <a:solidFill>
+                <a:srgbClr val="DF006E"/>
+              </a:solidFill>
+              <a:latin typeface="Montserrat"/>
+              <a:ea typeface="Montserrat"/>
+              <a:cs typeface="Montserrat"/>
+              <a:sym typeface="Montserrat"/>
+            </a:endParaRPr>
+          </a:p>
+        </p:txBody>
+      </p:sp>
+      <p:sp>
+        <p:nvSpPr>
+          <p:cNvPr id="6" name="Rectangle 5">
+            <a:extLst>
+              <a:ext uri="{FF2B5EF4-FFF2-40B4-BE49-F238E27FC236}">
+                <a16:creationId xmlns:a16="http://schemas.microsoft.com/office/drawing/2014/main" id="{FB2C5D70-0932-9DBA-EBDC-8CE9BFAFA9C5}"/>
+              </a:ext>
+            </a:extLst>
+          </p:cNvPr>
+          <p:cNvSpPr/>
+          <p:nvPr/>
+        </p:nvSpPr>
+        <p:spPr>
+          <a:xfrm>
+            <a:off x="-372533" y="6009071"/>
+            <a:ext cx="12937066" cy="1320800"/>
+          </a:xfrm>
+          <a:prstGeom prst="rect">
+            <a:avLst/>
+          </a:prstGeom>
+          <a:solidFill>
+            <a:srgbClr val="942093"/>
+          </a:solidFill>
+          <a:ln>
+            <a:solidFill>
+              <a:srgbClr val="942093"/>
+            </a:solidFill>
+          </a:ln>
+        </p:spPr>
+        <p:style>
+          <a:lnRef idx="2">
+            <a:schemeClr val="accent1">
+              <a:shade val="15000"/>
+            </a:schemeClr>
+          </a:lnRef>
+          <a:fillRef idx="1">
+            <a:schemeClr val="accent1"/>
+          </a:fillRef>
+          <a:effectRef idx="0">
+            <a:schemeClr val="accent1"/>
+          </a:effectRef>
+          <a:fontRef idx="minor">
+            <a:schemeClr val="lt1"/>
+          </a:fontRef>
+        </p:style>
+        <p:txBody>
+          <a:bodyPr rtlCol="0" anchor="ctr"/>
+          <a:lstStyle/>
+          <a:p>
+            <a:pPr algn="ctr"/>
+            <a:endParaRPr lang="en-KE"/>
+          </a:p>
+        </p:txBody>
+      </p:sp>
     </p:spTree>
   </p:cSld>
   <p:clrMapOvr>
@@ -7419,19 +7922,249 @@
 </p:sld>
 </file>
 
+<file path=ppt/slides/slide7.xml><?xml version="1.0" encoding="utf-8"?>
+<p:sld xmlns:a="http://schemas.openxmlformats.org/drawingml/2006/main" xmlns:r="http://schemas.openxmlformats.org/officeDocument/2006/relationships" xmlns:p="http://schemas.openxmlformats.org/presentationml/2006/main">
+  <p:cSld>
+    <p:spTree>
+      <p:nvGrpSpPr>
+        <p:cNvPr id="1" name="Shape 89">
+          <a:extLst>
+            <a:ext uri="{FF2B5EF4-FFF2-40B4-BE49-F238E27FC236}">
+              <a16:creationId xmlns:a16="http://schemas.microsoft.com/office/drawing/2014/main" id="{5D3A50BA-1EFF-7D20-2FD6-7700F110DB2F}"/>
+            </a:ext>
+          </a:extLst>
+        </p:cNvPr>
+        <p:cNvGrpSpPr/>
+        <p:nvPr/>
+      </p:nvGrpSpPr>
+      <p:grpSpPr>
+        <a:xfrm>
+          <a:off x="0" y="0"/>
+          <a:ext cx="0" cy="0"/>
+          <a:chOff x="0" y="0"/>
+          <a:chExt cx="0" cy="0"/>
+        </a:xfrm>
+      </p:grpSpPr>
+      <p:pic>
+        <p:nvPicPr>
+          <p:cNvPr id="6" name="Picture 5">
+            <a:extLst>
+              <a:ext uri="{FF2B5EF4-FFF2-40B4-BE49-F238E27FC236}">
+                <a16:creationId xmlns:a16="http://schemas.microsoft.com/office/drawing/2014/main" id="{CF5816D0-39CC-C8EB-4166-B191945AD6C9}"/>
+              </a:ext>
+            </a:extLst>
+          </p:cNvPr>
+          <p:cNvPicPr>
+            <a:picLocks noChangeAspect="1"/>
+          </p:cNvPicPr>
+          <p:nvPr/>
+        </p:nvPicPr>
+        <p:blipFill>
+          <a:blip r:embed="rId3"/>
+          <a:stretch>
+            <a:fillRect/>
+          </a:stretch>
+        </p:blipFill>
+        <p:spPr>
+          <a:xfrm>
+            <a:off x="1376384" y="375693"/>
+            <a:ext cx="9439231" cy="5093771"/>
+          </a:xfrm>
+          <a:prstGeom prst="rect">
+            <a:avLst/>
+          </a:prstGeom>
+        </p:spPr>
+      </p:pic>
+      <p:sp>
+        <p:nvSpPr>
+          <p:cNvPr id="7" name="Rectangle 6">
+            <a:extLst>
+              <a:ext uri="{FF2B5EF4-FFF2-40B4-BE49-F238E27FC236}">
+                <a16:creationId xmlns:a16="http://schemas.microsoft.com/office/drawing/2014/main" id="{5591EB91-FC67-2573-DF5D-A703BB7C70A1}"/>
+              </a:ext>
+            </a:extLst>
+          </p:cNvPr>
+          <p:cNvSpPr/>
+          <p:nvPr/>
+        </p:nvSpPr>
+        <p:spPr>
+          <a:xfrm>
+            <a:off x="-372533" y="5900911"/>
+            <a:ext cx="12937066" cy="1320800"/>
+          </a:xfrm>
+          <a:prstGeom prst="rect">
+            <a:avLst/>
+          </a:prstGeom>
+          <a:solidFill>
+            <a:srgbClr val="942093"/>
+          </a:solidFill>
+          <a:ln>
+            <a:solidFill>
+              <a:srgbClr val="942093"/>
+            </a:solidFill>
+          </a:ln>
+        </p:spPr>
+        <p:style>
+          <a:lnRef idx="2">
+            <a:schemeClr val="accent1">
+              <a:shade val="15000"/>
+            </a:schemeClr>
+          </a:lnRef>
+          <a:fillRef idx="1">
+            <a:schemeClr val="accent1"/>
+          </a:fillRef>
+          <a:effectRef idx="0">
+            <a:schemeClr val="accent1"/>
+          </a:effectRef>
+          <a:fontRef idx="minor">
+            <a:schemeClr val="lt1"/>
+          </a:fontRef>
+        </p:style>
+        <p:txBody>
+          <a:bodyPr rtlCol="0" anchor="ctr"/>
+          <a:lstStyle/>
+          <a:p>
+            <a:pPr algn="ctr"/>
+            <a:endParaRPr lang="en-KE"/>
+          </a:p>
+        </p:txBody>
+      </p:sp>
+    </p:spTree>
+    <p:extLst>
+      <p:ext uri="{BB962C8B-B14F-4D97-AF65-F5344CB8AC3E}">
+        <p14:creationId xmlns:p14="http://schemas.microsoft.com/office/powerpoint/2010/main" val="3361693901"/>
+      </p:ext>
+    </p:extLst>
+  </p:cSld>
+  <p:clrMapOvr>
+    <a:masterClrMapping/>
+  </p:clrMapOvr>
+</p:sld>
+</file>
+
 <file path=ppt/slides/slide8.xml><?xml version="1.0" encoding="utf-8"?>
-<p:sld xmlns:a="http://schemas.openxmlformats.org/drawingml/2006/main" xmlns:r="http://schemas.openxmlformats.org/officeDocument/2006/relationships" xmlns:mc="http://schemas.openxmlformats.org/markup-compatibility/2006" xmlns:mv="urn:schemas-microsoft-com:mac:vml" xmlns:p="http://schemas.openxmlformats.org/presentationml/2006/main" xmlns:c="http://schemas.openxmlformats.org/drawingml/2006/chart" xmlns:dgm="http://schemas.openxmlformats.org/drawingml/2006/diagram" xmlns:o="urn:schemas-microsoft-com:office:office" xmlns:v="urn:schemas-microsoft-com:vml" xmlns:pvml="urn:schemas-microsoft-com:office:powerpoint" xmlns:com="http://schemas.openxmlformats.org/drawingml/2006/compatibility" xmlns:p14="http://schemas.microsoft.com/office/powerpoint/2010/main" xmlns:p15="http://schemas.microsoft.com/office/powerpoint/2012/main" xmlns:ahyp="http://schemas.microsoft.com/office/drawing/2018/hyperlinkcolor">
+<p:sld xmlns:a="http://schemas.openxmlformats.org/drawingml/2006/main" xmlns:r="http://schemas.openxmlformats.org/officeDocument/2006/relationships" xmlns:p="http://schemas.openxmlformats.org/presentationml/2006/main">
+  <p:cSld>
+    <p:spTree>
+      <p:nvGrpSpPr>
+        <p:cNvPr id="1" name="Shape 138"/>
+        <p:cNvGrpSpPr/>
+        <p:nvPr/>
+      </p:nvGrpSpPr>
+      <p:grpSpPr>
+        <a:xfrm>
+          <a:off x="0" y="0"/>
+          <a:ext cx="0" cy="0"/>
+          <a:chOff x="0" y="0"/>
+          <a:chExt cx="0" cy="0"/>
+        </a:xfrm>
+      </p:grpSpPr>
+      <p:pic>
+        <p:nvPicPr>
+          <p:cNvPr id="2" name="Picture 1">
+            <a:extLst>
+              <a:ext uri="{FF2B5EF4-FFF2-40B4-BE49-F238E27FC236}">
+                <a16:creationId xmlns:a16="http://schemas.microsoft.com/office/drawing/2014/main" id="{DF771E31-FB84-CEE0-307D-F002B957C1A1}"/>
+              </a:ext>
+            </a:extLst>
+          </p:cNvPr>
+          <p:cNvPicPr>
+            <a:picLocks noChangeAspect="1"/>
+          </p:cNvPicPr>
+          <p:nvPr/>
+        </p:nvPicPr>
+        <p:blipFill>
+          <a:blip r:embed="rId3"/>
+          <a:stretch>
+            <a:fillRect/>
+          </a:stretch>
+        </p:blipFill>
+        <p:spPr>
+          <a:xfrm>
+            <a:off x="1365079" y="178156"/>
+            <a:ext cx="9461842" cy="5511443"/>
+          </a:xfrm>
+          <a:prstGeom prst="rect">
+            <a:avLst/>
+          </a:prstGeom>
+        </p:spPr>
+      </p:pic>
+      <p:sp>
+        <p:nvSpPr>
+          <p:cNvPr id="3" name="Rectangle 2">
+            <a:extLst>
+              <a:ext uri="{FF2B5EF4-FFF2-40B4-BE49-F238E27FC236}">
+                <a16:creationId xmlns:a16="http://schemas.microsoft.com/office/drawing/2014/main" id="{5A4A6657-ED70-9A83-E477-19BEDDBACE63}"/>
+              </a:ext>
+            </a:extLst>
+          </p:cNvPr>
+          <p:cNvSpPr/>
+          <p:nvPr/>
+        </p:nvSpPr>
+        <p:spPr>
+          <a:xfrm>
+            <a:off x="-372533" y="5985578"/>
+            <a:ext cx="12937066" cy="1320800"/>
+          </a:xfrm>
+          <a:prstGeom prst="rect">
+            <a:avLst/>
+          </a:prstGeom>
+          <a:solidFill>
+            <a:srgbClr val="FF2F92"/>
+          </a:solidFill>
+          <a:ln>
+            <a:solidFill>
+              <a:srgbClr val="FF2F92"/>
+            </a:solidFill>
+          </a:ln>
+        </p:spPr>
+        <p:style>
+          <a:lnRef idx="2">
+            <a:schemeClr val="accent1">
+              <a:shade val="15000"/>
+            </a:schemeClr>
+          </a:lnRef>
+          <a:fillRef idx="1">
+            <a:schemeClr val="accent1"/>
+          </a:fillRef>
+          <a:effectRef idx="0">
+            <a:schemeClr val="accent1"/>
+          </a:effectRef>
+          <a:fontRef idx="minor">
+            <a:schemeClr val="lt1"/>
+          </a:fontRef>
+        </p:style>
+        <p:txBody>
+          <a:bodyPr rtlCol="0" anchor="ctr"/>
+          <a:lstStyle/>
+          <a:p>
+            <a:pPr algn="ctr"/>
+            <a:endParaRPr lang="en-KE"/>
+          </a:p>
+        </p:txBody>
+      </p:sp>
+    </p:spTree>
+  </p:cSld>
+  <p:clrMapOvr>
+    <a:masterClrMapping/>
+  </p:clrMapOvr>
+</p:sld>
+</file>
+
+<file path=ppt/slides/slide9.xml><?xml version="1.0" encoding="utf-8"?>
+<p:sld xmlns:a="http://schemas.openxmlformats.org/drawingml/2006/main" xmlns:r="http://schemas.openxmlformats.org/officeDocument/2006/relationships" xmlns:p="http://schemas.openxmlformats.org/presentationml/2006/main">
   <p:cSld>
     <p:bg>
       <p:bgPr>
         <a:solidFill>
           <a:srgbClr val="FFDD00"/>
         </a:solidFill>
+        <a:effectLst/>
       </p:bgPr>
     </p:bg>
     <p:spTree>
       <p:nvGrpSpPr>
-        <p:cNvPr id="142" name="Shape 142"/>
+        <p:cNvPr id="1" name="Shape 142"/>
         <p:cNvGrpSpPr/>
         <p:nvPr/>
       </p:nvGrpSpPr>
@@ -7446,16 +8179,18 @@
       <p:pic>
         <p:nvPicPr>
           <p:cNvPr id="143" name="Google Shape;143;p34"/>
-          <p:cNvPicPr preferRelativeResize="0"/>
+          <p:cNvPicPr preferRelativeResize="0">
+            <a:picLocks noGrp="1"/>
+          </p:cNvPicPr>
           <p:nvPr>
-            <p:ph idx="2" type="pic"/>
+            <p:ph type="pic" idx="2"/>
           </p:nvPr>
         </p:nvPicPr>
         <p:blipFill rotWithShape="1">
           <a:blip r:embed="rId3">
             <a:alphaModFix/>
           </a:blip>
-          <a:srcRect b="0" l="26068" r="26068" t="0"/>
+          <a:srcRect l="26068" r="26068"/>
           <a:stretch/>
         </p:blipFill>
         <p:spPr>
@@ -7465,7 +8200,7 @@
           </a:xfrm>
           <a:prstGeom prst="roundRect">
             <a:avLst>
-              <a:gd fmla="val 12194" name="adj"/>
+              <a:gd name="adj" fmla="val 12194"/>
             </a:avLst>
           </a:prstGeom>
           <a:solidFill>
@@ -7486,7 +8221,7 @@
           <a:blip r:embed="rId4">
             <a:alphaModFix/>
           </a:blip>
-          <a:srcRect b="0" l="0" r="0" t="0"/>
+          <a:srcRect/>
           <a:stretch/>
         </p:blipFill>
         <p:spPr>
@@ -7523,12 +8258,12 @@
           </a:ln>
         </p:spPr>
         <p:txBody>
-          <a:bodyPr anchorCtr="0" anchor="t" bIns="91425" lIns="91425" spcFirstLastPara="1" rIns="91425" wrap="square" tIns="91425">
+          <a:bodyPr spcFirstLastPara="1" wrap="square" lIns="91425" tIns="91425" rIns="91425" bIns="91425" anchor="t" anchorCtr="0">
             <a:spAutoFit/>
           </a:bodyPr>
           <a:lstStyle/>
           <a:p>
-            <a:pPr indent="0" lvl="0" marL="0" rtl="0" algn="l">
+            <a:pPr marL="0" lvl="0" indent="0" algn="l" rtl="0">
               <a:spcBef>
                 <a:spcPts val="0"/>
               </a:spcBef>
@@ -7538,7 +8273,7 @@
               <a:buNone/>
             </a:pPr>
             <a:r>
-              <a:rPr b="1" lang="en-US" sz="4400">
+              <a:rPr lang="en-US" sz="4400" b="1">
                 <a:solidFill>
                   <a:srgbClr val="DF006E"/>
                 </a:solidFill>
@@ -7549,7 +8284,7 @@
               </a:rPr>
               <a:t>Conclusion</a:t>
             </a:r>
-            <a:endParaRPr b="1" sz="4400">
+            <a:endParaRPr sz="4400" b="1">
               <a:solidFill>
                 <a:srgbClr val="DF006E"/>
               </a:solidFill>
@@ -7581,12 +8316,12 @@
           </a:ln>
         </p:spPr>
         <p:txBody>
-          <a:bodyPr anchorCtr="0" anchor="t" bIns="91425" lIns="91425" spcFirstLastPara="1" rIns="91425" wrap="square" tIns="91425">
+          <a:bodyPr spcFirstLastPara="1" wrap="square" lIns="91425" tIns="91425" rIns="91425" bIns="91425" anchor="t" anchorCtr="0">
             <a:noAutofit/>
           </a:bodyPr>
           <a:lstStyle/>
           <a:p>
-            <a:pPr indent="0" lvl="0" marL="0" rtl="0" algn="l">
+            <a:pPr marL="0" lvl="0" indent="0" algn="l" rtl="0">
               <a:lnSpc>
                 <a:spcPct val="115000"/>
               </a:lnSpc>
@@ -7625,7 +8360,7 @@
             </a:endParaRPr>
           </a:p>
           <a:p>
-            <a:pPr indent="0" lvl="0" marL="0" rtl="0" algn="l">
+            <a:pPr marL="0" lvl="0" indent="0" algn="l" rtl="0">
               <a:spcBef>
                 <a:spcPts val="0"/>
               </a:spcBef>
@@ -7634,281 +8369,6 @@
               </a:spcAft>
               <a:buNone/>
             </a:pPr>
-            <a:r>
-              <a:t/>
-            </a:r>
-            <a:endParaRPr/>
-          </a:p>
-        </p:txBody>
-      </p:sp>
-    </p:spTree>
-  </p:cSld>
-  <p:clrMapOvr>
-    <a:masterClrMapping/>
-  </p:clrMapOvr>
-</p:sld>
-</file>
-
-<file path=ppt/slides/slide9.xml><?xml version="1.0" encoding="utf-8"?>
-<p:sld xmlns:a="http://schemas.openxmlformats.org/drawingml/2006/main" xmlns:r="http://schemas.openxmlformats.org/officeDocument/2006/relationships" xmlns:mc="http://schemas.openxmlformats.org/markup-compatibility/2006" xmlns:mv="urn:schemas-microsoft-com:mac:vml" xmlns:p="http://schemas.openxmlformats.org/presentationml/2006/main" xmlns:c="http://schemas.openxmlformats.org/drawingml/2006/chart" xmlns:dgm="http://schemas.openxmlformats.org/drawingml/2006/diagram" xmlns:o="urn:schemas-microsoft-com:office:office" xmlns:v="urn:schemas-microsoft-com:vml" xmlns:pvml="urn:schemas-microsoft-com:office:powerpoint" xmlns:com="http://schemas.openxmlformats.org/drawingml/2006/compatibility" xmlns:p14="http://schemas.microsoft.com/office/powerpoint/2010/main" xmlns:p15="http://schemas.microsoft.com/office/powerpoint/2012/main" xmlns:ahyp="http://schemas.microsoft.com/office/drawing/2018/hyperlinkcolor">
-  <p:cSld>
-    <p:spTree>
-      <p:nvGrpSpPr>
-        <p:cNvPr id="150" name="Shape 150"/>
-        <p:cNvGrpSpPr/>
-        <p:nvPr/>
-      </p:nvGrpSpPr>
-      <p:grpSpPr>
-        <a:xfrm>
-          <a:off x="0" y="0"/>
-          <a:ext cx="0" cy="0"/>
-          <a:chOff x="0" y="0"/>
-          <a:chExt cx="0" cy="0"/>
-        </a:xfrm>
-      </p:grpSpPr>
-      <p:sp>
-        <p:nvSpPr>
-          <p:cNvPr id="151" name="Google Shape;151;p35"/>
-          <p:cNvSpPr/>
-          <p:nvPr/>
-        </p:nvSpPr>
-        <p:spPr>
-          <a:xfrm>
-            <a:off x="0" y="5425100"/>
-            <a:ext cx="12192000" cy="1432800"/>
-          </a:xfrm>
-          <a:prstGeom prst="roundRect">
-            <a:avLst>
-              <a:gd fmla="val 1191" name="adj"/>
-            </a:avLst>
-          </a:prstGeom>
-          <a:solidFill>
-            <a:srgbClr val="DF006E"/>
-          </a:solidFill>
-          <a:ln>
-            <a:noFill/>
-          </a:ln>
-        </p:spPr>
-        <p:txBody>
-          <a:bodyPr anchorCtr="0" anchor="ctr" bIns="45700" lIns="91425" spcFirstLastPara="1" rIns="91425" wrap="square" tIns="45700">
-            <a:noAutofit/>
-          </a:bodyPr>
-          <a:lstStyle/>
-          <a:p>
-            <a:pPr indent="0" lvl="0" marL="0" marR="0" rtl="0" algn="ctr">
-              <a:spcBef>
-                <a:spcPts val="0"/>
-              </a:spcBef>
-              <a:spcAft>
-                <a:spcPts val="0"/>
-              </a:spcAft>
-              <a:buNone/>
-            </a:pPr>
-            <a:r>
-              <a:t/>
-            </a:r>
-            <a:endParaRPr sz="1800">
-              <a:solidFill>
-                <a:schemeClr val="lt1"/>
-              </a:solidFill>
-              <a:latin typeface="Calibri"/>
-              <a:ea typeface="Calibri"/>
-              <a:cs typeface="Calibri"/>
-              <a:sym typeface="Calibri"/>
-            </a:endParaRPr>
-          </a:p>
-        </p:txBody>
-      </p:sp>
-      <p:pic>
-        <p:nvPicPr>
-          <p:cNvPr id="152" name="Google Shape;152;p35"/>
-          <p:cNvPicPr preferRelativeResize="0"/>
-          <p:nvPr>
-            <p:ph idx="2" type="pic"/>
-          </p:nvPr>
-        </p:nvPicPr>
-        <p:blipFill rotWithShape="1">
-          <a:blip r:embed="rId3">
-            <a:alphaModFix/>
-          </a:blip>
-          <a:srcRect b="0" l="26490" r="26490" t="0"/>
-          <a:stretch/>
-        </p:blipFill>
-        <p:spPr>
-          <a:xfrm>
-            <a:off x="8445500" y="1038225"/>
-            <a:ext cx="2366963" cy="5033963"/>
-          </a:xfrm>
-          <a:prstGeom prst="roundRect">
-            <a:avLst>
-              <a:gd fmla="val 12755" name="adj"/>
-            </a:avLst>
-          </a:prstGeom>
-          <a:solidFill>
-            <a:srgbClr val="D8D8D8"/>
-          </a:solidFill>
-          <a:ln>
-            <a:noFill/>
-          </a:ln>
-        </p:spPr>
-      </p:pic>
-      <p:pic>
-        <p:nvPicPr>
-          <p:cNvPr id="153" name="Google Shape;153;p35"/>
-          <p:cNvPicPr preferRelativeResize="0"/>
-          <p:nvPr/>
-        </p:nvPicPr>
-        <p:blipFill rotWithShape="1">
-          <a:blip r:embed="rId4">
-            <a:alphaModFix/>
-          </a:blip>
-          <a:srcRect b="0" l="0" r="0" t="0"/>
-          <a:stretch/>
-        </p:blipFill>
-        <p:spPr>
-          <a:xfrm>
-            <a:off x="8311755" y="937880"/>
-            <a:ext cx="2613691" cy="5271249"/>
-          </a:xfrm>
-          <a:prstGeom prst="rect">
-            <a:avLst/>
-          </a:prstGeom>
-          <a:noFill/>
-          <a:ln>
-            <a:noFill/>
-          </a:ln>
-        </p:spPr>
-      </p:pic>
-      <p:sp>
-        <p:nvSpPr>
-          <p:cNvPr id="154" name="Google Shape;154;p35"/>
-          <p:cNvSpPr txBox="1"/>
-          <p:nvPr/>
-        </p:nvSpPr>
-        <p:spPr>
-          <a:xfrm>
-            <a:off x="479425" y="441325"/>
-            <a:ext cx="6850800" cy="861900"/>
-          </a:xfrm>
-          <a:prstGeom prst="rect">
-            <a:avLst/>
-          </a:prstGeom>
-          <a:noFill/>
-          <a:ln>
-            <a:noFill/>
-          </a:ln>
-        </p:spPr>
-        <p:txBody>
-          <a:bodyPr anchorCtr="0" anchor="t" bIns="91425" lIns="91425" spcFirstLastPara="1" rIns="91425" wrap="square" tIns="91425">
-            <a:spAutoFit/>
-          </a:bodyPr>
-          <a:lstStyle/>
-          <a:p>
-            <a:pPr indent="0" lvl="0" marL="0" rtl="0" algn="l">
-              <a:spcBef>
-                <a:spcPts val="0"/>
-              </a:spcBef>
-              <a:spcAft>
-                <a:spcPts val="0"/>
-              </a:spcAft>
-              <a:buNone/>
-            </a:pPr>
-            <a:r>
-              <a:rPr b="1" lang="en-US" sz="4400">
-                <a:solidFill>
-                  <a:srgbClr val="DF006E"/>
-                </a:solidFill>
-                <a:latin typeface="Montserrat"/>
-                <a:ea typeface="Montserrat"/>
-                <a:cs typeface="Montserrat"/>
-                <a:sym typeface="Montserrat"/>
-              </a:rPr>
-              <a:t>Recommendations</a:t>
-            </a:r>
-            <a:endParaRPr b="1" sz="4400">
-              <a:solidFill>
-                <a:srgbClr val="DF006E"/>
-              </a:solidFill>
-              <a:latin typeface="Montserrat"/>
-              <a:ea typeface="Montserrat"/>
-              <a:cs typeface="Montserrat"/>
-              <a:sym typeface="Montserrat"/>
-            </a:endParaRPr>
-          </a:p>
-        </p:txBody>
-      </p:sp>
-      <p:sp>
-        <p:nvSpPr>
-          <p:cNvPr id="155" name="Google Shape;155;p35"/>
-          <p:cNvSpPr txBox="1"/>
-          <p:nvPr/>
-        </p:nvSpPr>
-        <p:spPr>
-          <a:xfrm>
-            <a:off x="496950" y="1573700"/>
-            <a:ext cx="6708900" cy="2194800"/>
-          </a:xfrm>
-          <a:prstGeom prst="rect">
-            <a:avLst/>
-          </a:prstGeom>
-          <a:noFill/>
-          <a:ln>
-            <a:noFill/>
-          </a:ln>
-        </p:spPr>
-        <p:txBody>
-          <a:bodyPr anchorCtr="0" anchor="t" bIns="91425" lIns="91425" spcFirstLastPara="1" rIns="91425" wrap="square" tIns="91425">
-            <a:noAutofit/>
-          </a:bodyPr>
-          <a:lstStyle/>
-          <a:p>
-            <a:pPr indent="0" lvl="0" marL="0" rtl="0" algn="l">
-              <a:lnSpc>
-                <a:spcPct val="115000"/>
-              </a:lnSpc>
-              <a:spcBef>
-                <a:spcPts val="0"/>
-              </a:spcBef>
-              <a:spcAft>
-                <a:spcPts val="0"/>
-              </a:spcAft>
-              <a:buNone/>
-            </a:pPr>
-            <a:r>
-              <a:rPr lang="en-US" sz="1700">
-                <a:solidFill>
-                  <a:schemeClr val="dk1"/>
-                </a:solidFill>
-                <a:latin typeface="Montserrat Medium"/>
-                <a:ea typeface="Montserrat Medium"/>
-                <a:cs typeface="Montserrat Medium"/>
-                <a:sym typeface="Montserrat Medium"/>
-              </a:rPr>
-              <a:t>Lorem ipsu conse lectus ornare, pellentesque. viverra ctetur adipiscing elitd Pellentesque sceler scelerisq dolor sit amet, conse malesuada lorem ipsum Dellentesque scelerisq malesuada apell entesque selerisqn Lorem ipsu conse lectus ornare, pellentesque. viverra ctetur adipiscing elitd Pellentesque sceler scelerisq dolor sit amet, conse malesuada lorem ipsum Dellentesque</a:t>
-            </a:r>
-            <a:endParaRPr sz="1700">
-              <a:solidFill>
-                <a:schemeClr val="dk1"/>
-              </a:solidFill>
-              <a:latin typeface="Montserrat Medium"/>
-              <a:ea typeface="Montserrat Medium"/>
-              <a:cs typeface="Montserrat Medium"/>
-              <a:sym typeface="Montserrat Medium"/>
-            </a:endParaRPr>
-          </a:p>
-          <a:p>
-            <a:pPr indent="0" lvl="0" marL="0" rtl="0" algn="l">
-              <a:spcBef>
-                <a:spcPts val="0"/>
-              </a:spcBef>
-              <a:spcAft>
-                <a:spcPts val="0"/>
-              </a:spcAft>
-              <a:buNone/>
-            </a:pPr>
-            <a:r>
-              <a:t/>
-            </a:r>
             <a:endParaRPr/>
           </a:p>
         </p:txBody>
@@ -7922,7 +8382,7 @@
 </file>
 
 <file path=ppt/theme/theme1.xml><?xml version="1.0" encoding="utf-8"?>
-<a:theme xmlns:a="http://schemas.openxmlformats.org/drawingml/2006/main" xmlns:r="http://schemas.openxmlformats.org/officeDocument/2006/relationships" name="Office Theme">
+<a:theme xmlns:a="http://schemas.openxmlformats.org/drawingml/2006/main" name="Office Theme">
   <a:themeElements>
     <a:clrScheme name="Office">
       <a:dk1>
@@ -8197,11 +8657,13 @@
       </a:bgFillStyleLst>
     </a:fmtScheme>
   </a:themeElements>
+  <a:objectDefaults/>
+  <a:extraClrSchemeLst/>
 </a:theme>
 </file>
 
 <file path=ppt/theme/theme2.xml><?xml version="1.0" encoding="utf-8"?>
-<a:theme xmlns:a="http://schemas.openxmlformats.org/drawingml/2006/main" xmlns:r="http://schemas.openxmlformats.org/officeDocument/2006/relationships" name="Office Theme">
+<a:theme xmlns:a="http://schemas.openxmlformats.org/drawingml/2006/main" name="Office Theme">
   <a:themeElements>
     <a:clrScheme name="Office">
       <a:dk1>
@@ -8476,5 +8938,7 @@
       </a:bgFillStyleLst>
     </a:fmtScheme>
   </a:themeElements>
+  <a:objectDefaults/>
+  <a:extraClrSchemeLst/>
 </a:theme>
 </file>